--- a/Historical Hurricane Analysis (1).pptx
+++ b/Historical Hurricane Analysis (1).pptx
@@ -25,27 +25,18 @@
     <p:sldId id="270" r:id="rId20"/>
     <p:sldId id="271" r:id="rId21"/>
     <p:sldId id="272" r:id="rId22"/>
-    <p:sldId id="273" r:id="rId23"/>
-    <p:sldId id="274" r:id="rId24"/>
   </p:sldIdLst>
   <p:sldSz cy="5143500" cx="9144000"/>
   <p:notesSz cx="6858000" cy="9144000"/>
   <p:embeddedFontLst>
     <p:embeddedFont>
-      <p:font typeface="Lora"/>
-      <p:regular r:id="rId25"/>
-      <p:bold r:id="rId26"/>
-      <p:italic r:id="rId27"/>
-      <p:boldItalic r:id="rId28"/>
-    </p:embeddedFont>
-    <p:embeddedFont>
       <p:font typeface="Average"/>
-      <p:regular r:id="rId29"/>
+      <p:regular r:id="rId23"/>
     </p:embeddedFont>
     <p:embeddedFont>
       <p:font typeface="Oswald"/>
-      <p:regular r:id="rId30"/>
-      <p:bold r:id="rId31"/>
+      <p:regular r:id="rId24"/>
+      <p:bold r:id="rId25"/>
     </p:embeddedFont>
   </p:embeddedFontLst>
   <p:defaultTextStyle>
@@ -807,7 +798,8 @@
               <a:buNone/>
             </a:pPr>
             <a:r>
-              <a:t/>
+              <a:rPr lang="en"/>
+              <a:t>Hello my name is Cody Wittmaack and today I’ll be taking you through my capstone project…..a Historical Hurricane Analysis.</a:t>
             </a:r>
             <a:endParaRPr/>
           </a:p>
@@ -826,7 +818,7 @@
   <p:cSld>
     <p:spTree>
       <p:nvGrpSpPr>
-        <p:cNvPr id="118" name="Shape 118"/>
+        <p:cNvPr id="114" name="Shape 114"/>
         <p:cNvGrpSpPr/>
         <p:nvPr/>
       </p:nvGrpSpPr>
@@ -840,7 +832,7 @@
       </p:grpSpPr>
       <p:sp>
         <p:nvSpPr>
-          <p:cNvPr id="119" name="Google Shape;119;g1bf2df51fcc_0_20:notes"/>
+          <p:cNvPr id="115" name="Google Shape;115;g1bf2df51fcc_0_20:notes"/>
           <p:cNvSpPr/>
           <p:nvPr>
             <p:ph idx="2" type="sldImg"/>
@@ -875,7 +867,7 @@
       </p:sp>
       <p:sp>
         <p:nvSpPr>
-          <p:cNvPr id="120" name="Google Shape;120;g1bf2df51fcc_0_20:notes"/>
+          <p:cNvPr id="116" name="Google Shape;116;g1bf2df51fcc_0_20:notes"/>
           <p:cNvSpPr txBox="1"/>
           <p:nvPr>
             <p:ph idx="1" type="body"/>
@@ -925,7 +917,7 @@
   <p:cSld>
     <p:spTree>
       <p:nvGrpSpPr>
-        <p:cNvPr id="124" name="Shape 124"/>
+        <p:cNvPr id="120" name="Shape 120"/>
         <p:cNvGrpSpPr/>
         <p:nvPr/>
       </p:nvGrpSpPr>
@@ -939,7 +931,7 @@
       </p:grpSpPr>
       <p:sp>
         <p:nvSpPr>
-          <p:cNvPr id="125" name="Google Shape;125;g1bf2df51fcc_0_15:notes"/>
+          <p:cNvPr id="121" name="Google Shape;121;g1bf2df51fcc_0_15:notes"/>
           <p:cNvSpPr/>
           <p:nvPr>
             <p:ph idx="2" type="sldImg"/>
@@ -974,7 +966,7 @@
       </p:sp>
       <p:sp>
         <p:nvSpPr>
-          <p:cNvPr id="126" name="Google Shape;126;g1bf2df51fcc_0_15:notes"/>
+          <p:cNvPr id="122" name="Google Shape;122;g1bf2df51fcc_0_15:notes"/>
           <p:cNvSpPr txBox="1"/>
           <p:nvPr>
             <p:ph idx="1" type="body"/>
@@ -1005,7 +997,8 @@
               <a:buNone/>
             </a:pPr>
             <a:r>
-              <a:t/>
+              <a:rPr lang="en"/>
+              <a:t>To better understand the data we need to also understand how the data was collected.</a:t>
             </a:r>
             <a:endParaRPr/>
           </a:p>
@@ -1024,7 +1017,7 @@
   <p:cSld>
     <p:spTree>
       <p:nvGrpSpPr>
-        <p:cNvPr id="134" name="Shape 134"/>
+        <p:cNvPr id="130" name="Shape 130"/>
         <p:cNvGrpSpPr/>
         <p:nvPr/>
       </p:nvGrpSpPr>
@@ -1038,7 +1031,7 @@
       </p:grpSpPr>
       <p:sp>
         <p:nvSpPr>
-          <p:cNvPr id="135" name="Google Shape;135;g1bf2df51fcc_0_25:notes"/>
+          <p:cNvPr id="131" name="Google Shape;131;g1bf2df51fcc_0_25:notes"/>
           <p:cNvSpPr/>
           <p:nvPr>
             <p:ph idx="2" type="sldImg"/>
@@ -1073,7 +1066,7 @@
       </p:sp>
       <p:sp>
         <p:nvSpPr>
-          <p:cNvPr id="136" name="Google Shape;136;g1bf2df51fcc_0_25:notes"/>
+          <p:cNvPr id="132" name="Google Shape;132;g1bf2df51fcc_0_25:notes"/>
           <p:cNvSpPr txBox="1"/>
           <p:nvPr>
             <p:ph idx="1" type="body"/>
@@ -1104,7 +1097,47 @@
               <a:buNone/>
             </a:pPr>
             <a:r>
+              <a:rPr lang="en"/>
+              <a:t>READ BULLETS……</a:t>
+            </a:r>
+            <a:endParaRPr/>
+          </a:p>
+          <a:p>
+            <a:pPr indent="0" lvl="0" marL="0" rtl="0" algn="l">
+              <a:spcBef>
+                <a:spcPts val="0"/>
+              </a:spcBef>
+              <a:spcAft>
+                <a:spcPts val="0"/>
+              </a:spcAft>
+              <a:buNone/>
+            </a:pPr>
+            <a:r>
               <a:t/>
+            </a:r>
+            <a:endParaRPr/>
+          </a:p>
+          <a:p>
+            <a:pPr indent="0" lvl="0" marL="0" rtl="0" algn="l">
+              <a:spcBef>
+                <a:spcPts val="0"/>
+              </a:spcBef>
+              <a:spcAft>
+                <a:spcPts val="0"/>
+              </a:spcAft>
+              <a:buNone/>
+            </a:pPr>
+            <a:r>
+              <a:rPr lang="en"/>
+              <a:t>Maybe we can look at data starting in 1970?  CLICK….As we can see looking at the same data set starting in in 1970 we still see an upward trend.  CLICK.  The </a:t>
+            </a:r>
+            <a:r>
+              <a:rPr lang="en"/>
+              <a:t>regression</a:t>
+            </a:r>
+            <a:r>
+              <a:rPr lang="en"/>
+              <a:t> line also supports an increase in hurricane activity.   CLICK</a:t>
             </a:r>
             <a:endParaRPr/>
           </a:p>
@@ -1123,7 +1156,7 @@
   <p:cSld>
     <p:spTree>
       <p:nvGrpSpPr>
-        <p:cNvPr id="143" name="Shape 143"/>
+        <p:cNvPr id="139" name="Shape 139"/>
         <p:cNvGrpSpPr/>
         <p:nvPr/>
       </p:nvGrpSpPr>
@@ -1137,7 +1170,7 @@
       </p:grpSpPr>
       <p:sp>
         <p:nvSpPr>
-          <p:cNvPr id="144" name="Google Shape;144;g1c09e4ab724_0_34:notes"/>
+          <p:cNvPr id="140" name="Google Shape;140;g1c09e4ab724_0_34:notes"/>
           <p:cNvSpPr/>
           <p:nvPr>
             <p:ph idx="2" type="sldImg"/>
@@ -1172,7 +1205,7 @@
       </p:sp>
       <p:sp>
         <p:nvSpPr>
-          <p:cNvPr id="145" name="Google Shape;145;g1c09e4ab724_0_34:notes"/>
+          <p:cNvPr id="141" name="Google Shape;141;g1c09e4ab724_0_34:notes"/>
           <p:cNvSpPr txBox="1"/>
           <p:nvPr>
             <p:ph idx="1" type="body"/>
@@ -1194,6 +1227,9 @@
           <a:lstStyle/>
           <a:p>
             <a:pPr indent="0" lvl="0" marL="0" rtl="0" algn="l">
+              <a:lnSpc>
+                <a:spcPct val="115000"/>
+              </a:lnSpc>
               <a:spcBef>
                 <a:spcPts val="0"/>
               </a:spcBef>
@@ -1203,9 +1239,81 @@
               <a:buNone/>
             </a:pPr>
             <a:r>
-              <a:t/>
-            </a:r>
-            <a:endParaRPr/>
+              <a:rPr lang="en" sz="1500">
+                <a:solidFill>
+                  <a:schemeClr val="dk1"/>
+                </a:solidFill>
+                <a:latin typeface="Average"/>
+                <a:ea typeface="Average"/>
+                <a:cs typeface="Average"/>
+                <a:sym typeface="Average"/>
+              </a:rPr>
+              <a:t>Read Slide……….If more storms can be identified starting in 1970 why would the 70’s &amp; 80’s lag behind the two previous decades?  The most reasonable explanation is a natural lull in hurricane activity over </a:t>
+            </a:r>
+            <a:r>
+              <a:rPr lang="en" sz="1500">
+                <a:solidFill>
+                  <a:schemeClr val="dk1"/>
+                </a:solidFill>
+                <a:latin typeface="Average"/>
+                <a:ea typeface="Average"/>
+                <a:cs typeface="Average"/>
+                <a:sym typeface="Average"/>
+              </a:rPr>
+              <a:t>that</a:t>
+            </a:r>
+            <a:r>
+              <a:rPr lang="en" sz="1500">
+                <a:solidFill>
+                  <a:schemeClr val="dk1"/>
+                </a:solidFill>
+                <a:latin typeface="Average"/>
+                <a:ea typeface="Average"/>
+                <a:cs typeface="Average"/>
+                <a:sym typeface="Average"/>
+              </a:rPr>
+              <a:t> period..  </a:t>
+            </a:r>
+            <a:endParaRPr sz="1500">
+              <a:solidFill>
+                <a:schemeClr val="dk1"/>
+              </a:solidFill>
+              <a:latin typeface="Average"/>
+              <a:ea typeface="Average"/>
+              <a:cs typeface="Average"/>
+              <a:sym typeface="Average"/>
+            </a:endParaRPr>
+          </a:p>
+          <a:p>
+            <a:pPr indent="0" lvl="0" marL="0" rtl="0" algn="l">
+              <a:lnSpc>
+                <a:spcPct val="115000"/>
+              </a:lnSpc>
+              <a:spcBef>
+                <a:spcPts val="1200"/>
+              </a:spcBef>
+              <a:spcAft>
+                <a:spcPts val="1200"/>
+              </a:spcAft>
+              <a:buNone/>
+            </a:pPr>
+            <a:r>
+              <a:rPr lang="en" sz="1500">
+                <a:solidFill>
+                  <a:schemeClr val="dk1"/>
+                </a:solidFill>
+                <a:latin typeface="Average"/>
+                <a:ea typeface="Average"/>
+                <a:cs typeface="Average"/>
+                <a:sym typeface="Average"/>
+              </a:rPr>
+              <a:t>To solve for this I looked at only landfall hurricane events.  We have good records starting in 1950 for the Atlantic and West Pacific Basin which accounts for about 70% of all global landfall events.</a:t>
+            </a:r>
+            <a:endParaRPr sz="800">
+              <a:solidFill>
+                <a:schemeClr val="dk1"/>
+              </a:solidFill>
+            </a:endParaRPr>
           </a:p>
         </p:txBody>
       </p:sp>
@@ -1222,7 +1330,7 @@
   <p:cSld>
     <p:spTree>
       <p:nvGrpSpPr>
-        <p:cNvPr id="152" name="Shape 152"/>
+        <p:cNvPr id="148" name="Shape 148"/>
         <p:cNvGrpSpPr/>
         <p:nvPr/>
       </p:nvGrpSpPr>
@@ -1236,7 +1344,7 @@
       </p:grpSpPr>
       <p:sp>
         <p:nvSpPr>
-          <p:cNvPr id="153" name="Google Shape;153;g1c09e4ab724_0_39:notes"/>
+          <p:cNvPr id="149" name="Google Shape;149;g1c09e4ab724_0_44:notes"/>
           <p:cNvSpPr/>
           <p:nvPr>
             <p:ph idx="2" type="sldImg"/>
@@ -1271,7 +1379,7 @@
       </p:sp>
       <p:sp>
         <p:nvSpPr>
-          <p:cNvPr id="154" name="Google Shape;154;g1c09e4ab724_0_39:notes"/>
+          <p:cNvPr id="150" name="Google Shape;150;g1c09e4ab724_0_44:notes"/>
           <p:cNvSpPr txBox="1"/>
           <p:nvPr>
             <p:ph idx="1" type="body"/>
@@ -1302,7 +1410,63 @@
               <a:buNone/>
             </a:pPr>
             <a:r>
+              <a:rPr lang="en"/>
+              <a:t>Here is a quick look at a bar chart of that data.  It’s a little difficult to tell the trend here but looks fairly evenly distributed.  Here is </a:t>
+            </a:r>
+            <a:r>
+              <a:rPr lang="en"/>
+              <a:t>another</a:t>
+            </a:r>
+            <a:r>
+              <a:rPr lang="en"/>
+              <a:t> look with a regression line for reference.  As you can see the line nearly flat.  </a:t>
+            </a:r>
+            <a:endParaRPr/>
+          </a:p>
+          <a:p>
+            <a:pPr indent="0" lvl="0" marL="0" rtl="0" algn="l">
+              <a:spcBef>
+                <a:spcPts val="0"/>
+              </a:spcBef>
+              <a:spcAft>
+                <a:spcPts val="0"/>
+              </a:spcAft>
+              <a:buNone/>
+            </a:pPr>
+            <a:r>
               <a:t/>
+            </a:r>
+            <a:endParaRPr/>
+          </a:p>
+          <a:p>
+            <a:pPr indent="0" lvl="0" marL="0" rtl="0" algn="l">
+              <a:spcBef>
+                <a:spcPts val="0"/>
+              </a:spcBef>
+              <a:spcAft>
+                <a:spcPts val="0"/>
+              </a:spcAft>
+              <a:buNone/>
+            </a:pPr>
+            <a:r>
+              <a:rPr lang="en"/>
+              <a:t>The period between the dotted lines also appears to support a lull over that </a:t>
+            </a:r>
+            <a:r>
+              <a:rPr lang="en"/>
+              <a:t>period</a:t>
+            </a:r>
+            <a:r>
+              <a:rPr lang="en"/>
+              <a:t> in </a:t>
+            </a:r>
+            <a:r>
+              <a:rPr lang="en"/>
+              <a:t>this</a:t>
+            </a:r>
+            <a:r>
+              <a:rPr lang="en"/>
+              <a:t> data set.</a:t>
             </a:r>
             <a:endParaRPr/>
           </a:p>
@@ -1321,7 +1485,7 @@
   <p:cSld>
     <p:spTree>
       <p:nvGrpSpPr>
-        <p:cNvPr id="158" name="Shape 158"/>
+        <p:cNvPr id="155" name="Shape 155"/>
         <p:cNvGrpSpPr/>
         <p:nvPr/>
       </p:nvGrpSpPr>
@@ -1335,7 +1499,7 @@
       </p:grpSpPr>
       <p:sp>
         <p:nvSpPr>
-          <p:cNvPr id="159" name="Google Shape;159;g1c09e4ab724_0_44:notes"/>
+          <p:cNvPr id="156" name="Google Shape;156;g1c09e4ab724_0_49:notes"/>
           <p:cNvSpPr/>
           <p:nvPr>
             <p:ph idx="2" type="sldImg"/>
@@ -1370,7 +1534,7 @@
       </p:sp>
       <p:sp>
         <p:nvSpPr>
-          <p:cNvPr id="160" name="Google Shape;160;g1c09e4ab724_0_44:notes"/>
+          <p:cNvPr id="157" name="Google Shape;157;g1c09e4ab724_0_49:notes"/>
           <p:cNvSpPr txBox="1"/>
           <p:nvPr>
             <p:ph idx="1" type="body"/>
@@ -1401,7 +1565,8 @@
               <a:buNone/>
             </a:pPr>
             <a:r>
-              <a:t/>
+              <a:rPr lang="en"/>
+              <a:t>Here we’re looking at only the category 3 and stronger hurricanes.  Once again they are pretty evenly distributed and the regression shows a slight decrease.</a:t>
             </a:r>
             <a:endParaRPr/>
           </a:p>
@@ -1420,7 +1585,7 @@
   <p:cSld>
     <p:spTree>
       <p:nvGrpSpPr>
-        <p:cNvPr id="165" name="Shape 165"/>
+        <p:cNvPr id="162" name="Shape 162"/>
         <p:cNvGrpSpPr/>
         <p:nvPr/>
       </p:nvGrpSpPr>
@@ -1434,7 +1599,7 @@
       </p:grpSpPr>
       <p:sp>
         <p:nvSpPr>
-          <p:cNvPr id="166" name="Google Shape;166;g1c09e4ab724_0_49:notes"/>
+          <p:cNvPr id="163" name="Google Shape;163;g1c09e4ab724_0_75:notes"/>
           <p:cNvSpPr/>
           <p:nvPr>
             <p:ph idx="2" type="sldImg"/>
@@ -1469,7 +1634,7 @@
       </p:sp>
       <p:sp>
         <p:nvSpPr>
-          <p:cNvPr id="167" name="Google Shape;167;g1c09e4ab724_0_49:notes"/>
+          <p:cNvPr id="164" name="Google Shape;164;g1c09e4ab724_0_75:notes"/>
           <p:cNvSpPr txBox="1"/>
           <p:nvPr>
             <p:ph idx="1" type="body"/>
@@ -1500,7 +1665,47 @@
               <a:buNone/>
             </a:pPr>
             <a:r>
+              <a:rPr lang="en"/>
+              <a:t>Given what we’ve seen how can we explain the increase in storm damage that we previously looked at?  CLICK.</a:t>
+            </a:r>
+            <a:endParaRPr/>
+          </a:p>
+          <a:p>
+            <a:pPr indent="0" lvl="0" marL="0" rtl="0" algn="l">
+              <a:spcBef>
+                <a:spcPts val="0"/>
+              </a:spcBef>
+              <a:spcAft>
+                <a:spcPts val="0"/>
+              </a:spcAft>
+              <a:buNone/>
+            </a:pPr>
+            <a:r>
               <a:t/>
+            </a:r>
+            <a:endParaRPr/>
+          </a:p>
+          <a:p>
+            <a:pPr indent="0" lvl="0" marL="0" rtl="0" algn="l">
+              <a:spcBef>
+                <a:spcPts val="0"/>
+              </a:spcBef>
+              <a:spcAft>
+                <a:spcPts val="0"/>
+              </a:spcAft>
+              <a:buNone/>
+            </a:pPr>
+            <a:r>
+              <a:rPr lang="en"/>
+              <a:t>One explanation is likely that coastal population and </a:t>
+            </a:r>
+            <a:r>
+              <a:rPr lang="en"/>
+              <a:t>infrastructure</a:t>
+            </a:r>
+            <a:r>
+              <a:rPr lang="en"/>
+              <a:t> has grown exponentially over the years.   This graph displays the coastal populations of the 5 states most impacted by storms.  As you can see most of these areas have grown 2-3 times from the 70’s to 2010’s.  </a:t>
             </a:r>
             <a:endParaRPr/>
           </a:p>
@@ -1519,7 +1724,7 @@
   <p:cSld>
     <p:spTree>
       <p:nvGrpSpPr>
-        <p:cNvPr id="172" name="Shape 172"/>
+        <p:cNvPr id="169" name="Shape 169"/>
         <p:cNvGrpSpPr/>
         <p:nvPr/>
       </p:nvGrpSpPr>
@@ -1533,7 +1738,7 @@
       </p:grpSpPr>
       <p:sp>
         <p:nvSpPr>
-          <p:cNvPr id="173" name="Google Shape;173;g1c09e4ab724_0_117:notes"/>
+          <p:cNvPr id="170" name="Google Shape;170;g1bf2df51fcc_0_55:notes"/>
           <p:cNvSpPr/>
           <p:nvPr>
             <p:ph idx="2" type="sldImg"/>
@@ -1568,7 +1773,7 @@
       </p:sp>
       <p:sp>
         <p:nvSpPr>
-          <p:cNvPr id="174" name="Google Shape;174;g1c09e4ab724_0_117:notes"/>
+          <p:cNvPr id="171" name="Google Shape;171;g1bf2df51fcc_0_55:notes"/>
           <p:cNvSpPr txBox="1"/>
           <p:nvPr>
             <p:ph idx="1" type="body"/>
@@ -1589,217 +1794,119 @@
           </a:bodyPr>
           <a:lstStyle/>
           <a:p>
-            <a:pPr indent="0" lvl="0" marL="0" rtl="0" algn="l">
-              <a:spcBef>
-                <a:spcPts val="0"/>
-              </a:spcBef>
-              <a:spcAft>
-                <a:spcPts val="0"/>
-              </a:spcAft>
-              <a:buNone/>
+            <a:pPr indent="-330200" lvl="0" marL="457200" rtl="0" algn="l">
+              <a:lnSpc>
+                <a:spcPct val="115000"/>
+              </a:lnSpc>
+              <a:spcBef>
+                <a:spcPts val="0"/>
+              </a:spcBef>
+              <a:spcAft>
+                <a:spcPts val="0"/>
+              </a:spcAft>
+              <a:buClr>
+                <a:schemeClr val="dk1"/>
+              </a:buClr>
+              <a:buSzPts val="1600"/>
+              <a:buFont typeface="Average"/>
+              <a:buChar char="●"/>
             </a:pPr>
             <a:r>
-              <a:t/>
-            </a:r>
-            <a:endParaRPr/>
+              <a:rPr lang="en" sz="1600">
+                <a:solidFill>
+                  <a:schemeClr val="dk1"/>
+                </a:solidFill>
+                <a:latin typeface="Average"/>
+                <a:ea typeface="Average"/>
+                <a:cs typeface="Average"/>
+                <a:sym typeface="Average"/>
+              </a:rPr>
+              <a:t>This is not to say climate change isn’t taking place.  </a:t>
+            </a:r>
+            <a:endParaRPr sz="1600">
+              <a:solidFill>
+                <a:schemeClr val="dk1"/>
+              </a:solidFill>
+              <a:latin typeface="Average"/>
+              <a:ea typeface="Average"/>
+              <a:cs typeface="Average"/>
+              <a:sym typeface="Average"/>
+            </a:endParaRPr>
           </a:p>
-        </p:txBody>
-      </p:sp>
-    </p:spTree>
-  </p:cSld>
-  <p:clrMapOvr>
-    <a:masterClrMapping/>
-  </p:clrMapOvr>
-</p:notes>
-</file>
-
-<file path=ppt/notesSlides/notesSlide18.xml><?xml version="1.0" encoding="utf-8"?>
-<p:notes xmlns:a="http://schemas.openxmlformats.org/drawingml/2006/main" xmlns:r="http://schemas.openxmlformats.org/officeDocument/2006/relationships" xmlns:mc="http://schemas.openxmlformats.org/markup-compatibility/2006" xmlns:mv="urn:schemas-microsoft-com:mac:vml" xmlns:p="http://schemas.openxmlformats.org/presentationml/2006/main" xmlns:c="http://schemas.openxmlformats.org/drawingml/2006/chart" xmlns:dgm="http://schemas.openxmlformats.org/drawingml/2006/diagram" xmlns:o="urn:schemas-microsoft-com:office:office" xmlns:v="urn:schemas-microsoft-com:vml" xmlns:pvml="urn:schemas-microsoft-com:office:powerpoint" xmlns:com="http://schemas.openxmlformats.org/drawingml/2006/compatibility" xmlns:p14="http://schemas.microsoft.com/office/powerpoint/2010/main" xmlns:p15="http://schemas.microsoft.com/office/powerpoint/2012/main" xmlns:ahyp="http://schemas.microsoft.com/office/drawing/2018/hyperlinkcolor" showMasterPhAnim="0" showMasterSp="0">
-  <p:cSld>
-    <p:spTree>
-      <p:nvGrpSpPr>
-        <p:cNvPr id="178" name="Shape 178"/>
-        <p:cNvGrpSpPr/>
-        <p:nvPr/>
-      </p:nvGrpSpPr>
-      <p:grpSpPr>
-        <a:xfrm>
-          <a:off x="0" y="0"/>
-          <a:ext cx="0" cy="0"/>
-          <a:chOff x="0" y="0"/>
-          <a:chExt cx="0" cy="0"/>
-        </a:xfrm>
-      </p:grpSpPr>
-      <p:sp>
-        <p:nvSpPr>
-          <p:cNvPr id="179" name="Google Shape;179;g1c09e4ab724_0_75:notes"/>
-          <p:cNvSpPr/>
-          <p:nvPr>
-            <p:ph idx="2" type="sldImg"/>
-          </p:nvPr>
-        </p:nvSpPr>
-        <p:spPr>
-          <a:xfrm>
-            <a:off x="381300" y="685800"/>
-            <a:ext cx="6096000" cy="3429000"/>
-          </a:xfrm>
-          <a:custGeom>
-            <a:rect b="b" l="l" r="r" t="t"/>
-            <a:pathLst>
-              <a:path extrusionOk="0" h="120000" w="120000">
-                <a:moveTo>
-                  <a:pt x="0" y="0"/>
-                </a:moveTo>
-                <a:lnTo>
-                  <a:pt x="120000" y="0"/>
-                </a:lnTo>
-                <a:lnTo>
-                  <a:pt x="120000" y="120000"/>
-                </a:lnTo>
-                <a:lnTo>
-                  <a:pt x="0" y="120000"/>
-                </a:lnTo>
-                <a:close/>
-              </a:path>
-            </a:pathLst>
-          </a:custGeom>
-        </p:spPr>
-      </p:sp>
-      <p:sp>
-        <p:nvSpPr>
-          <p:cNvPr id="180" name="Google Shape;180;g1c09e4ab724_0_75:notes"/>
-          <p:cNvSpPr txBox="1"/>
-          <p:nvPr>
-            <p:ph idx="1" type="body"/>
-          </p:nvPr>
-        </p:nvSpPr>
-        <p:spPr>
-          <a:xfrm>
-            <a:off x="685800" y="4343400"/>
-            <a:ext cx="5486400" cy="4114800"/>
-          </a:xfrm>
-          <a:prstGeom prst="rect">
-            <a:avLst/>
-          </a:prstGeom>
-        </p:spPr>
-        <p:txBody>
-          <a:bodyPr anchorCtr="0" anchor="t" bIns="91425" lIns="91425" spcFirstLastPara="1" rIns="91425" wrap="square" tIns="91425">
-            <a:noAutofit/>
-          </a:bodyPr>
-          <a:lstStyle/>
+          <a:p>
+            <a:pPr indent="-330200" lvl="0" marL="457200" rtl="0" algn="l">
+              <a:lnSpc>
+                <a:spcPct val="115000"/>
+              </a:lnSpc>
+              <a:spcBef>
+                <a:spcPts val="0"/>
+              </a:spcBef>
+              <a:spcAft>
+                <a:spcPts val="0"/>
+              </a:spcAft>
+              <a:buClr>
+                <a:schemeClr val="dk1"/>
+              </a:buClr>
+              <a:buSzPts val="1600"/>
+              <a:buFont typeface="Average"/>
+              <a:buChar char="●"/>
+            </a:pPr>
+            <a:r>
+              <a:rPr lang="en" sz="1600">
+                <a:solidFill>
+                  <a:schemeClr val="dk1"/>
+                </a:solidFill>
+                <a:latin typeface="Average"/>
+                <a:ea typeface="Average"/>
+                <a:cs typeface="Average"/>
+                <a:sym typeface="Average"/>
+              </a:rPr>
+              <a:t>Some evidence of hurricanes moving more slowly resulting in more rain being deposited in an area and causing more damage as a result.  </a:t>
+            </a:r>
+            <a:endParaRPr sz="1600">
+              <a:solidFill>
+                <a:schemeClr val="dk1"/>
+              </a:solidFill>
+              <a:latin typeface="Average"/>
+              <a:ea typeface="Average"/>
+              <a:cs typeface="Average"/>
+              <a:sym typeface="Average"/>
+            </a:endParaRPr>
+          </a:p>
           <a:p>
             <a:pPr indent="0" lvl="0" marL="0" rtl="0" algn="l">
-              <a:spcBef>
-                <a:spcPts val="0"/>
-              </a:spcBef>
-              <a:spcAft>
-                <a:spcPts val="0"/>
+              <a:lnSpc>
+                <a:spcPct val="115000"/>
+              </a:lnSpc>
+              <a:spcBef>
+                <a:spcPts val="1200"/>
+              </a:spcBef>
+              <a:spcAft>
+                <a:spcPts val="1200"/>
               </a:spcAft>
               <a:buNone/>
             </a:pPr>
             <a:r>
-              <a:t/>
-            </a:r>
-            <a:endParaRPr/>
-          </a:p>
-        </p:txBody>
-      </p:sp>
-    </p:spTree>
-  </p:cSld>
-  <p:clrMapOvr>
-    <a:masterClrMapping/>
-  </p:clrMapOvr>
-</p:notes>
-</file>
-
-<file path=ppt/notesSlides/notesSlide19.xml><?xml version="1.0" encoding="utf-8"?>
-<p:notes xmlns:a="http://schemas.openxmlformats.org/drawingml/2006/main" xmlns:r="http://schemas.openxmlformats.org/officeDocument/2006/relationships" xmlns:mc="http://schemas.openxmlformats.org/markup-compatibility/2006" xmlns:mv="urn:schemas-microsoft-com:mac:vml" xmlns:p="http://schemas.openxmlformats.org/presentationml/2006/main" xmlns:c="http://schemas.openxmlformats.org/drawingml/2006/chart" xmlns:dgm="http://schemas.openxmlformats.org/drawingml/2006/diagram" xmlns:o="urn:schemas-microsoft-com:office:office" xmlns:v="urn:schemas-microsoft-com:vml" xmlns:pvml="urn:schemas-microsoft-com:office:powerpoint" xmlns:com="http://schemas.openxmlformats.org/drawingml/2006/compatibility" xmlns:p14="http://schemas.microsoft.com/office/powerpoint/2010/main" xmlns:p15="http://schemas.microsoft.com/office/powerpoint/2012/main" xmlns:ahyp="http://schemas.microsoft.com/office/drawing/2018/hyperlinkcolor" showMasterPhAnim="0" showMasterSp="0">
-  <p:cSld>
-    <p:spTree>
-      <p:nvGrpSpPr>
-        <p:cNvPr id="185" name="Shape 185"/>
-        <p:cNvGrpSpPr/>
-        <p:nvPr/>
-      </p:nvGrpSpPr>
-      <p:grpSpPr>
-        <a:xfrm>
-          <a:off x="0" y="0"/>
-          <a:ext cx="0" cy="0"/>
-          <a:chOff x="0" y="0"/>
-          <a:chExt cx="0" cy="0"/>
-        </a:xfrm>
-      </p:grpSpPr>
-      <p:sp>
-        <p:nvSpPr>
-          <p:cNvPr id="186" name="Google Shape;186;g1bf2df51fcc_0_55:notes"/>
-          <p:cNvSpPr/>
-          <p:nvPr>
-            <p:ph idx="2" type="sldImg"/>
-          </p:nvPr>
-        </p:nvSpPr>
-        <p:spPr>
-          <a:xfrm>
-            <a:off x="381300" y="685800"/>
-            <a:ext cx="6096000" cy="3429000"/>
-          </a:xfrm>
-          <a:custGeom>
-            <a:rect b="b" l="l" r="r" t="t"/>
-            <a:pathLst>
-              <a:path extrusionOk="0" h="120000" w="120000">
-                <a:moveTo>
-                  <a:pt x="0" y="0"/>
-                </a:moveTo>
-                <a:lnTo>
-                  <a:pt x="120000" y="0"/>
-                </a:lnTo>
-                <a:lnTo>
-                  <a:pt x="120000" y="120000"/>
-                </a:lnTo>
-                <a:lnTo>
-                  <a:pt x="0" y="120000"/>
-                </a:lnTo>
-                <a:close/>
-              </a:path>
-            </a:pathLst>
-          </a:custGeom>
-        </p:spPr>
-      </p:sp>
-      <p:sp>
-        <p:nvSpPr>
-          <p:cNvPr id="187" name="Google Shape;187;g1bf2df51fcc_0_55:notes"/>
-          <p:cNvSpPr txBox="1"/>
-          <p:nvPr>
-            <p:ph idx="1" type="body"/>
-          </p:nvPr>
-        </p:nvSpPr>
-        <p:spPr>
-          <a:xfrm>
-            <a:off x="685800" y="4343400"/>
-            <a:ext cx="5486400" cy="4114800"/>
-          </a:xfrm>
-          <a:prstGeom prst="rect">
-            <a:avLst/>
-          </a:prstGeom>
-        </p:spPr>
-        <p:txBody>
-          <a:bodyPr anchorCtr="0" anchor="t" bIns="91425" lIns="91425" spcFirstLastPara="1" rIns="91425" wrap="square" tIns="91425">
-            <a:noAutofit/>
-          </a:bodyPr>
-          <a:lstStyle/>
-          <a:p>
-            <a:pPr indent="0" lvl="0" marL="0" rtl="0" algn="l">
-              <a:spcBef>
-                <a:spcPts val="0"/>
-              </a:spcBef>
-              <a:spcAft>
-                <a:spcPts val="0"/>
-              </a:spcAft>
-              <a:buNone/>
-            </a:pPr>
-            <a:r>
-              <a:t/>
-            </a:r>
-            <a:endParaRPr/>
+              <a:rPr lang="en" sz="1600">
+                <a:solidFill>
+                  <a:schemeClr val="dk1"/>
+                </a:solidFill>
+                <a:latin typeface="Average"/>
+                <a:ea typeface="Average"/>
+                <a:cs typeface="Average"/>
+                <a:sym typeface="Average"/>
+              </a:rPr>
+              <a:t>With that thank you for your time and I hope this has been insightful.  </a:t>
+            </a:r>
+            <a:endParaRPr sz="1600">
+              <a:solidFill>
+                <a:schemeClr val="dk1"/>
+              </a:solidFill>
+              <a:latin typeface="Average"/>
+              <a:ea typeface="Average"/>
+              <a:cs typeface="Average"/>
+              <a:sym typeface="Average"/>
+            </a:endParaRPr>
           </a:p>
         </p:txBody>
       </p:sp>
@@ -1896,7 +2003,8 @@
               <a:buNone/>
             </a:pPr>
             <a:r>
-              <a:t/>
+              <a:rPr lang="en"/>
+              <a:t>First, here is a list of data sources &amp; tech used for the analysis. </a:t>
             </a:r>
             <a:endParaRPr/>
           </a:p>
@@ -1995,9 +2103,10 @@
               <a:buNone/>
             </a:pPr>
             <a:r>
-              <a:t/>
-            </a:r>
-            <a:endParaRPr/>
+              <a:rPr lang="en"/>
+              <a:t>Global warming isn’t really up for debate.  This graph plots the average surface temp of earth for each year from 1895 to 2021.  As you can see in this graph there is certainly a warming effect taking place.  </a:t>
+            </a:r>
+            <a:endParaRPr b="1"/>
           </a:p>
         </p:txBody>
       </p:sp>
@@ -2094,7 +2203,43 @@
               <a:buNone/>
             </a:pPr>
             <a:r>
+              <a:rPr lang="en"/>
+              <a:t>The question I’m looking to answer is whether or not this warming is impacting the frequency or intensity of hurricanes.  </a:t>
+            </a:r>
+            <a:endParaRPr/>
+          </a:p>
+          <a:p>
+            <a:pPr indent="0" lvl="0" marL="0" rtl="0" algn="l">
+              <a:spcBef>
+                <a:spcPts val="0"/>
+              </a:spcBef>
+              <a:spcAft>
+                <a:spcPts val="0"/>
+              </a:spcAft>
+              <a:buNone/>
+            </a:pPr>
+            <a:r>
               <a:t/>
+            </a:r>
+            <a:endParaRPr/>
+          </a:p>
+          <a:p>
+            <a:pPr indent="0" lvl="0" marL="0" rtl="0" algn="l">
+              <a:spcBef>
+                <a:spcPts val="0"/>
+              </a:spcBef>
+              <a:spcAft>
+                <a:spcPts val="0"/>
+              </a:spcAft>
+              <a:buNone/>
+            </a:pPr>
+            <a:r>
+              <a:rPr lang="en"/>
+              <a:t>A simple google </a:t>
+            </a:r>
+            <a:r>
+              <a:rPr lang="en"/>
+              <a:t>search on the topic will likely leave you scratching your head.</a:t>
             </a:r>
             <a:endParaRPr/>
           </a:p>
@@ -2127,7 +2272,7 @@
       </p:grpSpPr>
       <p:sp>
         <p:nvSpPr>
-          <p:cNvPr id="89" name="Google Shape;89;g1c09e4ab724_0_21:notes"/>
+          <p:cNvPr id="89" name="Google Shape;89;g1c09e4ab724_0_59:notes"/>
           <p:cNvSpPr/>
           <p:nvPr>
             <p:ph idx="2" type="sldImg"/>
@@ -2162,7 +2307,7 @@
       </p:sp>
       <p:sp>
         <p:nvSpPr>
-          <p:cNvPr id="90" name="Google Shape;90;g1c09e4ab724_0_21:notes"/>
+          <p:cNvPr id="90" name="Google Shape;90;g1c09e4ab724_0_59:notes"/>
           <p:cNvSpPr txBox="1"/>
           <p:nvPr>
             <p:ph idx="1" type="body"/>
@@ -2193,7 +2338,71 @@
               <a:buNone/>
             </a:pPr>
             <a:r>
+              <a:rPr lang="en"/>
+              <a:t>This graph shows the </a:t>
+            </a:r>
+            <a:r>
+              <a:rPr lang="en"/>
+              <a:t>damage</a:t>
+            </a:r>
+            <a:r>
+              <a:rPr lang="en"/>
+              <a:t> in </a:t>
+            </a:r>
+            <a:r>
+              <a:rPr lang="en"/>
+              <a:t>billions</a:t>
+            </a:r>
+            <a:r>
+              <a:rPr lang="en"/>
+              <a:t> of dollars caused by hurricanes in the U.S. from 1980 to current day.  This would would likely lead you to believe storms more frequent and intense.</a:t>
+            </a:r>
+            <a:endParaRPr/>
+          </a:p>
+          <a:p>
+            <a:pPr indent="0" lvl="0" marL="0" rtl="0" algn="l">
+              <a:spcBef>
+                <a:spcPts val="0"/>
+              </a:spcBef>
+              <a:spcAft>
+                <a:spcPts val="0"/>
+              </a:spcAft>
+              <a:buNone/>
+            </a:pPr>
+            <a:r>
+              <a:rPr lang="en"/>
+              <a:t>……..</a:t>
+            </a:r>
+            <a:endParaRPr/>
+          </a:p>
+          <a:p>
+            <a:pPr indent="0" lvl="0" marL="0" rtl="0" algn="l">
+              <a:spcBef>
+                <a:spcPts val="0"/>
+              </a:spcBef>
+              <a:spcAft>
+                <a:spcPts val="0"/>
+              </a:spcAft>
+              <a:buNone/>
+            </a:pPr>
+            <a:r>
               <a:t/>
+            </a:r>
+            <a:endParaRPr/>
+          </a:p>
+          <a:p>
+            <a:pPr indent="0" lvl="0" marL="0" rtl="0" algn="l">
+              <a:spcBef>
+                <a:spcPts val="0"/>
+              </a:spcBef>
+              <a:spcAft>
+                <a:spcPts val="0"/>
+              </a:spcAft>
+              <a:buNone/>
+            </a:pPr>
+            <a:r>
+              <a:rPr lang="en"/>
+              <a:t>Next I was able to find data that tracked occurrences of each hurricane event from 1895 to 2021 in the North Atlantic Basin…….CLICK</a:t>
             </a:r>
             <a:endParaRPr/>
           </a:p>
@@ -2226,7 +2435,7 @@
       </p:grpSpPr>
       <p:sp>
         <p:nvSpPr>
-          <p:cNvPr id="95" name="Google Shape;95;g1bf2df51fcc_0_10:notes"/>
+          <p:cNvPr id="95" name="Google Shape;95;g1c09e4ab724_0_21:notes"/>
           <p:cNvSpPr/>
           <p:nvPr>
             <p:ph idx="2" type="sldImg"/>
@@ -2261,7 +2470,7 @@
       </p:sp>
       <p:sp>
         <p:nvSpPr>
-          <p:cNvPr id="96" name="Google Shape;96;g1bf2df51fcc_0_10:notes"/>
+          <p:cNvPr id="96" name="Google Shape;96;g1c09e4ab724_0_21:notes"/>
           <p:cNvSpPr txBox="1"/>
           <p:nvPr>
             <p:ph idx="1" type="body"/>
@@ -2292,7 +2501,16 @@
               <a:buNone/>
             </a:pPr>
             <a:r>
-              <a:t/>
+              <a:rPr lang="en"/>
+              <a:t>As you can pretty clearly see there </a:t>
+            </a:r>
+            <a:r>
+              <a:rPr lang="en"/>
+              <a:t>does</a:t>
+            </a:r>
+            <a:r>
+              <a:rPr lang="en"/>
+              <a:t> appear to be an upward trend in occurrences over this period…..CLICK.</a:t>
             </a:r>
             <a:endParaRPr/>
           </a:p>
@@ -2311,7 +2529,7 @@
   <p:cSld>
     <p:spTree>
       <p:nvGrpSpPr>
-        <p:cNvPr id="100" name="Shape 100"/>
+        <p:cNvPr id="99" name="Shape 99"/>
         <p:cNvGrpSpPr/>
         <p:nvPr/>
       </p:nvGrpSpPr>
@@ -2325,7 +2543,7 @@
       </p:grpSpPr>
       <p:sp>
         <p:nvSpPr>
-          <p:cNvPr id="101" name="Google Shape;101;g1c09e4ab724_0_104:notes"/>
+          <p:cNvPr id="100" name="Google Shape;100;g1bf2df51fcc_0_10:notes"/>
           <p:cNvSpPr/>
           <p:nvPr>
             <p:ph idx="2" type="sldImg"/>
@@ -2360,7 +2578,7 @@
       </p:sp>
       <p:sp>
         <p:nvSpPr>
-          <p:cNvPr id="102" name="Google Shape;102;g1c09e4ab724_0_104:notes"/>
+          <p:cNvPr id="101" name="Google Shape;101;g1bf2df51fcc_0_10:notes"/>
           <p:cNvSpPr txBox="1"/>
           <p:nvPr>
             <p:ph idx="1" type="body"/>
@@ -2391,7 +2609,8 @@
               <a:buNone/>
             </a:pPr>
             <a:r>
-              <a:t/>
+              <a:rPr lang="en"/>
+              <a:t>A regression line of these events further supports an increase in hurricane activity. </a:t>
             </a:r>
             <a:endParaRPr/>
           </a:p>
@@ -2410,7 +2629,7 @@
   <p:cSld>
     <p:spTree>
       <p:nvGrpSpPr>
-        <p:cNvPr id="106" name="Shape 106"/>
+        <p:cNvPr id="104" name="Shape 104"/>
         <p:cNvGrpSpPr/>
         <p:nvPr/>
       </p:nvGrpSpPr>
@@ -2424,7 +2643,7 @@
       </p:grpSpPr>
       <p:sp>
         <p:nvSpPr>
-          <p:cNvPr id="107" name="Google Shape;107;g1c09e4ab724_0_109:notes"/>
+          <p:cNvPr id="105" name="Google Shape;105;g1c09e4ab724_0_104:notes"/>
           <p:cNvSpPr/>
           <p:nvPr>
             <p:ph idx="2" type="sldImg"/>
@@ -2459,7 +2678,7 @@
       </p:sp>
       <p:sp>
         <p:nvSpPr>
-          <p:cNvPr id="108" name="Google Shape;108;g1c09e4ab724_0_109:notes"/>
+          <p:cNvPr id="106" name="Google Shape;106;g1c09e4ab724_0_104:notes"/>
           <p:cNvSpPr txBox="1"/>
           <p:nvPr>
             <p:ph idx="1" type="body"/>
@@ -2490,7 +2709,20 @@
               <a:buNone/>
             </a:pPr>
             <a:r>
-              <a:t/>
+              <a:rPr lang="en"/>
+              <a:t>Here we look at only category 3 storms &amp; stronger (</a:t>
+            </a:r>
+            <a:r>
+              <a:rPr lang="en">
+                <a:solidFill>
+                  <a:schemeClr val="dk1"/>
+                </a:solidFill>
+              </a:rPr>
+              <a:t>111-129 mph) to measure intensity</a:t>
+            </a:r>
+            <a:r>
+              <a:rPr lang="en"/>
+              <a:t>.  </a:t>
             </a:r>
             <a:endParaRPr/>
           </a:p>
@@ -2509,7 +2741,7 @@
   <p:cSld>
     <p:spTree>
       <p:nvGrpSpPr>
-        <p:cNvPr id="112" name="Shape 112"/>
+        <p:cNvPr id="109" name="Shape 109"/>
         <p:cNvGrpSpPr/>
         <p:nvPr/>
       </p:nvGrpSpPr>
@@ -2523,7 +2755,7 @@
       </p:grpSpPr>
       <p:sp>
         <p:nvSpPr>
-          <p:cNvPr id="113" name="Google Shape;113;g1c09e4ab724_0_59:notes"/>
+          <p:cNvPr id="110" name="Google Shape;110;g1c09e4ab724_0_109:notes"/>
           <p:cNvSpPr/>
           <p:nvPr>
             <p:ph idx="2" type="sldImg"/>
@@ -2558,7 +2790,7 @@
       </p:sp>
       <p:sp>
         <p:nvSpPr>
-          <p:cNvPr id="114" name="Google Shape;114;g1c09e4ab724_0_59:notes"/>
+          <p:cNvPr id="111" name="Google Shape;111;g1c09e4ab724_0_109:notes"/>
           <p:cNvSpPr txBox="1"/>
           <p:nvPr>
             <p:ph idx="1" type="body"/>
@@ -2589,7 +2821,8 @@
               <a:buNone/>
             </a:pPr>
             <a:r>
-              <a:t/>
+              <a:rPr lang="en"/>
+              <a:t>AND again here the regression also seems to support an increase in frequency of these storms.</a:t>
             </a:r>
             <a:endParaRPr/>
           </a:p>
@@ -7879,18 +8112,16 @@
             </a:pPr>
             <a:r>
               <a:rPr lang="en" sz="4000">
-                <a:latin typeface="Lora"/>
-                <a:ea typeface="Lora"/>
-                <a:cs typeface="Lora"/>
-                <a:sym typeface="Lora"/>
+                <a:solidFill>
+                  <a:schemeClr val="accent3"/>
+                </a:solidFill>
               </a:rPr>
               <a:t>Historical Hurricane Analysis</a:t>
             </a:r>
             <a:endParaRPr sz="4000">
-              <a:latin typeface="Lora"/>
-              <a:ea typeface="Lora"/>
-              <a:cs typeface="Lora"/>
-              <a:sym typeface="Lora"/>
+              <a:solidFill>
+                <a:schemeClr val="accent3"/>
+              </a:solidFill>
             </a:endParaRPr>
           </a:p>
         </p:txBody>
@@ -7932,48 +8163,36 @@
             </a:pPr>
             <a:r>
               <a:rPr lang="en" sz="2400">
-                <a:solidFill>
-                  <a:schemeClr val="dk1"/>
-                </a:solidFill>
-                <a:latin typeface="Lora"/>
-                <a:ea typeface="Lora"/>
-                <a:cs typeface="Lora"/>
-                <a:sym typeface="Lora"/>
+                <a:latin typeface="Oswald"/>
+                <a:ea typeface="Oswald"/>
+                <a:cs typeface="Oswald"/>
+                <a:sym typeface="Oswald"/>
               </a:rPr>
               <a:t>Cody</a:t>
             </a:r>
             <a:r>
               <a:rPr lang="en" sz="900">
-                <a:solidFill>
-                  <a:schemeClr val="dk1"/>
-                </a:solidFill>
-                <a:latin typeface="Verdana"/>
-                <a:ea typeface="Verdana"/>
-                <a:cs typeface="Verdana"/>
-                <a:sym typeface="Verdana"/>
+                <a:latin typeface="Oswald"/>
+                <a:ea typeface="Oswald"/>
+                <a:cs typeface="Oswald"/>
+                <a:sym typeface="Oswald"/>
               </a:rPr>
               <a:t> </a:t>
             </a:r>
             <a:r>
               <a:rPr lang="en" sz="2400">
-                <a:solidFill>
-                  <a:schemeClr val="dk1"/>
-                </a:solidFill>
-                <a:latin typeface="Lora"/>
-                <a:ea typeface="Lora"/>
-                <a:cs typeface="Lora"/>
-                <a:sym typeface="Lora"/>
+                <a:latin typeface="Oswald"/>
+                <a:ea typeface="Oswald"/>
+                <a:cs typeface="Oswald"/>
+                <a:sym typeface="Oswald"/>
               </a:rPr>
               <a:t>Wittmaack</a:t>
             </a:r>
             <a:endParaRPr sz="900">
-              <a:solidFill>
-                <a:schemeClr val="dk1"/>
-              </a:solidFill>
-              <a:latin typeface="Verdana"/>
-              <a:ea typeface="Verdana"/>
-              <a:cs typeface="Verdana"/>
-              <a:sym typeface="Verdana"/>
+              <a:latin typeface="Oswald"/>
+              <a:ea typeface="Oswald"/>
+              <a:cs typeface="Oswald"/>
+              <a:sym typeface="Oswald"/>
             </a:endParaRPr>
           </a:p>
         </p:txBody>
@@ -7991,7 +8210,7 @@
   <p:cSld>
     <p:spTree>
       <p:nvGrpSpPr>
-        <p:cNvPr id="121" name="Shape 121"/>
+        <p:cNvPr id="117" name="Shape 117"/>
         <p:cNvGrpSpPr/>
         <p:nvPr/>
       </p:nvGrpSpPr>
@@ -8005,7 +8224,7 @@
       </p:grpSpPr>
       <p:sp>
         <p:nvSpPr>
-          <p:cNvPr id="122" name="Google Shape;122;p22"/>
+          <p:cNvPr id="118" name="Google Shape;118;p22"/>
           <p:cNvSpPr txBox="1"/>
           <p:nvPr>
             <p:ph type="title"/>
@@ -8036,16 +8255,24 @@
               <a:buNone/>
             </a:pPr>
             <a:r>
-              <a:rPr lang="en"/>
+              <a:rPr lang="en">
+                <a:solidFill>
+                  <a:schemeClr val="accent3"/>
+                </a:solidFill>
+              </a:rPr>
               <a:t>Back to the question at hand…	</a:t>
             </a:r>
-            <a:endParaRPr/>
+            <a:endParaRPr>
+              <a:solidFill>
+                <a:schemeClr val="accent3"/>
+              </a:solidFill>
+            </a:endParaRPr>
           </a:p>
         </p:txBody>
       </p:sp>
       <p:sp>
         <p:nvSpPr>
-          <p:cNvPr id="123" name="Google Shape;123;p22"/>
+          <p:cNvPr id="119" name="Google Shape;119;p22"/>
           <p:cNvSpPr txBox="1"/>
           <p:nvPr>
             <p:ph idx="1" type="body"/>
@@ -8062,7 +8289,7 @@
         </p:spPr>
         <p:txBody>
           <a:bodyPr anchorCtr="0" anchor="t" bIns="91425" lIns="91425" spcFirstLastPara="1" rIns="91425" wrap="square" tIns="91425">
-            <a:normAutofit/>
+            <a:normAutofit fontScale="92500"/>
           </a:bodyPr>
           <a:lstStyle/>
           <a:p>
@@ -8079,21 +8306,15 @@
               <a:buNone/>
             </a:pPr>
             <a:r>
-              <a:rPr lang="en" sz="2300">
-                <a:solidFill>
-                  <a:schemeClr val="dk1"/>
-                </a:solidFill>
+              <a:rPr lang="en" sz="2600">
                 <a:latin typeface="Oswald"/>
                 <a:ea typeface="Oswald"/>
                 <a:cs typeface="Oswald"/>
                 <a:sym typeface="Oswald"/>
               </a:rPr>
-              <a:t>Is Global Warming Impacting the Frequency of Hurricanes?</a:t>
-            </a:r>
-            <a:endParaRPr sz="2300">
-              <a:solidFill>
-                <a:schemeClr val="dk1"/>
-              </a:solidFill>
+              <a:t>Is Global Warming Impacting the Frequency &amp; Intensity of Hurricanes?</a:t>
+            </a:r>
+            <a:endParaRPr sz="2600">
               <a:latin typeface="Oswald"/>
               <a:ea typeface="Oswald"/>
               <a:cs typeface="Oswald"/>
@@ -8101,7 +8322,7 @@
             </a:endParaRPr>
           </a:p>
           <a:p>
-            <a:pPr indent="-374650" lvl="0" marL="457200" rtl="0" algn="l">
+            <a:pPr indent="-381317" lvl="0" marL="457200" rtl="0" algn="l">
               <a:lnSpc>
                 <a:spcPct val="150000"/>
               </a:lnSpc>
@@ -8111,29 +8332,20 @@
               <a:spcAft>
                 <a:spcPts val="0"/>
               </a:spcAft>
-              <a:buClr>
-                <a:schemeClr val="dk1"/>
-              </a:buClr>
-              <a:buSzPts val="2300"/>
+              <a:buSzPct val="100000"/>
               <a:buFont typeface="Oswald"/>
               <a:buChar char="●"/>
             </a:pPr>
             <a:r>
-              <a:rPr lang="en" sz="2300">
-                <a:solidFill>
-                  <a:schemeClr val="dk1"/>
-                </a:solidFill>
+              <a:rPr lang="en" sz="2600">
                 <a:latin typeface="Oswald"/>
                 <a:ea typeface="Oswald"/>
                 <a:cs typeface="Oswald"/>
                 <a:sym typeface="Oswald"/>
               </a:rPr>
-              <a:t>Based on that data…yes, case closed!</a:t>
-            </a:r>
-            <a:endParaRPr sz="2300">
-              <a:solidFill>
-                <a:schemeClr val="dk1"/>
-              </a:solidFill>
+              <a:t>Based on that data…it certainly appears to!</a:t>
+            </a:r>
+            <a:endParaRPr sz="2600">
               <a:latin typeface="Oswald"/>
               <a:ea typeface="Oswald"/>
               <a:cs typeface="Oswald"/>
@@ -8141,7 +8353,7 @@
             </a:endParaRPr>
           </a:p>
           <a:p>
-            <a:pPr indent="-374650" lvl="0" marL="457200" rtl="0" algn="l">
+            <a:pPr indent="-381317" lvl="0" marL="457200" rtl="0" algn="l">
               <a:lnSpc>
                 <a:spcPct val="150000"/>
               </a:lnSpc>
@@ -8151,29 +8363,20 @@
               <a:spcAft>
                 <a:spcPts val="0"/>
               </a:spcAft>
-              <a:buClr>
-                <a:schemeClr val="dk1"/>
-              </a:buClr>
-              <a:buSzPts val="2300"/>
+              <a:buSzPct val="100000"/>
               <a:buFont typeface="Oswald"/>
               <a:buChar char="●"/>
             </a:pPr>
             <a:r>
-              <a:rPr lang="en" sz="2300">
-                <a:solidFill>
-                  <a:schemeClr val="dk1"/>
-                </a:solidFill>
+              <a:rPr lang="en" sz="2600">
                 <a:latin typeface="Oswald"/>
                 <a:ea typeface="Oswald"/>
                 <a:cs typeface="Oswald"/>
                 <a:sym typeface="Oswald"/>
               </a:rPr>
-              <a:t>Hold up…how was this data obtained?</a:t>
-            </a:r>
-            <a:endParaRPr sz="2300">
-              <a:solidFill>
-                <a:schemeClr val="dk1"/>
-              </a:solidFill>
+              <a:t>But let’s take a closer look at the data before drawing a conclusion.</a:t>
+            </a:r>
+            <a:endParaRPr sz="2600">
               <a:latin typeface="Oswald"/>
               <a:ea typeface="Oswald"/>
               <a:cs typeface="Oswald"/>
@@ -8308,7 +8511,7 @@
   <p:cSld>
     <p:spTree>
       <p:nvGrpSpPr>
-        <p:cNvPr id="127" name="Shape 127"/>
+        <p:cNvPr id="123" name="Shape 123"/>
         <p:cNvGrpSpPr/>
         <p:nvPr/>
       </p:nvGrpSpPr>
@@ -8322,7 +8525,7 @@
       </p:grpSpPr>
       <p:sp>
         <p:nvSpPr>
-          <p:cNvPr id="128" name="Google Shape;128;p23"/>
+          <p:cNvPr id="124" name="Google Shape;124;p23"/>
           <p:cNvSpPr txBox="1"/>
           <p:nvPr>
             <p:ph type="title"/>
@@ -8353,10 +8556,18 @@
               <a:buNone/>
             </a:pPr>
             <a:r>
-              <a:rPr lang="en"/>
+              <a:rPr lang="en">
+                <a:solidFill>
+                  <a:schemeClr val="accent3"/>
+                </a:solidFill>
+              </a:rPr>
               <a:t>Hurricane Detection</a:t>
             </a:r>
-            <a:endParaRPr/>
+            <a:endParaRPr>
+              <a:solidFill>
+                <a:schemeClr val="accent3"/>
+              </a:solidFill>
+            </a:endParaRPr>
           </a:p>
           <a:p>
             <a:pPr indent="0" lvl="0" marL="0" rtl="0" algn="ctr">
@@ -8377,7 +8588,7 @@
       </p:sp>
       <p:sp>
         <p:nvSpPr>
-          <p:cNvPr id="129" name="Google Shape;129;p23"/>
+          <p:cNvPr id="125" name="Google Shape;125;p23"/>
           <p:cNvSpPr txBox="1"/>
           <p:nvPr>
             <p:ph idx="1" type="body"/>
@@ -8408,10 +8619,20 @@
               <a:buNone/>
             </a:pPr>
             <a:r>
-              <a:rPr lang="en"/>
+              <a:rPr lang="en">
+                <a:latin typeface="Oswald"/>
+                <a:ea typeface="Oswald"/>
+                <a:cs typeface="Oswald"/>
+                <a:sym typeface="Oswald"/>
+              </a:rPr>
               <a:t>Early Detection</a:t>
             </a:r>
-            <a:endParaRPr/>
+            <a:endParaRPr>
+              <a:latin typeface="Oswald"/>
+              <a:ea typeface="Oswald"/>
+              <a:cs typeface="Oswald"/>
+              <a:sym typeface="Oswald"/>
+            </a:endParaRPr>
           </a:p>
           <a:p>
             <a:pPr indent="-317500" lvl="0" marL="457200" rtl="0" algn="l">
@@ -8422,17 +8643,33 @@
                 <a:spcPts val="0"/>
               </a:spcAft>
               <a:buSzPts val="1400"/>
+              <a:buFont typeface="Oswald"/>
               <a:buChar char="●"/>
             </a:pPr>
             <a:r>
-              <a:rPr lang="en" sz="1400"/>
+              <a:rPr lang="en" sz="1400">
+                <a:latin typeface="Oswald"/>
+                <a:ea typeface="Oswald"/>
+                <a:cs typeface="Oswald"/>
+                <a:sym typeface="Oswald"/>
+              </a:rPr>
               <a:t>R</a:t>
             </a:r>
             <a:r>
-              <a:rPr lang="en" sz="1400"/>
-              <a:t>eported by ships.</a:t>
-            </a:r>
-            <a:endParaRPr sz="1400"/>
+              <a:rPr lang="en" sz="1400">
+                <a:latin typeface="Oswald"/>
+                <a:ea typeface="Oswald"/>
+                <a:cs typeface="Oswald"/>
+                <a:sym typeface="Oswald"/>
+              </a:rPr>
+              <a:t>eported by ships</a:t>
+            </a:r>
+            <a:endParaRPr sz="1400">
+              <a:latin typeface="Oswald"/>
+              <a:ea typeface="Oswald"/>
+              <a:cs typeface="Oswald"/>
+              <a:sym typeface="Oswald"/>
+            </a:endParaRPr>
           </a:p>
           <a:p>
             <a:pPr indent="-317500" lvl="0" marL="457200" rtl="0" algn="l">
@@ -8443,13 +8680,24 @@
                 <a:spcPts val="0"/>
               </a:spcAft>
               <a:buSzPts val="1400"/>
+              <a:buFont typeface="Oswald"/>
               <a:buChar char="●"/>
             </a:pPr>
             <a:r>
-              <a:rPr lang="en" sz="1400"/>
+              <a:rPr lang="en" sz="1400">
+                <a:latin typeface="Oswald"/>
+                <a:ea typeface="Oswald"/>
+                <a:cs typeface="Oswald"/>
+                <a:sym typeface="Oswald"/>
+              </a:rPr>
               <a:t>Landfall</a:t>
             </a:r>
-            <a:endParaRPr sz="1400"/>
+            <a:endParaRPr sz="1400">
+              <a:latin typeface="Oswald"/>
+              <a:ea typeface="Oswald"/>
+              <a:cs typeface="Oswald"/>
+              <a:sym typeface="Oswald"/>
+            </a:endParaRPr>
           </a:p>
           <a:p>
             <a:pPr indent="-317500" lvl="0" marL="457200" rtl="0" algn="l">
@@ -8460,13 +8708,24 @@
                 <a:spcPts val="0"/>
               </a:spcAft>
               <a:buSzPts val="1400"/>
+              <a:buFont typeface="Oswald"/>
               <a:buChar char="●"/>
             </a:pPr>
             <a:r>
-              <a:rPr lang="en" sz="1400"/>
-              <a:t>Primary methods until early 1970’s.</a:t>
-            </a:r>
-            <a:endParaRPr sz="1400"/>
+              <a:rPr lang="en" sz="1400">
+                <a:latin typeface="Oswald"/>
+                <a:ea typeface="Oswald"/>
+                <a:cs typeface="Oswald"/>
+                <a:sym typeface="Oswald"/>
+              </a:rPr>
+              <a:t>Primary methods until early 1970’s</a:t>
+            </a:r>
+            <a:endParaRPr sz="1400">
+              <a:latin typeface="Oswald"/>
+              <a:ea typeface="Oswald"/>
+              <a:cs typeface="Oswald"/>
+              <a:sym typeface="Oswald"/>
+            </a:endParaRPr>
           </a:p>
           <a:p>
             <a:pPr indent="0" lvl="0" marL="0" rtl="0" algn="l">
@@ -8487,7 +8746,7 @@
       </p:sp>
       <p:sp>
         <p:nvSpPr>
-          <p:cNvPr id="130" name="Google Shape;130;p23"/>
+          <p:cNvPr id="126" name="Google Shape;126;p23"/>
           <p:cNvSpPr txBox="1"/>
           <p:nvPr>
             <p:ph idx="1" type="body"/>
@@ -8518,10 +8777,20 @@
               <a:buNone/>
             </a:pPr>
             <a:r>
-              <a:rPr lang="en"/>
+              <a:rPr lang="en">
+                <a:latin typeface="Oswald"/>
+                <a:ea typeface="Oswald"/>
+                <a:cs typeface="Oswald"/>
+                <a:sym typeface="Oswald"/>
+              </a:rPr>
               <a:t>Modern Detection</a:t>
             </a:r>
-            <a:endParaRPr/>
+            <a:endParaRPr>
+              <a:latin typeface="Oswald"/>
+              <a:ea typeface="Oswald"/>
+              <a:cs typeface="Oswald"/>
+              <a:sym typeface="Oswald"/>
+            </a:endParaRPr>
           </a:p>
           <a:p>
             <a:pPr indent="-317500" lvl="0" marL="457200" marR="0" rtl="0" algn="l">
@@ -8535,13 +8804,24 @@
                 <a:spcPts val="0"/>
               </a:spcAft>
               <a:buSzPts val="1400"/>
+              <a:buFont typeface="Oswald"/>
               <a:buChar char="●"/>
             </a:pPr>
             <a:r>
-              <a:rPr lang="en" sz="1400"/>
-              <a:t>Satellite imagery.</a:t>
-            </a:r>
-            <a:endParaRPr sz="1400"/>
+              <a:rPr lang="en" sz="1400">
+                <a:latin typeface="Oswald"/>
+                <a:ea typeface="Oswald"/>
+                <a:cs typeface="Oswald"/>
+                <a:sym typeface="Oswald"/>
+              </a:rPr>
+              <a:t>Satellite imagery</a:t>
+            </a:r>
+            <a:endParaRPr sz="1400">
+              <a:latin typeface="Oswald"/>
+              <a:ea typeface="Oswald"/>
+              <a:cs typeface="Oswald"/>
+              <a:sym typeface="Oswald"/>
+            </a:endParaRPr>
           </a:p>
           <a:p>
             <a:pPr indent="-317500" lvl="0" marL="457200" marR="0" rtl="0" algn="l">
@@ -8555,27 +8835,48 @@
                 <a:spcPts val="0"/>
               </a:spcAft>
               <a:buSzPts val="1400"/>
+              <a:buFont typeface="Oswald"/>
               <a:buChar char="●"/>
             </a:pPr>
             <a:r>
-              <a:rPr lang="en" sz="1400"/>
+              <a:rPr lang="en" sz="1400">
+                <a:latin typeface="Oswald"/>
+                <a:ea typeface="Oswald"/>
+                <a:cs typeface="Oswald"/>
+                <a:sym typeface="Oswald"/>
+              </a:rPr>
               <a:t>First image generated on 4/1/1960 but not considered </a:t>
             </a:r>
             <a:r>
-              <a:rPr lang="en" sz="1400"/>
+              <a:rPr lang="en" sz="1400">
+                <a:latin typeface="Oswald"/>
+                <a:ea typeface="Oswald"/>
+                <a:cs typeface="Oswald"/>
+                <a:sym typeface="Oswald"/>
+              </a:rPr>
               <a:t>reliable</a:t>
             </a:r>
             <a:r>
-              <a:rPr lang="en" sz="1400"/>
-              <a:t> until around 1972.</a:t>
-            </a:r>
-            <a:endParaRPr/>
+              <a:rPr lang="en" sz="1400">
+                <a:latin typeface="Oswald"/>
+                <a:ea typeface="Oswald"/>
+                <a:cs typeface="Oswald"/>
+                <a:sym typeface="Oswald"/>
+              </a:rPr>
+              <a:t> until around 1972</a:t>
+            </a:r>
+            <a:endParaRPr>
+              <a:latin typeface="Oswald"/>
+              <a:ea typeface="Oswald"/>
+              <a:cs typeface="Oswald"/>
+              <a:sym typeface="Oswald"/>
+            </a:endParaRPr>
           </a:p>
         </p:txBody>
       </p:sp>
       <p:pic>
         <p:nvPicPr>
-          <p:cNvPr id="131" name="Google Shape;131;p23"/>
+          <p:cNvPr id="127" name="Google Shape;127;p23"/>
           <p:cNvPicPr preferRelativeResize="0"/>
           <p:nvPr/>
         </p:nvPicPr>
@@ -8603,7 +8904,7 @@
       </p:pic>
       <p:pic>
         <p:nvPicPr>
-          <p:cNvPr id="132" name="Google Shape;132;p23"/>
+          <p:cNvPr id="128" name="Google Shape;128;p23"/>
           <p:cNvPicPr preferRelativeResize="0"/>
           <p:nvPr/>
         </p:nvPicPr>
@@ -8631,7 +8932,7 @@
       </p:pic>
       <p:pic>
         <p:nvPicPr>
-          <p:cNvPr id="133" name="Google Shape;133;p23"/>
+          <p:cNvPr id="129" name="Google Shape;129;p23"/>
           <p:cNvPicPr preferRelativeResize="0"/>
           <p:nvPr/>
         </p:nvPicPr>
@@ -8662,6 +8963,210 @@
   <p:clrMapOvr>
     <a:masterClrMapping/>
   </p:clrMapOvr>
+  <p:timing>
+    <p:tnLst>
+      <p:par>
+        <p:cTn dur="indefinite" nodeType="tmRoot" restart="never">
+          <p:childTnLst>
+            <p:seq concurrent="1" nextAc="seek">
+              <p:cTn dur="indefinite" id="2" nodeType="mainSeq">
+                <p:childTnLst>
+                  <p:par>
+                    <p:cTn fill="hold">
+                      <p:stCondLst>
+                        <p:cond delay="indefinite"/>
+                        <p:cond evt="onBegin" delay="0">
+                          <p:tn val="2"/>
+                        </p:cond>
+                      </p:stCondLst>
+                      <p:childTnLst>
+                        <p:par>
+                          <p:cTn fill="hold">
+                            <p:stCondLst>
+                              <p:cond delay="0"/>
+                            </p:stCondLst>
+                            <p:childTnLst>
+                              <p:par>
+                                <p:cTn fill="hold" nodeType="withEffect" presetClass="entr" presetID="1" presetSubtype="0">
+                                  <p:stCondLst>
+                                    <p:cond delay="0"/>
+                                  </p:stCondLst>
+                                  <p:childTnLst>
+                                    <p:set>
+                                      <p:cBhvr>
+                                        <p:cTn dur="1" fill="hold">
+                                          <p:stCondLst>
+                                            <p:cond delay="0"/>
+                                          </p:stCondLst>
+                                        </p:cTn>
+                                        <p:tgtEl>
+                                          <p:spTgt spid="125"/>
+                                        </p:tgtEl>
+                                        <p:attrNameLst>
+                                          <p:attrName>style.visibility</p:attrName>
+                                        </p:attrNameLst>
+                                      </p:cBhvr>
+                                      <p:to>
+                                        <p:strVal val="visible"/>
+                                      </p:to>
+                                    </p:set>
+                                  </p:childTnLst>
+                                </p:cTn>
+                              </p:par>
+                              <p:par>
+                                <p:cTn fill="hold" nodeType="withEffect" presetClass="entr" presetID="1" presetSubtype="0">
+                                  <p:stCondLst>
+                                    <p:cond delay="0"/>
+                                  </p:stCondLst>
+                                  <p:childTnLst>
+                                    <p:set>
+                                      <p:cBhvr>
+                                        <p:cTn dur="1" fill="hold">
+                                          <p:stCondLst>
+                                            <p:cond delay="0"/>
+                                          </p:stCondLst>
+                                        </p:cTn>
+                                        <p:tgtEl>
+                                          <p:spTgt spid="127"/>
+                                        </p:tgtEl>
+                                        <p:attrNameLst>
+                                          <p:attrName>style.visibility</p:attrName>
+                                        </p:attrNameLst>
+                                      </p:cBhvr>
+                                      <p:to>
+                                        <p:strVal val="visible"/>
+                                      </p:to>
+                                    </p:set>
+                                  </p:childTnLst>
+                                </p:cTn>
+                              </p:par>
+                            </p:childTnLst>
+                          </p:cTn>
+                        </p:par>
+                      </p:childTnLst>
+                    </p:cTn>
+                  </p:par>
+                  <p:par>
+                    <p:cTn fill="hold">
+                      <p:stCondLst>
+                        <p:cond delay="indefinite"/>
+                      </p:stCondLst>
+                      <p:childTnLst>
+                        <p:par>
+                          <p:cTn fill="hold">
+                            <p:stCondLst>
+                              <p:cond delay="0"/>
+                            </p:stCondLst>
+                            <p:childTnLst>
+                              <p:par>
+                                <p:cTn fill="hold" nodeType="clickEffect" presetClass="entr" presetID="1" presetSubtype="0">
+                                  <p:stCondLst>
+                                    <p:cond delay="0"/>
+                                  </p:stCondLst>
+                                  <p:childTnLst>
+                                    <p:set>
+                                      <p:cBhvr>
+                                        <p:cTn dur="1" fill="hold">
+                                          <p:stCondLst>
+                                            <p:cond delay="0"/>
+                                          </p:stCondLst>
+                                        </p:cTn>
+                                        <p:tgtEl>
+                                          <p:spTgt spid="126"/>
+                                        </p:tgtEl>
+                                        <p:attrNameLst>
+                                          <p:attrName>style.visibility</p:attrName>
+                                        </p:attrNameLst>
+                                      </p:cBhvr>
+                                      <p:to>
+                                        <p:strVal val="visible"/>
+                                      </p:to>
+                                    </p:set>
+                                  </p:childTnLst>
+                                </p:cTn>
+                              </p:par>
+                              <p:par>
+                                <p:cTn fill="hold" nodeType="withEffect" presetClass="entr" presetID="1" presetSubtype="0">
+                                  <p:stCondLst>
+                                    <p:cond delay="0"/>
+                                  </p:stCondLst>
+                                  <p:childTnLst>
+                                    <p:set>
+                                      <p:cBhvr>
+                                        <p:cTn dur="1" fill="hold">
+                                          <p:stCondLst>
+                                            <p:cond delay="0"/>
+                                          </p:stCondLst>
+                                        </p:cTn>
+                                        <p:tgtEl>
+                                          <p:spTgt spid="128"/>
+                                        </p:tgtEl>
+                                        <p:attrNameLst>
+                                          <p:attrName>style.visibility</p:attrName>
+                                        </p:attrNameLst>
+                                      </p:cBhvr>
+                                      <p:to>
+                                        <p:strVal val="visible"/>
+                                      </p:to>
+                                    </p:set>
+                                  </p:childTnLst>
+                                </p:cTn>
+                              </p:par>
+                              <p:par>
+                                <p:cTn fill="hold" nodeType="withEffect" presetClass="entr" presetID="1" presetSubtype="0">
+                                  <p:stCondLst>
+                                    <p:cond delay="0"/>
+                                  </p:stCondLst>
+                                  <p:childTnLst>
+                                    <p:set>
+                                      <p:cBhvr>
+                                        <p:cTn dur="1" fill="hold">
+                                          <p:stCondLst>
+                                            <p:cond delay="0"/>
+                                          </p:stCondLst>
+                                        </p:cTn>
+                                        <p:tgtEl>
+                                          <p:spTgt spid="129"/>
+                                        </p:tgtEl>
+                                        <p:attrNameLst>
+                                          <p:attrName>style.visibility</p:attrName>
+                                        </p:attrNameLst>
+                                      </p:cBhvr>
+                                      <p:to>
+                                        <p:strVal val="visible"/>
+                                      </p:to>
+                                    </p:set>
+                                  </p:childTnLst>
+                                </p:cTn>
+                              </p:par>
+                            </p:childTnLst>
+                          </p:cTn>
+                        </p:par>
+                      </p:childTnLst>
+                    </p:cTn>
+                  </p:par>
+                </p:childTnLst>
+              </p:cTn>
+              <p:prevCondLst>
+                <p:cond evt="onPrev">
+                  <p:tgtEl>
+                    <p:sldTgt/>
+                  </p:tgtEl>
+                </p:cond>
+              </p:prevCondLst>
+              <p:nextCondLst>
+                <p:cond evt="onNext">
+                  <p:tgtEl>
+                    <p:sldTgt/>
+                  </p:tgtEl>
+                </p:cond>
+              </p:nextCondLst>
+            </p:seq>
+          </p:childTnLst>
+        </p:cTn>
+      </p:par>
+    </p:tnLst>
+  </p:timing>
 </p:sld>
 </file>
 
@@ -8670,7 +9175,7 @@
   <p:cSld>
     <p:spTree>
       <p:nvGrpSpPr>
-        <p:cNvPr id="137" name="Shape 137"/>
+        <p:cNvPr id="133" name="Shape 133"/>
         <p:cNvGrpSpPr/>
         <p:nvPr/>
       </p:nvGrpSpPr>
@@ -8684,7 +9189,7 @@
       </p:grpSpPr>
       <p:sp>
         <p:nvSpPr>
-          <p:cNvPr id="138" name="Google Shape;138;p24"/>
+          <p:cNvPr id="134" name="Google Shape;134;p24"/>
           <p:cNvSpPr txBox="1"/>
           <p:nvPr>
             <p:ph type="title"/>
@@ -8716,16 +9221,24 @@
               <a:buNone/>
             </a:pPr>
             <a:r>
-              <a:rPr lang="en" sz="2300"/>
+              <a:rPr lang="en" sz="2300">
+                <a:solidFill>
+                  <a:schemeClr val="accent3"/>
+                </a:solidFill>
+              </a:rPr>
               <a:t>Why Does this Matter?</a:t>
             </a:r>
-            <a:endParaRPr sz="2300"/>
+            <a:endParaRPr sz="2300">
+              <a:solidFill>
+                <a:schemeClr val="accent3"/>
+              </a:solidFill>
+            </a:endParaRPr>
           </a:p>
         </p:txBody>
       </p:sp>
       <p:sp>
         <p:nvSpPr>
-          <p:cNvPr id="139" name="Google Shape;139;p24"/>
+          <p:cNvPr id="135" name="Google Shape;135;p24"/>
           <p:cNvSpPr txBox="1"/>
           <p:nvPr>
             <p:ph idx="1" type="body"/>
@@ -8746,7 +9259,7 @@
           </a:bodyPr>
           <a:lstStyle/>
           <a:p>
-            <a:pPr indent="-342900" lvl="0" marL="457200" rtl="0" algn="l">
+            <a:pPr indent="-355600" lvl="0" marL="457200" rtl="0" algn="l">
               <a:lnSpc>
                 <a:spcPct val="115000"/>
               </a:lnSpc>
@@ -8756,17 +9269,28 @@
               <a:spcAft>
                 <a:spcPts val="0"/>
               </a:spcAft>
-              <a:buSzPts val="1800"/>
+              <a:buSzPts val="2000"/>
+              <a:buFont typeface="Oswald"/>
               <a:buChar char="●"/>
             </a:pPr>
             <a:r>
-              <a:rPr lang="en"/>
+              <a:rPr lang="en" sz="2000">
+                <a:latin typeface="Oswald"/>
+                <a:ea typeface="Oswald"/>
+                <a:cs typeface="Oswald"/>
+                <a:sym typeface="Oswald"/>
+              </a:rPr>
               <a:t>It is likely hurricanes prior to satellite technology were undercounted.</a:t>
             </a:r>
-            <a:endParaRPr/>
+            <a:endParaRPr sz="2000">
+              <a:latin typeface="Oswald"/>
+              <a:ea typeface="Oswald"/>
+              <a:cs typeface="Oswald"/>
+              <a:sym typeface="Oswald"/>
+            </a:endParaRPr>
           </a:p>
           <a:p>
-            <a:pPr indent="-342900" lvl="0" marL="457200" rtl="0" algn="l">
+            <a:pPr indent="-355600" lvl="0" marL="457200" rtl="0" algn="l">
               <a:lnSpc>
                 <a:spcPct val="150000"/>
               </a:lnSpc>
@@ -8776,17 +9300,28 @@
               <a:spcAft>
                 <a:spcPts val="0"/>
               </a:spcAft>
-              <a:buSzPts val="1800"/>
+              <a:buSzPts val="2000"/>
+              <a:buFont typeface="Oswald"/>
               <a:buChar char="●"/>
             </a:pPr>
             <a:r>
-              <a:rPr lang="en"/>
+              <a:rPr lang="en" sz="2000">
+                <a:latin typeface="Oswald"/>
+                <a:ea typeface="Oswald"/>
+                <a:cs typeface="Oswald"/>
+                <a:sym typeface="Oswald"/>
+              </a:rPr>
               <a:t>This would skew the data!</a:t>
             </a:r>
-            <a:endParaRPr/>
+            <a:endParaRPr sz="2000">
+              <a:latin typeface="Oswald"/>
+              <a:ea typeface="Oswald"/>
+              <a:cs typeface="Oswald"/>
+              <a:sym typeface="Oswald"/>
+            </a:endParaRPr>
           </a:p>
           <a:p>
-            <a:pPr indent="-342900" lvl="0" marL="457200" rtl="0" algn="l">
+            <a:pPr indent="-355600" lvl="0" marL="457200" rtl="0" algn="l">
               <a:lnSpc>
                 <a:spcPct val="150000"/>
               </a:lnSpc>
@@ -8796,14 +9331,25 @@
               <a:spcAft>
                 <a:spcPts val="0"/>
               </a:spcAft>
-              <a:buSzPts val="1800"/>
+              <a:buSzPts val="2000"/>
+              <a:buFont typeface="Oswald"/>
               <a:buChar char="●"/>
             </a:pPr>
             <a:r>
-              <a:rPr lang="en"/>
+              <a:rPr lang="en" sz="2000">
+                <a:latin typeface="Oswald"/>
+                <a:ea typeface="Oswald"/>
+                <a:cs typeface="Oswald"/>
+                <a:sym typeface="Oswald"/>
+              </a:rPr>
               <a:t>How can we reconcile this?</a:t>
             </a:r>
-            <a:endParaRPr/>
+            <a:endParaRPr sz="2000">
+              <a:latin typeface="Oswald"/>
+              <a:ea typeface="Oswald"/>
+              <a:cs typeface="Oswald"/>
+              <a:sym typeface="Oswald"/>
+            </a:endParaRPr>
           </a:p>
           <a:p>
             <a:pPr indent="0" lvl="0" marL="0" rtl="0" algn="l">
@@ -8827,7 +9373,7 @@
       </p:sp>
       <p:sp>
         <p:nvSpPr>
-          <p:cNvPr id="140" name="Google Shape;140;p24"/>
+          <p:cNvPr id="136" name="Google Shape;136;p24"/>
           <p:cNvSpPr txBox="1"/>
           <p:nvPr>
             <p:ph idx="1" type="body"/>
@@ -8887,7 +9433,7 @@
       </p:sp>
       <p:pic>
         <p:nvPicPr>
-          <p:cNvPr id="141" name="Google Shape;141;p24"/>
+          <p:cNvPr id="137" name="Google Shape;137;p24"/>
           <p:cNvPicPr preferRelativeResize="0"/>
           <p:nvPr/>
         </p:nvPicPr>
@@ -8915,7 +9461,7 @@
       </p:pic>
       <p:pic>
         <p:nvPicPr>
-          <p:cNvPr id="142" name="Google Shape;142;p24"/>
+          <p:cNvPr id="138" name="Google Shape;138;p24"/>
           <p:cNvPicPr preferRelativeResize="0"/>
           <p:nvPr/>
         </p:nvPicPr>
@@ -8983,7 +9529,7 @@
                                           </p:stCondLst>
                                         </p:cTn>
                                         <p:tgtEl>
-                                          <p:spTgt spid="139"/>
+                                          <p:spTgt spid="135"/>
                                         </p:tgtEl>
                                         <p:attrNameLst>
                                           <p:attrName>style.visibility</p:attrName>
@@ -9028,7 +9574,7 @@
                                           </p:stCondLst>
                                         </p:cTn>
                                         <p:tgtEl>
-                                          <p:spTgt spid="141"/>
+                                          <p:spTgt spid="137"/>
                                         </p:tgtEl>
                                         <p:attrNameLst>
                                           <p:attrName>style.visibility</p:attrName>
@@ -9042,7 +9588,7 @@
                                       <p:cBhvr additive="base">
                                         <p:cTn dur="1000"/>
                                         <p:tgtEl>
-                                          <p:spTgt spid="141"/>
+                                          <p:spTgt spid="137"/>
                                         </p:tgtEl>
                                         <p:attrNameLst>
                                           <p:attrName>ppt_x</p:attrName>
@@ -9096,7 +9642,7 @@
                                           </p:stCondLst>
                                         </p:cTn>
                                         <p:tgtEl>
-                                          <p:spTgt spid="142"/>
+                                          <p:spTgt spid="138"/>
                                         </p:tgtEl>
                                         <p:attrNameLst>
                                           <p:attrName>style.visibility</p:attrName>
@@ -9110,7 +9656,7 @@
                                       <p:cBhvr additive="base">
                                         <p:cTn dur="1000"/>
                                         <p:tgtEl>
-                                          <p:spTgt spid="142"/>
+                                          <p:spTgt spid="138"/>
                                         </p:tgtEl>
                                         <p:attrNameLst>
                                           <p:attrName>ppt_x</p:attrName>
@@ -9168,7 +9714,7 @@
   <p:cSld>
     <p:spTree>
       <p:nvGrpSpPr>
-        <p:cNvPr id="146" name="Shape 146"/>
+        <p:cNvPr id="142" name="Shape 142"/>
         <p:cNvGrpSpPr/>
         <p:nvPr/>
       </p:nvGrpSpPr>
@@ -9182,7 +9728,7 @@
       </p:grpSpPr>
       <p:sp>
         <p:nvSpPr>
-          <p:cNvPr id="147" name="Google Shape;147;p25"/>
+          <p:cNvPr id="143" name="Google Shape;143;p25"/>
           <p:cNvSpPr txBox="1"/>
           <p:nvPr>
             <p:ph type="title"/>
@@ -9213,16 +9759,24 @@
               <a:buNone/>
             </a:pPr>
             <a:r>
-              <a:rPr lang="en"/>
+              <a:rPr lang="en">
+                <a:solidFill>
+                  <a:schemeClr val="accent3"/>
+                </a:solidFill>
+              </a:rPr>
               <a:t>Conclusion?  Not so Fast!</a:t>
             </a:r>
-            <a:endParaRPr/>
+            <a:endParaRPr>
+              <a:solidFill>
+                <a:schemeClr val="accent3"/>
+              </a:solidFill>
+            </a:endParaRPr>
           </a:p>
         </p:txBody>
       </p:sp>
       <p:sp>
         <p:nvSpPr>
-          <p:cNvPr id="148" name="Google Shape;148;p25"/>
+          <p:cNvPr id="144" name="Google Shape;144;p25"/>
           <p:cNvSpPr txBox="1"/>
           <p:nvPr>
             <p:ph idx="1" type="body"/>
@@ -9230,7 +9784,7 @@
         </p:nvSpPr>
         <p:spPr>
           <a:xfrm>
-            <a:off x="193200" y="1270975"/>
+            <a:off x="192100" y="1743675"/>
             <a:ext cx="3979500" cy="3300600"/>
           </a:xfrm>
           <a:prstGeom prst="rect">
@@ -9243,7 +9797,7 @@
           </a:bodyPr>
           <a:lstStyle/>
           <a:p>
-            <a:pPr indent="-330200" lvl="0" marL="457200" rtl="0" algn="l">
+            <a:pPr indent="-355600" lvl="0" marL="457200" rtl="0" algn="l">
               <a:lnSpc>
                 <a:spcPct val="115000"/>
               </a:lnSpc>
@@ -9253,64 +9807,54 @@
               <a:spcAft>
                 <a:spcPts val="0"/>
               </a:spcAft>
-              <a:buSzPts val="1600"/>
+              <a:buSzPts val="2000"/>
+              <a:buFont typeface="Oswald"/>
               <a:buChar char="●"/>
             </a:pPr>
             <a:r>
-              <a:rPr lang="en" sz="1600"/>
-              <a:t>By reducing the </a:t>
-            </a:r>
-            <a:r>
-              <a:rPr lang="en" sz="1600"/>
-              <a:t>sample size of the data we allow natural variations to impose more weight on the results.  </a:t>
-            </a:r>
-            <a:endParaRPr sz="1600"/>
+              <a:rPr lang="en" sz="2000">
+                <a:latin typeface="Oswald"/>
+                <a:ea typeface="Oswald"/>
+                <a:cs typeface="Oswald"/>
+                <a:sym typeface="Oswald"/>
+              </a:rPr>
+              <a:t>The smaller sample size allows outliers to more significantly influence the conclusion.</a:t>
+            </a:r>
+            <a:endParaRPr sz="2000">
+              <a:latin typeface="Oswald"/>
+              <a:ea typeface="Oswald"/>
+              <a:cs typeface="Oswald"/>
+              <a:sym typeface="Oswald"/>
+            </a:endParaRPr>
           </a:p>
           <a:p>
-            <a:pPr indent="-330200" lvl="0" marL="457200" rtl="0" algn="l">
+            <a:pPr indent="0" lvl="0" marL="457200" rtl="0" algn="l">
               <a:lnSpc>
                 <a:spcPct val="115000"/>
               </a:lnSpc>
               <a:spcBef>
-                <a:spcPts val="0"/>
-              </a:spcBef>
-              <a:spcAft>
-                <a:spcPts val="0"/>
-              </a:spcAft>
-              <a:buSzPts val="1600"/>
-              <a:buChar char="●"/>
+                <a:spcPts val="1200"/>
+              </a:spcBef>
+              <a:spcAft>
+                <a:spcPts val="1200"/>
+              </a:spcAft>
+              <a:buNone/>
             </a:pPr>
             <a:r>
-              <a:rPr lang="en" sz="1600"/>
-              <a:t>Total North Atlantic Hurricanes from the same data set shows occurrences dropped 22.7% for the 50’s and 60’s compared to the 70’s and 80’s.  </a:t>
-            </a:r>
-            <a:endParaRPr sz="1600"/>
-          </a:p>
-          <a:p>
-            <a:pPr indent="-330200" lvl="0" marL="457200" rtl="0" algn="l">
-              <a:lnSpc>
-                <a:spcPct val="115000"/>
-              </a:lnSpc>
-              <a:spcBef>
-                <a:spcPts val="0"/>
-              </a:spcBef>
-              <a:spcAft>
-                <a:spcPts val="0"/>
-              </a:spcAft>
-              <a:buSzPts val="1600"/>
-              <a:buChar char="●"/>
-            </a:pPr>
-            <a:r>
-              <a:rPr lang="en" sz="1600"/>
-              <a:t>This likely points to a lull in hurricane activity over that period.</a:t>
-            </a:r>
-            <a:endParaRPr sz="1600"/>
+              <a:t/>
+            </a:r>
+            <a:endParaRPr sz="2000">
+              <a:latin typeface="Oswald"/>
+              <a:ea typeface="Oswald"/>
+              <a:cs typeface="Oswald"/>
+              <a:sym typeface="Oswald"/>
+            </a:endParaRPr>
           </a:p>
         </p:txBody>
       </p:sp>
       <p:grpSp>
         <p:nvGrpSpPr>
-          <p:cNvPr id="149" name="Google Shape;149;p25"/>
+          <p:cNvPr id="145" name="Google Shape;145;p25"/>
           <p:cNvGrpSpPr/>
           <p:nvPr/>
         </p:nvGrpSpPr>
@@ -9324,7 +9868,7 @@
         </p:grpSpPr>
         <p:pic>
           <p:nvPicPr>
-            <p:cNvPr id="150" name="Google Shape;150;p25"/>
+            <p:cNvPr id="146" name="Google Shape;146;p25"/>
             <p:cNvPicPr preferRelativeResize="0"/>
             <p:nvPr/>
           </p:nvPicPr>
@@ -9352,7 +9896,7 @@
         </p:pic>
         <p:cxnSp>
           <p:nvCxnSpPr>
-            <p:cNvPr id="151" name="Google Shape;151;p25"/>
+            <p:cNvPr id="147" name="Google Shape;147;p25"/>
             <p:cNvCxnSpPr/>
             <p:nvPr/>
           </p:nvCxnSpPr>
@@ -9382,104 +9926,6 @@
   <p:clrMapOvr>
     <a:masterClrMapping/>
   </p:clrMapOvr>
-  <p:timing>
-    <p:tnLst>
-      <p:par>
-        <p:cTn dur="indefinite" nodeType="tmRoot" restart="never">
-          <p:childTnLst>
-            <p:seq concurrent="1" nextAc="seek">
-              <p:cTn dur="indefinite" id="2" nodeType="mainSeq">
-                <p:childTnLst>
-                  <p:par>
-                    <p:cTn fill="hold">
-                      <p:stCondLst>
-                        <p:cond delay="indefinite"/>
-                      </p:stCondLst>
-                      <p:childTnLst>
-                        <p:par>
-                          <p:cTn fill="hold">
-                            <p:stCondLst>
-                              <p:cond delay="0"/>
-                            </p:stCondLst>
-                            <p:childTnLst>
-                              <p:par>
-                                <p:cTn fill="hold" nodeType="clickEffect" presetClass="entr" presetID="2" presetSubtype="2">
-                                  <p:stCondLst>
-                                    <p:cond delay="0"/>
-                                  </p:stCondLst>
-                                  <p:childTnLst>
-                                    <p:set>
-                                      <p:cBhvr>
-                                        <p:cTn dur="1" fill="hold">
-                                          <p:stCondLst>
-                                            <p:cond delay="0"/>
-                                          </p:stCondLst>
-                                        </p:cTn>
-                                        <p:tgtEl>
-                                          <p:spTgt spid="149"/>
-                                        </p:tgtEl>
-                                        <p:attrNameLst>
-                                          <p:attrName>style.visibility</p:attrName>
-                                        </p:attrNameLst>
-                                      </p:cBhvr>
-                                      <p:to>
-                                        <p:strVal val="visible"/>
-                                      </p:to>
-                                    </p:set>
-                                    <p:anim calcmode="lin" valueType="num">
-                                      <p:cBhvr additive="base">
-                                        <p:cTn dur="1000"/>
-                                        <p:tgtEl>
-                                          <p:spTgt spid="149"/>
-                                        </p:tgtEl>
-                                        <p:attrNameLst>
-                                          <p:attrName>ppt_x</p:attrName>
-                                        </p:attrNameLst>
-                                      </p:cBhvr>
-                                      <p:tavLst>
-                                        <p:tav fmla="" tm="0">
-                                          <p:val>
-                                            <p:strVal val="#ppt_x+1"/>
-                                          </p:val>
-                                        </p:tav>
-                                        <p:tav fmla="" tm="100000">
-                                          <p:val>
-                                            <p:strVal val="#ppt_x"/>
-                                          </p:val>
-                                        </p:tav>
-                                      </p:tavLst>
-                                    </p:anim>
-                                  </p:childTnLst>
-                                </p:cTn>
-                              </p:par>
-                            </p:childTnLst>
-                          </p:cTn>
-                        </p:par>
-                      </p:childTnLst>
-                    </p:cTn>
-                  </p:par>
-                </p:childTnLst>
-              </p:cTn>
-              <p:prevCondLst>
-                <p:cond evt="onPrev">
-                  <p:tgtEl>
-                    <p:sldTgt/>
-                  </p:tgtEl>
-                </p:cond>
-              </p:prevCondLst>
-              <p:nextCondLst>
-                <p:cond evt="onNext">
-                  <p:tgtEl>
-                    <p:sldTgt/>
-                  </p:tgtEl>
-                </p:cond>
-              </p:nextCondLst>
-            </p:seq>
-          </p:childTnLst>
-        </p:cTn>
-      </p:par>
-    </p:tnLst>
-  </p:timing>
 </p:sld>
 </file>
 
@@ -9488,7 +9934,7 @@
   <p:cSld>
     <p:spTree>
       <p:nvGrpSpPr>
-        <p:cNvPr id="155" name="Shape 155"/>
+        <p:cNvPr id="151" name="Shape 151"/>
         <p:cNvGrpSpPr/>
         <p:nvPr/>
       </p:nvGrpSpPr>
@@ -9502,151 +9948,7 @@
       </p:grpSpPr>
       <p:sp>
         <p:nvSpPr>
-          <p:cNvPr id="156" name="Google Shape;156;p26"/>
-          <p:cNvSpPr txBox="1"/>
-          <p:nvPr>
-            <p:ph type="title"/>
-          </p:nvPr>
-        </p:nvSpPr>
-        <p:spPr>
-          <a:xfrm>
-            <a:off x="311700" y="445025"/>
-            <a:ext cx="8520600" cy="572700"/>
-          </a:xfrm>
-          <a:prstGeom prst="rect">
-            <a:avLst/>
-          </a:prstGeom>
-        </p:spPr>
-        <p:txBody>
-          <a:bodyPr anchorCtr="0" anchor="t" bIns="91425" lIns="91425" spcFirstLastPara="1" rIns="91425" wrap="square" tIns="91425">
-            <a:normAutofit fontScale="90000"/>
-          </a:bodyPr>
-          <a:lstStyle/>
-          <a:p>
-            <a:pPr indent="0" lvl="0" marL="0" rtl="0" algn="ctr">
-              <a:spcBef>
-                <a:spcPts val="0"/>
-              </a:spcBef>
-              <a:spcAft>
-                <a:spcPts val="0"/>
-              </a:spcAft>
-              <a:buNone/>
-            </a:pPr>
-            <a:r>
-              <a:rPr lang="en"/>
-              <a:t>Landfall</a:t>
-            </a:r>
-            <a:endParaRPr/>
-          </a:p>
-        </p:txBody>
-      </p:sp>
-      <p:sp>
-        <p:nvSpPr>
-          <p:cNvPr id="157" name="Google Shape;157;p26"/>
-          <p:cNvSpPr txBox="1"/>
-          <p:nvPr>
-            <p:ph idx="1" type="body"/>
-          </p:nvPr>
-        </p:nvSpPr>
-        <p:spPr>
-          <a:xfrm>
-            <a:off x="311700" y="1238650"/>
-            <a:ext cx="8520600" cy="3416400"/>
-          </a:xfrm>
-          <a:prstGeom prst="rect">
-            <a:avLst/>
-          </a:prstGeom>
-        </p:spPr>
-        <p:txBody>
-          <a:bodyPr anchorCtr="0" anchor="t" bIns="91425" lIns="91425" spcFirstLastPara="1" rIns="91425" wrap="square" tIns="91425">
-            <a:normAutofit/>
-          </a:bodyPr>
-          <a:lstStyle/>
-          <a:p>
-            <a:pPr indent="-342900" lvl="0" marL="457200" rtl="0" algn="l">
-              <a:spcBef>
-                <a:spcPts val="0"/>
-              </a:spcBef>
-              <a:spcAft>
-                <a:spcPts val="0"/>
-              </a:spcAft>
-              <a:buSzPts val="1800"/>
-              <a:buChar char="●"/>
-            </a:pPr>
-            <a:r>
-              <a:rPr lang="en"/>
-              <a:t>A hurricane making landfall is defined as the eye of the storm passing over land.</a:t>
-            </a:r>
-            <a:endParaRPr/>
-          </a:p>
-          <a:p>
-            <a:pPr indent="-342900" lvl="0" marL="457200" rtl="0" algn="l">
-              <a:spcBef>
-                <a:spcPts val="0"/>
-              </a:spcBef>
-              <a:spcAft>
-                <a:spcPts val="0"/>
-              </a:spcAft>
-              <a:buSzPts val="1800"/>
-              <a:buChar char="●"/>
-            </a:pPr>
-            <a:r>
-              <a:rPr lang="en"/>
-              <a:t>This is much more reliable as it’s less likely an event like this was not recorded.</a:t>
-            </a:r>
-            <a:endParaRPr/>
-          </a:p>
-          <a:p>
-            <a:pPr indent="-342900" lvl="0" marL="457200" rtl="0" algn="l">
-              <a:spcBef>
-                <a:spcPts val="0"/>
-              </a:spcBef>
-              <a:spcAft>
-                <a:spcPts val="0"/>
-              </a:spcAft>
-              <a:buSzPts val="1800"/>
-              <a:buChar char="●"/>
-            </a:pPr>
-            <a:r>
-              <a:rPr lang="en"/>
-              <a:t>Fortunately</a:t>
-            </a:r>
-            <a:r>
-              <a:rPr lang="en"/>
-              <a:t> there is good data for the North Atlantic Basin and West Pacific Basin starting in 1950 which makes up roughly 70% of all hurricane landfall events.</a:t>
-            </a:r>
-            <a:endParaRPr/>
-          </a:p>
-        </p:txBody>
-      </p:sp>
-    </p:spTree>
-  </p:cSld>
-  <p:clrMapOvr>
-    <a:masterClrMapping/>
-  </p:clrMapOvr>
-</p:sld>
-</file>
-
-<file path=ppt/slides/slide15.xml><?xml version="1.0" encoding="utf-8"?>
-<p:sld xmlns:a="http://schemas.openxmlformats.org/drawingml/2006/main" xmlns:r="http://schemas.openxmlformats.org/officeDocument/2006/relationships" xmlns:mc="http://schemas.openxmlformats.org/markup-compatibility/2006" xmlns:mv="urn:schemas-microsoft-com:mac:vml" xmlns:p="http://schemas.openxmlformats.org/presentationml/2006/main" xmlns:c="http://schemas.openxmlformats.org/drawingml/2006/chart" xmlns:dgm="http://schemas.openxmlformats.org/drawingml/2006/diagram" xmlns:o="urn:schemas-microsoft-com:office:office" xmlns:v="urn:schemas-microsoft-com:vml" xmlns:pvml="urn:schemas-microsoft-com:office:powerpoint" xmlns:com="http://schemas.openxmlformats.org/drawingml/2006/compatibility" xmlns:p14="http://schemas.microsoft.com/office/powerpoint/2010/main" xmlns:p15="http://schemas.microsoft.com/office/powerpoint/2012/main" xmlns:ahyp="http://schemas.microsoft.com/office/drawing/2018/hyperlinkcolor">
-  <p:cSld>
-    <p:spTree>
-      <p:nvGrpSpPr>
-        <p:cNvPr id="161" name="Shape 161"/>
-        <p:cNvGrpSpPr/>
-        <p:nvPr/>
-      </p:nvGrpSpPr>
-      <p:grpSpPr>
-        <a:xfrm>
-          <a:off x="0" y="0"/>
-          <a:ext cx="0" cy="0"/>
-          <a:chOff x="0" y="0"/>
-          <a:chExt cx="0" cy="0"/>
-        </a:xfrm>
-      </p:grpSpPr>
-      <p:sp>
-        <p:nvSpPr>
-          <p:cNvPr id="162" name="Google Shape;162;p27"/>
+          <p:cNvPr id="152" name="Google Shape;152;p26"/>
           <p:cNvSpPr txBox="1"/>
           <p:nvPr>
             <p:ph type="title"/>
@@ -9677,16 +9979,24 @@
               <a:buNone/>
             </a:pPr>
             <a:r>
-              <a:rPr lang="en"/>
-              <a:t>Landfall Analysis for Frequency</a:t>
-            </a:r>
-            <a:endParaRPr/>
+              <a:rPr lang="en">
+                <a:solidFill>
+                  <a:schemeClr val="accent3"/>
+                </a:solidFill>
+              </a:rPr>
+              <a:t>Landfall Analysis - Frequency</a:t>
+            </a:r>
+            <a:endParaRPr>
+              <a:solidFill>
+                <a:schemeClr val="accent3"/>
+              </a:solidFill>
+            </a:endParaRPr>
           </a:p>
         </p:txBody>
       </p:sp>
       <p:pic>
         <p:nvPicPr>
-          <p:cNvPr id="163" name="Google Shape;163;p27"/>
+          <p:cNvPr id="153" name="Google Shape;153;p26"/>
           <p:cNvPicPr preferRelativeResize="0"/>
           <p:nvPr/>
         </p:nvPicPr>
@@ -9700,8 +10010,8 @@
         </p:blipFill>
         <p:spPr>
           <a:xfrm>
-            <a:off x="530275" y="936913"/>
-            <a:ext cx="8083426" cy="3901776"/>
+            <a:off x="732712" y="1057925"/>
+            <a:ext cx="7678624" cy="3706375"/>
           </a:xfrm>
           <a:prstGeom prst="rect">
             <a:avLst/>
@@ -9714,7 +10024,7 @@
       </p:pic>
       <p:pic>
         <p:nvPicPr>
-          <p:cNvPr id="164" name="Google Shape;164;p27"/>
+          <p:cNvPr id="154" name="Google Shape;154;p26"/>
           <p:cNvPicPr preferRelativeResize="0"/>
           <p:nvPr/>
         </p:nvPicPr>
@@ -9728,8 +10038,8 @@
         </p:blipFill>
         <p:spPr>
           <a:xfrm>
-            <a:off x="576025" y="936937"/>
-            <a:ext cx="7992024" cy="3771600"/>
+            <a:off x="729362" y="1057925"/>
+            <a:ext cx="7685275" cy="3626826"/>
           </a:xfrm>
           <a:prstGeom prst="rect">
             <a:avLst/>
@@ -9782,7 +10092,7 @@
                                           </p:stCondLst>
                                         </p:cTn>
                                         <p:tgtEl>
-                                          <p:spTgt spid="163"/>
+                                          <p:spTgt spid="153"/>
                                         </p:tgtEl>
                                         <p:attrNameLst>
                                           <p:attrName>style.visibility</p:attrName>
@@ -9827,7 +10137,7 @@
                                           </p:stCondLst>
                                         </p:cTn>
                                         <p:tgtEl>
-                                          <p:spTgt spid="163"/>
+                                          <p:spTgt spid="153"/>
                                         </p:tgtEl>
                                         <p:attrNameLst>
                                           <p:attrName>style.visibility</p:attrName>
@@ -9863,7 +10173,7 @@
                                           </p:stCondLst>
                                         </p:cTn>
                                         <p:tgtEl>
-                                          <p:spTgt spid="164"/>
+                                          <p:spTgt spid="154"/>
                                         </p:tgtEl>
                                         <p:attrNameLst>
                                           <p:attrName>style.visibility</p:attrName>
@@ -9907,12 +10217,12 @@
 </p:sld>
 </file>
 
-<file path=ppt/slides/slide16.xml><?xml version="1.0" encoding="utf-8"?>
+<file path=ppt/slides/slide15.xml><?xml version="1.0" encoding="utf-8"?>
 <p:sld xmlns:a="http://schemas.openxmlformats.org/drawingml/2006/main" xmlns:r="http://schemas.openxmlformats.org/officeDocument/2006/relationships" xmlns:mc="http://schemas.openxmlformats.org/markup-compatibility/2006" xmlns:mv="urn:schemas-microsoft-com:mac:vml" xmlns:p="http://schemas.openxmlformats.org/presentationml/2006/main" xmlns:c="http://schemas.openxmlformats.org/drawingml/2006/chart" xmlns:dgm="http://schemas.openxmlformats.org/drawingml/2006/diagram" xmlns:o="urn:schemas-microsoft-com:office:office" xmlns:v="urn:schemas-microsoft-com:vml" xmlns:pvml="urn:schemas-microsoft-com:office:powerpoint" xmlns:com="http://schemas.openxmlformats.org/drawingml/2006/compatibility" xmlns:p14="http://schemas.microsoft.com/office/powerpoint/2010/main" xmlns:p15="http://schemas.microsoft.com/office/powerpoint/2012/main" xmlns:ahyp="http://schemas.microsoft.com/office/drawing/2018/hyperlinkcolor">
   <p:cSld>
     <p:spTree>
       <p:nvGrpSpPr>
-        <p:cNvPr id="168" name="Shape 168"/>
+        <p:cNvPr id="158" name="Shape 158"/>
         <p:cNvGrpSpPr/>
         <p:nvPr/>
       </p:nvGrpSpPr>
@@ -9926,7 +10236,7 @@
       </p:grpSpPr>
       <p:sp>
         <p:nvSpPr>
-          <p:cNvPr id="169" name="Google Shape;169;p28"/>
+          <p:cNvPr id="159" name="Google Shape;159;p27"/>
           <p:cNvSpPr txBox="1"/>
           <p:nvPr>
             <p:ph type="title"/>
@@ -9957,16 +10267,24 @@
               <a:buNone/>
             </a:pPr>
             <a:r>
-              <a:rPr lang="en"/>
-              <a:t>Landfall Analysis for Intensity</a:t>
-            </a:r>
-            <a:endParaRPr/>
+              <a:rPr lang="en">
+                <a:solidFill>
+                  <a:schemeClr val="accent3"/>
+                </a:solidFill>
+              </a:rPr>
+              <a:t>Landfall Analysis - Intensity</a:t>
+            </a:r>
+            <a:endParaRPr>
+              <a:solidFill>
+                <a:schemeClr val="accent3"/>
+              </a:solidFill>
+            </a:endParaRPr>
           </a:p>
         </p:txBody>
       </p:sp>
       <p:pic>
         <p:nvPicPr>
-          <p:cNvPr id="170" name="Google Shape;170;p28"/>
+          <p:cNvPr id="160" name="Google Shape;160;p27"/>
           <p:cNvPicPr preferRelativeResize="0"/>
           <p:nvPr/>
         </p:nvPicPr>
@@ -9980,8 +10298,8 @@
         </p:blipFill>
         <p:spPr>
           <a:xfrm>
-            <a:off x="946050" y="1148575"/>
-            <a:ext cx="7251899" cy="3500401"/>
+            <a:off x="869999" y="1123575"/>
+            <a:ext cx="7355974" cy="3550650"/>
           </a:xfrm>
           <a:prstGeom prst="rect">
             <a:avLst/>
@@ -9994,7 +10312,7 @@
       </p:pic>
       <p:pic>
         <p:nvPicPr>
-          <p:cNvPr id="171" name="Google Shape;171;p28"/>
+          <p:cNvPr id="161" name="Google Shape;161;p27"/>
           <p:cNvPicPr preferRelativeResize="0"/>
           <p:nvPr/>
         </p:nvPicPr>
@@ -10008,8 +10326,8 @@
         </p:blipFill>
         <p:spPr>
           <a:xfrm>
-            <a:off x="764675" y="1135563"/>
-            <a:ext cx="7614650" cy="3526425"/>
+            <a:off x="870000" y="1123575"/>
+            <a:ext cx="7346301" cy="3402150"/>
           </a:xfrm>
           <a:prstGeom prst="rect">
             <a:avLst/>
@@ -10062,7 +10380,7 @@
                                           </p:stCondLst>
                                         </p:cTn>
                                         <p:tgtEl>
-                                          <p:spTgt spid="170"/>
+                                          <p:spTgt spid="160"/>
                                         </p:tgtEl>
                                         <p:attrNameLst>
                                           <p:attrName>style.visibility</p:attrName>
@@ -10094,7 +10412,43 @@
                             </p:stCondLst>
                             <p:childTnLst>
                               <p:par>
-                                <p:cTn fill="hold" nodeType="clickEffect" presetClass="entr" presetID="1" presetSubtype="0">
+                                <p:cTn fill="hold" nodeType="clickEffect" presetClass="exit" presetID="1" presetSubtype="0">
+                                  <p:stCondLst>
+                                    <p:cond delay="0"/>
+                                  </p:stCondLst>
+                                  <p:childTnLst>
+                                    <p:set>
+                                      <p:cBhvr>
+                                        <p:cTn dur="1" fill="hold">
+                                          <p:stCondLst>
+                                            <p:cond delay="1000"/>
+                                          </p:stCondLst>
+                                        </p:cTn>
+                                        <p:tgtEl>
+                                          <p:spTgt spid="160"/>
+                                        </p:tgtEl>
+                                        <p:attrNameLst>
+                                          <p:attrName>style.visibility</p:attrName>
+                                        </p:attrNameLst>
+                                      </p:cBhvr>
+                                      <p:to>
+                                        <p:strVal val="hidden"/>
+                                      </p:to>
+                                    </p:set>
+                                  </p:childTnLst>
+                                </p:cTn>
+                              </p:par>
+                            </p:childTnLst>
+                          </p:cTn>
+                        </p:par>
+                        <p:par>
+                          <p:cTn fill="hold">
+                            <p:stCondLst>
+                              <p:cond delay="1000"/>
+                            </p:stCondLst>
+                            <p:childTnLst>
+                              <p:par>
+                                <p:cTn fill="hold" nodeType="afterEffect" presetClass="entr" presetID="1" presetSubtype="0">
                                   <p:stCondLst>
                                     <p:cond delay="0"/>
                                   </p:stCondLst>
@@ -10107,7 +10461,7 @@
                                           </p:stCondLst>
                                         </p:cTn>
                                         <p:tgtEl>
-                                          <p:spTgt spid="171"/>
+                                          <p:spTgt spid="161"/>
                                         </p:tgtEl>
                                         <p:attrNameLst>
                                           <p:attrName>style.visibility</p:attrName>
@@ -10151,12 +10505,12 @@
 </p:sld>
 </file>
 
-<file path=ppt/slides/slide17.xml><?xml version="1.0" encoding="utf-8"?>
+<file path=ppt/slides/slide16.xml><?xml version="1.0" encoding="utf-8"?>
 <p:sld xmlns:a="http://schemas.openxmlformats.org/drawingml/2006/main" xmlns:r="http://schemas.openxmlformats.org/officeDocument/2006/relationships" xmlns:mc="http://schemas.openxmlformats.org/markup-compatibility/2006" xmlns:mv="urn:schemas-microsoft-com:mac:vml" xmlns:p="http://schemas.openxmlformats.org/presentationml/2006/main" xmlns:c="http://schemas.openxmlformats.org/drawingml/2006/chart" xmlns:dgm="http://schemas.openxmlformats.org/drawingml/2006/diagram" xmlns:o="urn:schemas-microsoft-com:office:office" xmlns:v="urn:schemas-microsoft-com:vml" xmlns:pvml="urn:schemas-microsoft-com:office:powerpoint" xmlns:com="http://schemas.openxmlformats.org/drawingml/2006/compatibility" xmlns:p14="http://schemas.microsoft.com/office/powerpoint/2010/main" xmlns:p15="http://schemas.microsoft.com/office/powerpoint/2012/main" xmlns:ahyp="http://schemas.microsoft.com/office/drawing/2018/hyperlinkcolor">
   <p:cSld>
     <p:spTree>
       <p:nvGrpSpPr>
-        <p:cNvPr id="175" name="Shape 175"/>
+        <p:cNvPr id="165" name="Shape 165"/>
         <p:cNvGrpSpPr/>
         <p:nvPr/>
       </p:nvGrpSpPr>
@@ -10170,7 +10524,7 @@
       </p:grpSpPr>
       <p:sp>
         <p:nvSpPr>
-          <p:cNvPr id="176" name="Google Shape;176;p29"/>
+          <p:cNvPr id="166" name="Google Shape;166;p28"/>
           <p:cNvSpPr txBox="1"/>
           <p:nvPr>
             <p:ph type="title"/>
@@ -10201,109 +10555,24 @@
               <a:buNone/>
             </a:pPr>
             <a:r>
-              <a:rPr lang="en"/>
-              <a:t>Frequency &amp; Intesnity</a:t>
-            </a:r>
-            <a:endParaRPr/>
+              <a:rPr lang="en">
+                <a:solidFill>
+                  <a:schemeClr val="accent3"/>
+                </a:solidFill>
+              </a:rPr>
+              <a:t>What About the Increase in Damages though?</a:t>
+            </a:r>
+            <a:endParaRPr>
+              <a:solidFill>
+                <a:schemeClr val="accent3"/>
+              </a:solidFill>
+            </a:endParaRPr>
           </a:p>
         </p:txBody>
       </p:sp>
       <p:pic>
         <p:nvPicPr>
-          <p:cNvPr id="177" name="Google Shape;177;p29"/>
-          <p:cNvPicPr preferRelativeResize="0"/>
-          <p:nvPr/>
-        </p:nvPicPr>
-        <p:blipFill>
-          <a:blip r:embed="rId3">
-            <a:alphaModFix/>
-          </a:blip>
-          <a:stretch>
-            <a:fillRect/>
-          </a:stretch>
-        </p:blipFill>
-        <p:spPr>
-          <a:xfrm>
-            <a:off x="1062262" y="1198000"/>
-            <a:ext cx="7019475" cy="3636025"/>
-          </a:xfrm>
-          <a:prstGeom prst="rect">
-            <a:avLst/>
-          </a:prstGeom>
-          <a:noFill/>
-          <a:ln>
-            <a:noFill/>
-          </a:ln>
-        </p:spPr>
-      </p:pic>
-    </p:spTree>
-  </p:cSld>
-  <p:clrMapOvr>
-    <a:masterClrMapping/>
-  </p:clrMapOvr>
-</p:sld>
-</file>
-
-<file path=ppt/slides/slide18.xml><?xml version="1.0" encoding="utf-8"?>
-<p:sld xmlns:a="http://schemas.openxmlformats.org/drawingml/2006/main" xmlns:r="http://schemas.openxmlformats.org/officeDocument/2006/relationships" xmlns:mc="http://schemas.openxmlformats.org/markup-compatibility/2006" xmlns:mv="urn:schemas-microsoft-com:mac:vml" xmlns:p="http://schemas.openxmlformats.org/presentationml/2006/main" xmlns:c="http://schemas.openxmlformats.org/drawingml/2006/chart" xmlns:dgm="http://schemas.openxmlformats.org/drawingml/2006/diagram" xmlns:o="urn:schemas-microsoft-com:office:office" xmlns:v="urn:schemas-microsoft-com:vml" xmlns:pvml="urn:schemas-microsoft-com:office:powerpoint" xmlns:com="http://schemas.openxmlformats.org/drawingml/2006/compatibility" xmlns:p14="http://schemas.microsoft.com/office/powerpoint/2010/main" xmlns:p15="http://schemas.microsoft.com/office/powerpoint/2012/main" xmlns:ahyp="http://schemas.microsoft.com/office/drawing/2018/hyperlinkcolor">
-  <p:cSld>
-    <p:spTree>
-      <p:nvGrpSpPr>
-        <p:cNvPr id="181" name="Shape 181"/>
-        <p:cNvGrpSpPr/>
-        <p:nvPr/>
-      </p:nvGrpSpPr>
-      <p:grpSpPr>
-        <a:xfrm>
-          <a:off x="0" y="0"/>
-          <a:ext cx="0" cy="0"/>
-          <a:chOff x="0" y="0"/>
-          <a:chExt cx="0" cy="0"/>
-        </a:xfrm>
-      </p:grpSpPr>
-      <p:sp>
-        <p:nvSpPr>
-          <p:cNvPr id="182" name="Google Shape;182;p30"/>
-          <p:cNvSpPr txBox="1"/>
-          <p:nvPr>
-            <p:ph type="title"/>
-          </p:nvPr>
-        </p:nvSpPr>
-        <p:spPr>
-          <a:xfrm>
-            <a:off x="311700" y="445025"/>
-            <a:ext cx="8520600" cy="572700"/>
-          </a:xfrm>
-          <a:prstGeom prst="rect">
-            <a:avLst/>
-          </a:prstGeom>
-        </p:spPr>
-        <p:txBody>
-          <a:bodyPr anchorCtr="0" anchor="t" bIns="91425" lIns="91425" spcFirstLastPara="1" rIns="91425" wrap="square" tIns="91425">
-            <a:normAutofit fontScale="90000"/>
-          </a:bodyPr>
-          <a:lstStyle/>
-          <a:p>
-            <a:pPr indent="0" lvl="0" marL="0" rtl="0" algn="ctr">
-              <a:spcBef>
-                <a:spcPts val="0"/>
-              </a:spcBef>
-              <a:spcAft>
-                <a:spcPts val="0"/>
-              </a:spcAft>
-              <a:buNone/>
-            </a:pPr>
-            <a:r>
-              <a:rPr lang="en"/>
-              <a:t>What About the Increase in Damages though?</a:t>
-            </a:r>
-            <a:endParaRPr/>
-          </a:p>
-        </p:txBody>
-      </p:sp>
-      <p:pic>
-        <p:nvPicPr>
-          <p:cNvPr id="183" name="Google Shape;183;p30"/>
+          <p:cNvPr id="167" name="Google Shape;167;p28"/>
           <p:cNvPicPr preferRelativeResize="0"/>
           <p:nvPr/>
         </p:nvPicPr>
@@ -10331,7 +10600,7 @@
       </p:pic>
       <p:pic>
         <p:nvPicPr>
-          <p:cNvPr id="184" name="Google Shape;184;p30"/>
+          <p:cNvPr id="168" name="Google Shape;168;p28"/>
           <p:cNvPicPr preferRelativeResize="0"/>
           <p:nvPr/>
         </p:nvPicPr>
@@ -10399,7 +10668,7 @@
                                           </p:stCondLst>
                                         </p:cTn>
                                         <p:tgtEl>
-                                          <p:spTgt spid="183"/>
+                                          <p:spTgt spid="167"/>
                                         </p:tgtEl>
                                         <p:attrNameLst>
                                           <p:attrName>style.visibility</p:attrName>
@@ -10444,7 +10713,7 @@
                                           </p:stCondLst>
                                         </p:cTn>
                                         <p:tgtEl>
-                                          <p:spTgt spid="183"/>
+                                          <p:spTgt spid="167"/>
                                         </p:tgtEl>
                                         <p:attrNameLst>
                                           <p:attrName>style.visibility</p:attrName>
@@ -10480,7 +10749,7 @@
                                           </p:stCondLst>
                                         </p:cTn>
                                         <p:tgtEl>
-                                          <p:spTgt spid="184"/>
+                                          <p:spTgt spid="168"/>
                                         </p:tgtEl>
                                         <p:attrNameLst>
                                           <p:attrName>style.visibility</p:attrName>
@@ -10524,12 +10793,12 @@
 </p:sld>
 </file>
 
-<file path=ppt/slides/slide19.xml><?xml version="1.0" encoding="utf-8"?>
+<file path=ppt/slides/slide17.xml><?xml version="1.0" encoding="utf-8"?>
 <p:sld xmlns:a="http://schemas.openxmlformats.org/drawingml/2006/main" xmlns:r="http://schemas.openxmlformats.org/officeDocument/2006/relationships" xmlns:mc="http://schemas.openxmlformats.org/markup-compatibility/2006" xmlns:mv="urn:schemas-microsoft-com:mac:vml" xmlns:p="http://schemas.openxmlformats.org/presentationml/2006/main" xmlns:c="http://schemas.openxmlformats.org/drawingml/2006/chart" xmlns:dgm="http://schemas.openxmlformats.org/drawingml/2006/diagram" xmlns:o="urn:schemas-microsoft-com:office:office" xmlns:v="urn:schemas-microsoft-com:vml" xmlns:pvml="urn:schemas-microsoft-com:office:powerpoint" xmlns:com="http://schemas.openxmlformats.org/drawingml/2006/compatibility" xmlns:p14="http://schemas.microsoft.com/office/powerpoint/2010/main" xmlns:p15="http://schemas.microsoft.com/office/powerpoint/2012/main" xmlns:ahyp="http://schemas.microsoft.com/office/drawing/2018/hyperlinkcolor">
   <p:cSld>
     <p:spTree>
       <p:nvGrpSpPr>
-        <p:cNvPr id="188" name="Shape 188"/>
+        <p:cNvPr id="172" name="Shape 172"/>
         <p:cNvGrpSpPr/>
         <p:nvPr/>
       </p:nvGrpSpPr>
@@ -10543,7 +10812,7 @@
       </p:grpSpPr>
       <p:sp>
         <p:nvSpPr>
-          <p:cNvPr id="189" name="Google Shape;189;p31"/>
+          <p:cNvPr id="173" name="Google Shape;173;p29"/>
           <p:cNvSpPr txBox="1"/>
           <p:nvPr>
             <p:ph type="title"/>
@@ -10574,16 +10843,24 @@
               <a:buNone/>
             </a:pPr>
             <a:r>
-              <a:rPr lang="en"/>
+              <a:rPr lang="en">
+                <a:solidFill>
+                  <a:schemeClr val="accent3"/>
+                </a:solidFill>
+              </a:rPr>
               <a:t>Conclusion 	</a:t>
             </a:r>
-            <a:endParaRPr/>
+            <a:endParaRPr>
+              <a:solidFill>
+                <a:schemeClr val="accent3"/>
+              </a:solidFill>
+            </a:endParaRPr>
           </a:p>
         </p:txBody>
       </p:sp>
       <p:sp>
         <p:nvSpPr>
-          <p:cNvPr id="190" name="Google Shape;190;p31"/>
+          <p:cNvPr id="174" name="Google Shape;174;p29"/>
           <p:cNvSpPr txBox="1"/>
           <p:nvPr>
             <p:ph idx="1" type="body"/>
@@ -10600,99 +10877,123 @@
         </p:spPr>
         <p:txBody>
           <a:bodyPr anchorCtr="0" anchor="t" bIns="91425" lIns="91425" spcFirstLastPara="1" rIns="91425" wrap="square" tIns="91425">
-            <a:normAutofit/>
+            <a:normAutofit lnSpcReduction="10000"/>
           </a:bodyPr>
           <a:lstStyle/>
           <a:p>
-            <a:pPr indent="-330200" lvl="0" marL="457200" rtl="0" algn="l">
-              <a:spcBef>
-                <a:spcPts val="0"/>
-              </a:spcBef>
-              <a:spcAft>
-                <a:spcPts val="0"/>
-              </a:spcAft>
-              <a:buSzPts val="1600"/>
+            <a:pPr indent="-361950" lvl="0" marL="457200" rtl="0" algn="l">
+              <a:spcBef>
+                <a:spcPts val="0"/>
+              </a:spcBef>
+              <a:spcAft>
+                <a:spcPts val="0"/>
+              </a:spcAft>
+              <a:buSzPts val="2100"/>
+              <a:buFont typeface="Oswald"/>
               <a:buChar char="●"/>
             </a:pPr>
             <a:r>
-              <a:rPr lang="en" sz="1600"/>
+              <a:rPr lang="en" sz="2100">
+                <a:latin typeface="Oswald"/>
+                <a:ea typeface="Oswald"/>
+                <a:cs typeface="Oswald"/>
+                <a:sym typeface="Oswald"/>
+              </a:rPr>
               <a:t>“Data doesn’t lie.  People do.  If your data is biased, it is because it has been sampled incorrectly or you asked the wrong question, whether it be deliberately or otherwise.” 			- Lee Baker, Truth, Lies, &amp; </a:t>
             </a:r>
             <a:r>
-              <a:rPr lang="en" sz="1600"/>
+              <a:rPr lang="en" sz="2100">
+                <a:latin typeface="Oswald"/>
+                <a:ea typeface="Oswald"/>
+                <a:cs typeface="Oswald"/>
+                <a:sym typeface="Oswald"/>
+              </a:rPr>
               <a:t>Statistics</a:t>
             </a:r>
             <a:r>
-              <a:rPr lang="en" sz="1600"/>
+              <a:rPr lang="en" sz="2100">
+                <a:latin typeface="Oswald"/>
+                <a:ea typeface="Oswald"/>
+                <a:cs typeface="Oswald"/>
+                <a:sym typeface="Oswald"/>
+              </a:rPr>
               <a:t>:  How to Lie with Statistics.</a:t>
             </a:r>
-            <a:endParaRPr sz="1600"/>
+            <a:endParaRPr sz="2100">
+              <a:latin typeface="Oswald"/>
+              <a:ea typeface="Oswald"/>
+              <a:cs typeface="Oswald"/>
+              <a:sym typeface="Oswald"/>
+            </a:endParaRPr>
           </a:p>
           <a:p>
-            <a:pPr indent="-330200" lvl="0" marL="457200" rtl="0" algn="l">
-              <a:spcBef>
-                <a:spcPts val="0"/>
-              </a:spcBef>
-              <a:spcAft>
-                <a:spcPts val="0"/>
-              </a:spcAft>
-              <a:buSzPts val="1600"/>
+            <a:pPr indent="-361950" lvl="0" marL="457200" rtl="0" algn="l">
+              <a:spcBef>
+                <a:spcPts val="0"/>
+              </a:spcBef>
+              <a:spcAft>
+                <a:spcPts val="0"/>
+              </a:spcAft>
+              <a:buSzPts val="2100"/>
+              <a:buFont typeface="Oswald"/>
               <a:buChar char="●"/>
             </a:pPr>
             <a:r>
-              <a:rPr lang="en" sz="1600"/>
-              <a:t>The true story highlighted in this analysis is how data can be used to drive a narrative in almost any direction desired.</a:t>
-            </a:r>
-            <a:endParaRPr sz="1600"/>
+              <a:rPr lang="en" sz="2100">
+                <a:latin typeface="Oswald"/>
+                <a:ea typeface="Oswald"/>
+                <a:cs typeface="Oswald"/>
+                <a:sym typeface="Oswald"/>
+              </a:rPr>
+              <a:t>The true story highlighted in this analysis is how data can be used to drive a narrative in almost any direction.</a:t>
+            </a:r>
+            <a:endParaRPr sz="2100">
+              <a:latin typeface="Oswald"/>
+              <a:ea typeface="Oswald"/>
+              <a:cs typeface="Oswald"/>
+              <a:sym typeface="Oswald"/>
+            </a:endParaRPr>
           </a:p>
           <a:p>
-            <a:pPr indent="-330200" lvl="0" marL="457200" rtl="0" algn="l">
-              <a:spcBef>
-                <a:spcPts val="0"/>
-              </a:spcBef>
-              <a:spcAft>
-                <a:spcPts val="0"/>
-              </a:spcAft>
-              <a:buSzPts val="1600"/>
+            <a:pPr indent="-361950" lvl="0" marL="457200" rtl="0" algn="l">
+              <a:spcBef>
+                <a:spcPts val="0"/>
+              </a:spcBef>
+              <a:spcAft>
+                <a:spcPts val="0"/>
+              </a:spcAft>
+              <a:buSzPts val="2100"/>
+              <a:buFont typeface="Oswald"/>
               <a:buChar char="●"/>
             </a:pPr>
             <a:r>
-              <a:rPr lang="en" sz="1600"/>
+              <a:rPr lang="en" sz="2100">
+                <a:latin typeface="Oswald"/>
+                <a:ea typeface="Oswald"/>
+                <a:cs typeface="Oswald"/>
+                <a:sym typeface="Oswald"/>
+              </a:rPr>
               <a:t>This analysis indicates no strong evidence of increasing frequency or intensity of Hurricanes.</a:t>
             </a:r>
-            <a:endParaRPr sz="1600"/>
+            <a:endParaRPr sz="2100">
+              <a:latin typeface="Oswald"/>
+              <a:ea typeface="Oswald"/>
+              <a:cs typeface="Oswald"/>
+              <a:sym typeface="Oswald"/>
+            </a:endParaRPr>
           </a:p>
           <a:p>
-            <a:pPr indent="-330200" lvl="0" marL="457200" rtl="0" algn="l">
-              <a:spcBef>
-                <a:spcPts val="0"/>
-              </a:spcBef>
-              <a:spcAft>
-                <a:spcPts val="0"/>
-              </a:spcAft>
-              <a:buSzPts val="1600"/>
-              <a:buChar char="●"/>
+            <a:pPr indent="0" lvl="0" marL="457200" rtl="0" algn="l">
+              <a:spcBef>
+                <a:spcPts val="1200"/>
+              </a:spcBef>
+              <a:spcAft>
+                <a:spcPts val="1200"/>
+              </a:spcAft>
+              <a:buNone/>
             </a:pPr>
             <a:r>
-              <a:rPr lang="en" sz="1600"/>
-              <a:t>This is not to say climate change isn’t taking place.  </a:t>
-            </a:r>
-            <a:endParaRPr sz="1600"/>
-          </a:p>
-          <a:p>
-            <a:pPr indent="-330200" lvl="0" marL="457200" rtl="0" algn="l">
-              <a:spcBef>
-                <a:spcPts val="0"/>
-              </a:spcBef>
-              <a:spcAft>
-                <a:spcPts val="0"/>
-              </a:spcAft>
-              <a:buSzPts val="1600"/>
-              <a:buChar char="●"/>
-            </a:pPr>
-            <a:r>
-              <a:rPr lang="en" sz="1600"/>
-              <a:t>Some evidence of hurricanes moving more slowly which may result in more damage.</a:t>
+              <a:t/>
             </a:r>
             <a:endParaRPr sz="1600"/>
           </a:p>
@@ -10754,7 +11055,7 @@
         </p:spPr>
         <p:txBody>
           <a:bodyPr anchorCtr="0" anchor="t" bIns="91425" lIns="91425" spcFirstLastPara="1" rIns="91425" wrap="square" tIns="91425">
-            <a:normAutofit/>
+            <a:noAutofit/>
           </a:bodyPr>
           <a:lstStyle/>
           <a:p>
@@ -10768,112 +11069,19 @@
               <a:buNone/>
             </a:pPr>
             <a:r>
-              <a:rPr lang="en"/>
+              <a:rPr lang="en">
+                <a:latin typeface="Oswald"/>
+                <a:ea typeface="Oswald"/>
+                <a:cs typeface="Oswald"/>
+                <a:sym typeface="Oswald"/>
+              </a:rPr>
               <a:t>Data Sources</a:t>
             </a:r>
-            <a:endParaRPr/>
-          </a:p>
-          <a:p>
-            <a:pPr indent="0" lvl="0" marL="0" rtl="0" algn="l">
-              <a:spcBef>
-                <a:spcPts val="1200"/>
-              </a:spcBef>
-              <a:spcAft>
-                <a:spcPts val="0"/>
-              </a:spcAft>
-              <a:buNone/>
-            </a:pPr>
-            <a:r>
-              <a:rPr b="1" lang="en" sz="1000"/>
-              <a:t>Temperature Data</a:t>
-            </a:r>
-            <a:r>
-              <a:rPr lang="en" sz="1000"/>
-              <a:t> - National Centers for Environmental                                           Information - </a:t>
-            </a:r>
-            <a:r>
-              <a:rPr lang="en" sz="1000" u="sng">
-                <a:solidFill>
-                  <a:schemeClr val="hlink"/>
-                </a:solidFill>
-                <a:hlinkClick r:id="rId3"/>
-              </a:rPr>
-              <a:t>https://www.ncei.noaa.gov/</a:t>
-            </a:r>
-            <a:endParaRPr sz="1000"/>
-          </a:p>
-          <a:p>
-            <a:pPr indent="0" lvl="0" marL="0" rtl="0" algn="l">
-              <a:spcBef>
-                <a:spcPts val="1200"/>
-              </a:spcBef>
-              <a:spcAft>
-                <a:spcPts val="0"/>
-              </a:spcAft>
-              <a:buNone/>
-            </a:pPr>
-            <a:r>
-              <a:rPr b="1" lang="en" sz="1000"/>
-              <a:t>North Atlantic Hurricane Occurrences</a:t>
-            </a:r>
-            <a:r>
-              <a:rPr lang="en" sz="1000"/>
-              <a:t> - Our World in Data - </a:t>
-            </a:r>
-            <a:r>
-              <a:rPr lang="en" sz="1000" u="sng">
-                <a:solidFill>
-                  <a:schemeClr val="hlink"/>
-                </a:solidFill>
-                <a:hlinkClick r:id="rId4"/>
-              </a:rPr>
-              <a:t>https://ourworldindata.org/grapher/frequency-north-atlantic-hurricanes</a:t>
-            </a:r>
-            <a:r>
-              <a:rPr lang="en" sz="1000"/>
-              <a:t> </a:t>
-            </a:r>
-            <a:endParaRPr sz="1000"/>
-          </a:p>
-          <a:p>
-            <a:pPr indent="0" lvl="0" marL="0" rtl="0" algn="l">
-              <a:spcBef>
-                <a:spcPts val="1200"/>
-              </a:spcBef>
-              <a:spcAft>
-                <a:spcPts val="0"/>
-              </a:spcAft>
-              <a:buNone/>
-            </a:pPr>
-            <a:r>
-              <a:rPr b="1" lang="en" sz="1000"/>
-              <a:t>Landfall Hurricane Occurrences</a:t>
-            </a:r>
-            <a:r>
-              <a:rPr lang="en" sz="1000"/>
-              <a:t> - Historical Global Tropical Cyclone Landfalls - Jessica Weinkle, Ryan Maue, &amp; Roger Pielke Jr - </a:t>
-            </a:r>
-            <a:r>
-              <a:rPr lang="en" sz="1000" u="sng">
-                <a:solidFill>
-                  <a:schemeClr val="hlink"/>
-                </a:solidFill>
-                <a:hlinkClick r:id="rId5"/>
-              </a:rPr>
-              <a:t>https://journals.ametsoc.org/view/journals/clim/25/13/jcli-d-11-00719.1.xml?tab_body=pdf</a:t>
-            </a:r>
-            <a:r>
-              <a:rPr lang="en" sz="1000"/>
-              <a:t> </a:t>
-            </a:r>
-            <a:endParaRPr sz="2400">
-              <a:solidFill>
-                <a:srgbClr val="333333"/>
-              </a:solidFill>
-              <a:latin typeface="Arial"/>
-              <a:ea typeface="Arial"/>
-              <a:cs typeface="Arial"/>
-              <a:sym typeface="Arial"/>
+            <a:endParaRPr>
+              <a:latin typeface="Oswald"/>
+              <a:ea typeface="Oswald"/>
+              <a:cs typeface="Oswald"/>
+              <a:sym typeface="Oswald"/>
             </a:endParaRPr>
           </a:p>
           <a:p>
@@ -10887,46 +11095,41 @@
               <a:buNone/>
             </a:pPr>
             <a:r>
-              <a:rPr b="1" lang="en" sz="1000"/>
-              <a:t>Coastal Population Data</a:t>
-            </a:r>
-            <a:r>
-              <a:rPr lang="en" sz="1000"/>
-              <a:t> - National Oceanic &amp; Atmospheric Administration - </a:t>
-            </a:r>
-            <a:r>
-              <a:rPr lang="en" sz="1200" u="sng">
+              <a:rPr b="1" lang="en" sz="1100">
+                <a:latin typeface="Oswald"/>
+                <a:ea typeface="Oswald"/>
+                <a:cs typeface="Oswald"/>
+                <a:sym typeface="Oswald"/>
+              </a:rPr>
+              <a:t>Temperature Data</a:t>
+            </a:r>
+            <a:r>
+              <a:rPr lang="en" sz="1100">
+                <a:latin typeface="Oswald"/>
+                <a:ea typeface="Oswald"/>
+                <a:cs typeface="Oswald"/>
+                <a:sym typeface="Oswald"/>
+              </a:rPr>
+              <a:t> - National Centers for Environmental                                           Information - </a:t>
+            </a:r>
+            <a:r>
+              <a:rPr lang="en" sz="1100" u="sng">
                 <a:solidFill>
                   <a:schemeClr val="hlink"/>
                 </a:solidFill>
-                <a:latin typeface="Times New Roman"/>
-                <a:ea typeface="Times New Roman"/>
-                <a:cs typeface="Times New Roman"/>
-                <a:sym typeface="Times New Roman"/>
-                <a:hlinkClick r:id="rId6"/>
+                <a:latin typeface="Oswald"/>
+                <a:ea typeface="Oswald"/>
+                <a:cs typeface="Oswald"/>
+                <a:sym typeface="Oswald"/>
+                <a:hlinkClick r:id="rId3"/>
               </a:rPr>
-              <a:t>https://coast.noaa.gov/quickreport/#/index.html</a:t>
-            </a:r>
-            <a:r>
-              <a:rPr lang="en" sz="1200">
-                <a:solidFill>
-                  <a:srgbClr val="2A2A2A"/>
-                </a:solidFill>
-                <a:latin typeface="Times New Roman"/>
-                <a:ea typeface="Times New Roman"/>
-                <a:cs typeface="Times New Roman"/>
-                <a:sym typeface="Times New Roman"/>
-              </a:rPr>
-              <a:t> </a:t>
-            </a:r>
-            <a:endParaRPr sz="1200">
-              <a:solidFill>
-                <a:srgbClr val="2A2A2A"/>
-              </a:solidFill>
-              <a:latin typeface="Times New Roman"/>
-              <a:ea typeface="Times New Roman"/>
-              <a:cs typeface="Times New Roman"/>
-              <a:sym typeface="Times New Roman"/>
+              <a:t>https://www.ncei.noaa.gov/</a:t>
+            </a:r>
+            <a:endParaRPr sz="1100">
+              <a:latin typeface="Oswald"/>
+              <a:ea typeface="Oswald"/>
+              <a:cs typeface="Oswald"/>
+              <a:sym typeface="Oswald"/>
             </a:endParaRPr>
           </a:p>
           <a:p>
@@ -10935,36 +11138,245 @@
                 <a:spcPts val="1200"/>
               </a:spcBef>
               <a:spcAft>
-                <a:spcPts val="1200"/>
+                <a:spcPts val="0"/>
               </a:spcAft>
               <a:buNone/>
             </a:pPr>
             <a:r>
-              <a:rPr b="1" lang="en" sz="1000"/>
-              <a:t>Hurricane Damage Data</a:t>
-            </a:r>
-            <a:r>
-              <a:rPr lang="en" sz="1000"/>
-              <a:t> - </a:t>
-            </a:r>
-            <a:r>
-              <a:rPr lang="en" sz="1000"/>
-              <a:t>National Centers for Environmental                                           Information - </a:t>
-            </a:r>
-            <a:r>
-              <a:rPr lang="en" sz="1000" u="sng">
+              <a:rPr b="1" lang="en" sz="1100">
+                <a:latin typeface="Oswald"/>
+                <a:ea typeface="Oswald"/>
+                <a:cs typeface="Oswald"/>
+                <a:sym typeface="Oswald"/>
+              </a:rPr>
+              <a:t>North Atlantic Hurricane Occurrences</a:t>
+            </a:r>
+            <a:r>
+              <a:rPr lang="en" sz="1100">
+                <a:latin typeface="Oswald"/>
+                <a:ea typeface="Oswald"/>
+                <a:cs typeface="Oswald"/>
+                <a:sym typeface="Oswald"/>
+              </a:rPr>
+              <a:t> - Our World in Data - </a:t>
+            </a:r>
+            <a:r>
+              <a:rPr lang="en" sz="1100" u="sng">
                 <a:solidFill>
                   <a:schemeClr val="hlink"/>
                 </a:solidFill>
+                <a:latin typeface="Oswald"/>
+                <a:ea typeface="Oswald"/>
+                <a:cs typeface="Oswald"/>
+                <a:sym typeface="Oswald"/>
+                <a:hlinkClick r:id="rId4"/>
+              </a:rPr>
+              <a:t>https://ourworldindata.org/grapher/frequency-north-atlantic-hurricanes</a:t>
+            </a:r>
+            <a:r>
+              <a:rPr lang="en" sz="1100">
+                <a:latin typeface="Oswald"/>
+                <a:ea typeface="Oswald"/>
+                <a:cs typeface="Oswald"/>
+                <a:sym typeface="Oswald"/>
+              </a:rPr>
+              <a:t> </a:t>
+            </a:r>
+            <a:endParaRPr sz="1100">
+              <a:latin typeface="Oswald"/>
+              <a:ea typeface="Oswald"/>
+              <a:cs typeface="Oswald"/>
+              <a:sym typeface="Oswald"/>
+            </a:endParaRPr>
+          </a:p>
+          <a:p>
+            <a:pPr indent="0" lvl="0" marL="0" rtl="0" algn="l">
+              <a:spcBef>
+                <a:spcPts val="1200"/>
+              </a:spcBef>
+              <a:spcAft>
+                <a:spcPts val="0"/>
+              </a:spcAft>
+              <a:buNone/>
+            </a:pPr>
+            <a:r>
+              <a:rPr b="1" lang="en" sz="1100">
+                <a:latin typeface="Oswald"/>
+                <a:ea typeface="Oswald"/>
+                <a:cs typeface="Oswald"/>
+                <a:sym typeface="Oswald"/>
+              </a:rPr>
+              <a:t>Landfall Hurricane Occurrences</a:t>
+            </a:r>
+            <a:r>
+              <a:rPr lang="en" sz="1100">
+                <a:latin typeface="Oswald"/>
+                <a:ea typeface="Oswald"/>
+                <a:cs typeface="Oswald"/>
+                <a:sym typeface="Oswald"/>
+              </a:rPr>
+              <a:t> - Historical Global Tropical Cyclone Landfalls - Jessica Weinkle, Ryan Maue, &amp; Roger Pielke Jr - </a:t>
+            </a:r>
+            <a:r>
+              <a:rPr lang="en" sz="1100" u="sng">
+                <a:solidFill>
+                  <a:schemeClr val="hlink"/>
+                </a:solidFill>
+                <a:latin typeface="Oswald"/>
+                <a:ea typeface="Oswald"/>
+                <a:cs typeface="Oswald"/>
+                <a:sym typeface="Oswald"/>
+                <a:hlinkClick r:id="rId5"/>
+              </a:rPr>
+              <a:t>https://journals.ametsoc.org/view/journals/clim/25/13/jcli-d-11-00719.1.xml?tab_body=pdf</a:t>
+            </a:r>
+            <a:r>
+              <a:rPr lang="en" sz="1100">
+                <a:latin typeface="Oswald"/>
+                <a:ea typeface="Oswald"/>
+                <a:cs typeface="Oswald"/>
+                <a:sym typeface="Oswald"/>
+              </a:rPr>
+              <a:t> </a:t>
+            </a:r>
+            <a:endParaRPr sz="1100">
+              <a:solidFill>
+                <a:srgbClr val="333333"/>
+              </a:solidFill>
+              <a:latin typeface="Oswald"/>
+              <a:ea typeface="Oswald"/>
+              <a:cs typeface="Oswald"/>
+              <a:sym typeface="Oswald"/>
+            </a:endParaRPr>
+          </a:p>
+          <a:p>
+            <a:pPr indent="0" lvl="0" marL="0" rtl="0" algn="l">
+              <a:spcBef>
+                <a:spcPts val="1200"/>
+              </a:spcBef>
+              <a:spcAft>
+                <a:spcPts val="0"/>
+              </a:spcAft>
+              <a:buNone/>
+            </a:pPr>
+            <a:r>
+              <a:rPr b="1" lang="en" sz="1100">
+                <a:latin typeface="Oswald"/>
+                <a:ea typeface="Oswald"/>
+                <a:cs typeface="Oswald"/>
+                <a:sym typeface="Oswald"/>
+              </a:rPr>
+              <a:t>Coastal Population Data</a:t>
+            </a:r>
+            <a:r>
+              <a:rPr lang="en" sz="1100">
+                <a:latin typeface="Oswald"/>
+                <a:ea typeface="Oswald"/>
+                <a:cs typeface="Oswald"/>
+                <a:sym typeface="Oswald"/>
+              </a:rPr>
+              <a:t> - National Oceanic &amp; Atmospheric Administration - </a:t>
+            </a:r>
+            <a:r>
+              <a:rPr lang="en" sz="1100" u="sng">
+                <a:solidFill>
+                  <a:schemeClr val="hlink"/>
+                </a:solidFill>
+                <a:latin typeface="Oswald"/>
+                <a:ea typeface="Oswald"/>
+                <a:cs typeface="Oswald"/>
+                <a:sym typeface="Oswald"/>
+                <a:hlinkClick r:id="rId6"/>
+              </a:rPr>
+              <a:t>https://coast.noaa.gov/quickreport/#/index.html</a:t>
+            </a:r>
+            <a:r>
+              <a:rPr lang="en" sz="1100">
+                <a:solidFill>
+                  <a:srgbClr val="2A2A2A"/>
+                </a:solidFill>
+                <a:latin typeface="Oswald"/>
+                <a:ea typeface="Oswald"/>
+                <a:cs typeface="Oswald"/>
+                <a:sym typeface="Oswald"/>
+              </a:rPr>
+              <a:t> </a:t>
+            </a:r>
+            <a:endParaRPr sz="1100">
+              <a:solidFill>
+                <a:srgbClr val="2A2A2A"/>
+              </a:solidFill>
+              <a:latin typeface="Oswald"/>
+              <a:ea typeface="Oswald"/>
+              <a:cs typeface="Oswald"/>
+              <a:sym typeface="Oswald"/>
+            </a:endParaRPr>
+          </a:p>
+          <a:p>
+            <a:pPr indent="0" lvl="0" marL="0" rtl="0" algn="l">
+              <a:spcBef>
+                <a:spcPts val="1200"/>
+              </a:spcBef>
+              <a:spcAft>
+                <a:spcPts val="1200"/>
+              </a:spcAft>
+              <a:buNone/>
+            </a:pPr>
+            <a:r>
+              <a:rPr b="1" lang="en" sz="1100">
+                <a:latin typeface="Oswald"/>
+                <a:ea typeface="Oswald"/>
+                <a:cs typeface="Oswald"/>
+                <a:sym typeface="Oswald"/>
+              </a:rPr>
+              <a:t>Hurricane Damage Data</a:t>
+            </a:r>
+            <a:r>
+              <a:rPr lang="en" sz="1100">
+                <a:latin typeface="Oswald"/>
+                <a:ea typeface="Oswald"/>
+                <a:cs typeface="Oswald"/>
+                <a:sym typeface="Oswald"/>
+              </a:rPr>
+              <a:t> - </a:t>
+            </a:r>
+            <a:r>
+              <a:rPr lang="en" sz="1100">
+                <a:latin typeface="Oswald"/>
+                <a:ea typeface="Oswald"/>
+                <a:cs typeface="Oswald"/>
+                <a:sym typeface="Oswald"/>
+              </a:rPr>
+              <a:t>National Centers for Environmental                                           Information - </a:t>
+            </a:r>
+            <a:r>
+              <a:rPr lang="en" sz="1100" u="sng">
+                <a:solidFill>
+                  <a:schemeClr val="hlink"/>
+                </a:solidFill>
+                <a:latin typeface="Oswald"/>
+                <a:ea typeface="Oswald"/>
+                <a:cs typeface="Oswald"/>
+                <a:sym typeface="Oswald"/>
                 <a:hlinkClick r:id="rId7"/>
               </a:rPr>
               <a:t>https://www.ncei.noaa.gov/access/billions/time-series/US</a:t>
             </a:r>
             <a:r>
-              <a:rPr lang="en" sz="1000"/>
+              <a:rPr lang="en" sz="1100">
+                <a:latin typeface="Oswald"/>
+                <a:ea typeface="Oswald"/>
+                <a:cs typeface="Oswald"/>
+                <a:sym typeface="Oswald"/>
+              </a:rPr>
               <a:t> </a:t>
             </a:r>
-            <a:endParaRPr sz="1000"/>
+            <a:endParaRPr sz="1100">
+              <a:latin typeface="Oswald"/>
+              <a:ea typeface="Oswald"/>
+              <a:cs typeface="Oswald"/>
+              <a:sym typeface="Oswald"/>
+            </a:endParaRPr>
           </a:p>
         </p:txBody>
       </p:sp>
@@ -11010,10 +11422,20 @@
               <a:buNone/>
             </a:pPr>
             <a:r>
-              <a:rPr lang="en"/>
+              <a:rPr lang="en" sz="2300">
+                <a:latin typeface="Oswald"/>
+                <a:ea typeface="Oswald"/>
+                <a:cs typeface="Oswald"/>
+                <a:sym typeface="Oswald"/>
+              </a:rPr>
               <a:t>Technologies Used</a:t>
             </a:r>
-            <a:endParaRPr/>
+            <a:endParaRPr sz="2300">
+              <a:latin typeface="Oswald"/>
+              <a:ea typeface="Oswald"/>
+              <a:cs typeface="Oswald"/>
+              <a:sym typeface="Oswald"/>
+            </a:endParaRPr>
           </a:p>
           <a:p>
             <a:pPr indent="0" lvl="0" marL="0" rtl="0" algn="l">
@@ -11026,10 +11448,20 @@
               <a:buNone/>
             </a:pPr>
             <a:r>
-              <a:rPr lang="en" sz="1600" u="sng"/>
+              <a:rPr lang="en" sz="1600" u="sng">
+                <a:latin typeface="Oswald"/>
+                <a:ea typeface="Oswald"/>
+                <a:cs typeface="Oswald"/>
+                <a:sym typeface="Oswald"/>
+              </a:rPr>
               <a:t>Data Cleaning</a:t>
             </a:r>
-            <a:endParaRPr sz="1600" u="sng"/>
+            <a:endParaRPr sz="1600" u="sng">
+              <a:latin typeface="Oswald"/>
+              <a:ea typeface="Oswald"/>
+              <a:cs typeface="Oswald"/>
+              <a:sym typeface="Oswald"/>
+            </a:endParaRPr>
           </a:p>
           <a:p>
             <a:pPr indent="-287655" lvl="0" marL="457200" rtl="0" algn="l">
@@ -11040,13 +11472,24 @@
                 <a:spcPts val="0"/>
               </a:spcAft>
               <a:buSzPct val="100000"/>
+              <a:buFont typeface="Oswald"/>
               <a:buChar char="●"/>
             </a:pPr>
             <a:r>
-              <a:rPr lang="en" sz="1200"/>
+              <a:rPr lang="en" sz="1200">
+                <a:latin typeface="Oswald"/>
+                <a:ea typeface="Oswald"/>
+                <a:cs typeface="Oswald"/>
+                <a:sym typeface="Oswald"/>
+              </a:rPr>
               <a:t>Google Sheets</a:t>
             </a:r>
-            <a:endParaRPr sz="1200"/>
+            <a:endParaRPr sz="1200">
+              <a:latin typeface="Oswald"/>
+              <a:ea typeface="Oswald"/>
+              <a:cs typeface="Oswald"/>
+              <a:sym typeface="Oswald"/>
+            </a:endParaRPr>
           </a:p>
           <a:p>
             <a:pPr indent="-287655" lvl="0" marL="457200" rtl="0" algn="l">
@@ -11057,13 +11500,24 @@
                 <a:spcPts val="0"/>
               </a:spcAft>
               <a:buSzPct val="100000"/>
+              <a:buFont typeface="Oswald"/>
               <a:buChar char="●"/>
             </a:pPr>
             <a:r>
-              <a:rPr lang="en" sz="1200"/>
+              <a:rPr lang="en" sz="1200">
+                <a:latin typeface="Oswald"/>
+                <a:ea typeface="Oswald"/>
+                <a:cs typeface="Oswald"/>
+                <a:sym typeface="Oswald"/>
+              </a:rPr>
               <a:t>Python</a:t>
             </a:r>
-            <a:endParaRPr sz="1200"/>
+            <a:endParaRPr sz="1200">
+              <a:latin typeface="Oswald"/>
+              <a:ea typeface="Oswald"/>
+              <a:cs typeface="Oswald"/>
+              <a:sym typeface="Oswald"/>
+            </a:endParaRPr>
           </a:p>
           <a:p>
             <a:pPr indent="-287655" lvl="0" marL="457200" rtl="0" algn="l">
@@ -11074,13 +11528,24 @@
                 <a:spcPts val="0"/>
               </a:spcAft>
               <a:buSzPct val="100000"/>
+              <a:buFont typeface="Oswald"/>
               <a:buChar char="●"/>
             </a:pPr>
             <a:r>
-              <a:rPr lang="en" sz="1200"/>
-              <a:t>Jupyter Notebooks</a:t>
-            </a:r>
-            <a:endParaRPr sz="1200"/>
+              <a:rPr lang="en" sz="1200">
+                <a:latin typeface="Oswald"/>
+                <a:ea typeface="Oswald"/>
+                <a:cs typeface="Oswald"/>
+                <a:sym typeface="Oswald"/>
+              </a:rPr>
+              <a:t>Jupyter Notebook</a:t>
+            </a:r>
+            <a:endParaRPr sz="1200">
+              <a:latin typeface="Oswald"/>
+              <a:ea typeface="Oswald"/>
+              <a:cs typeface="Oswald"/>
+              <a:sym typeface="Oswald"/>
+            </a:endParaRPr>
           </a:p>
           <a:p>
             <a:pPr indent="0" lvl="0" marL="0" marR="0" rtl="0" algn="l">
@@ -11096,10 +11561,20 @@
               <a:buNone/>
             </a:pPr>
             <a:r>
-              <a:rPr lang="en" sz="1600" u="sng"/>
+              <a:rPr lang="en" sz="1600" u="sng">
+                <a:latin typeface="Oswald"/>
+                <a:ea typeface="Oswald"/>
+                <a:cs typeface="Oswald"/>
+                <a:sym typeface="Oswald"/>
+              </a:rPr>
               <a:t>Exploratory Data Analysis</a:t>
             </a:r>
-            <a:endParaRPr sz="1600" u="sng"/>
+            <a:endParaRPr sz="1600" u="sng">
+              <a:latin typeface="Oswald"/>
+              <a:ea typeface="Oswald"/>
+              <a:cs typeface="Oswald"/>
+              <a:sym typeface="Oswald"/>
+            </a:endParaRPr>
           </a:p>
           <a:p>
             <a:pPr indent="-287655" lvl="0" marL="457200" marR="0" rtl="0" algn="l">
@@ -11113,13 +11588,24 @@
                 <a:spcPts val="0"/>
               </a:spcAft>
               <a:buSzPct val="100000"/>
+              <a:buFont typeface="Oswald"/>
               <a:buChar char="●"/>
             </a:pPr>
             <a:r>
-              <a:rPr lang="en" sz="1200"/>
+              <a:rPr lang="en" sz="1200">
+                <a:latin typeface="Oswald"/>
+                <a:ea typeface="Oswald"/>
+                <a:cs typeface="Oswald"/>
+                <a:sym typeface="Oswald"/>
+              </a:rPr>
               <a:t>Python</a:t>
             </a:r>
-            <a:endParaRPr sz="1200"/>
+            <a:endParaRPr sz="1200">
+              <a:latin typeface="Oswald"/>
+              <a:ea typeface="Oswald"/>
+              <a:cs typeface="Oswald"/>
+              <a:sym typeface="Oswald"/>
+            </a:endParaRPr>
           </a:p>
           <a:p>
             <a:pPr indent="-287655" lvl="1" marL="914400" marR="0" rtl="0" algn="l">
@@ -11133,13 +11619,24 @@
                 <a:spcPts val="0"/>
               </a:spcAft>
               <a:buSzPct val="100000"/>
+              <a:buFont typeface="Oswald"/>
               <a:buChar char="○"/>
             </a:pPr>
             <a:r>
-              <a:rPr lang="en" sz="1200"/>
+              <a:rPr lang="en" sz="1200">
+                <a:latin typeface="Oswald"/>
+                <a:ea typeface="Oswald"/>
+                <a:cs typeface="Oswald"/>
+                <a:sym typeface="Oswald"/>
+              </a:rPr>
               <a:t>Pandas</a:t>
             </a:r>
-            <a:endParaRPr sz="1200"/>
+            <a:endParaRPr sz="1200">
+              <a:latin typeface="Oswald"/>
+              <a:ea typeface="Oswald"/>
+              <a:cs typeface="Oswald"/>
+              <a:sym typeface="Oswald"/>
+            </a:endParaRPr>
           </a:p>
           <a:p>
             <a:pPr indent="-287655" lvl="1" marL="914400" marR="0" rtl="0" algn="l">
@@ -11153,13 +11650,24 @@
                 <a:spcPts val="0"/>
               </a:spcAft>
               <a:buSzPct val="100000"/>
+              <a:buFont typeface="Oswald"/>
               <a:buChar char="○"/>
             </a:pPr>
             <a:r>
-              <a:rPr lang="en" sz="1200"/>
+              <a:rPr lang="en" sz="1200">
+                <a:latin typeface="Oswald"/>
+                <a:ea typeface="Oswald"/>
+                <a:cs typeface="Oswald"/>
+                <a:sym typeface="Oswald"/>
+              </a:rPr>
               <a:t>Matplotlib</a:t>
             </a:r>
-            <a:endParaRPr sz="1200"/>
+            <a:endParaRPr sz="1200">
+              <a:latin typeface="Oswald"/>
+              <a:ea typeface="Oswald"/>
+              <a:cs typeface="Oswald"/>
+              <a:sym typeface="Oswald"/>
+            </a:endParaRPr>
           </a:p>
           <a:p>
             <a:pPr indent="-287655" lvl="1" marL="914400" marR="0" rtl="0" algn="l">
@@ -11173,13 +11681,24 @@
                 <a:spcPts val="0"/>
               </a:spcAft>
               <a:buSzPct val="100000"/>
+              <a:buFont typeface="Oswald"/>
               <a:buChar char="○"/>
             </a:pPr>
             <a:r>
-              <a:rPr lang="en" sz="1200"/>
+              <a:rPr lang="en" sz="1200">
+                <a:latin typeface="Oswald"/>
+                <a:ea typeface="Oswald"/>
+                <a:cs typeface="Oswald"/>
+                <a:sym typeface="Oswald"/>
+              </a:rPr>
               <a:t>Seaborn</a:t>
             </a:r>
-            <a:endParaRPr sz="1200"/>
+            <a:endParaRPr sz="1200">
+              <a:latin typeface="Oswald"/>
+              <a:ea typeface="Oswald"/>
+              <a:cs typeface="Oswald"/>
+              <a:sym typeface="Oswald"/>
+            </a:endParaRPr>
           </a:p>
           <a:p>
             <a:pPr indent="-287655" lvl="0" marL="457200" marR="0" rtl="0" algn="l">
@@ -11193,13 +11712,24 @@
                 <a:spcPts val="0"/>
               </a:spcAft>
               <a:buSzPct val="100000"/>
+              <a:buFont typeface="Oswald"/>
               <a:buChar char="●"/>
             </a:pPr>
             <a:r>
-              <a:rPr lang="en" sz="1200"/>
-              <a:t>Jupyter Notebooks</a:t>
-            </a:r>
-            <a:endParaRPr sz="1200"/>
+              <a:rPr lang="en" sz="1200">
+                <a:latin typeface="Oswald"/>
+                <a:ea typeface="Oswald"/>
+                <a:cs typeface="Oswald"/>
+                <a:sym typeface="Oswald"/>
+              </a:rPr>
+              <a:t>Jupyter Notebook</a:t>
+            </a:r>
+            <a:endParaRPr sz="1200">
+              <a:latin typeface="Oswald"/>
+              <a:ea typeface="Oswald"/>
+              <a:cs typeface="Oswald"/>
+              <a:sym typeface="Oswald"/>
+            </a:endParaRPr>
           </a:p>
           <a:p>
             <a:pPr indent="0" lvl="0" marL="0" marR="0" rtl="0" algn="l">
@@ -11215,10 +11745,20 @@
               <a:buNone/>
             </a:pPr>
             <a:r>
-              <a:rPr lang="en" sz="1600" u="sng"/>
+              <a:rPr lang="en" sz="1600" u="sng">
+                <a:latin typeface="Oswald"/>
+                <a:ea typeface="Oswald"/>
+                <a:cs typeface="Oswald"/>
+                <a:sym typeface="Oswald"/>
+              </a:rPr>
               <a:t>Visualizations</a:t>
             </a:r>
-            <a:endParaRPr sz="1600" u="sng"/>
+            <a:endParaRPr sz="1600" u="sng">
+              <a:latin typeface="Oswald"/>
+              <a:ea typeface="Oswald"/>
+              <a:cs typeface="Oswald"/>
+              <a:sym typeface="Oswald"/>
+            </a:endParaRPr>
           </a:p>
           <a:p>
             <a:pPr indent="-287655" lvl="0" marL="457200" marR="0" rtl="0" algn="l">
@@ -11232,13 +11772,24 @@
                 <a:spcPts val="0"/>
               </a:spcAft>
               <a:buSzPct val="100000"/>
+              <a:buFont typeface="Oswald"/>
               <a:buChar char="●"/>
             </a:pPr>
             <a:r>
-              <a:rPr lang="en" sz="1200"/>
+              <a:rPr lang="en" sz="1200">
+                <a:latin typeface="Oswald"/>
+                <a:ea typeface="Oswald"/>
+                <a:cs typeface="Oswald"/>
+                <a:sym typeface="Oswald"/>
+              </a:rPr>
               <a:t>Tableau</a:t>
             </a:r>
-            <a:endParaRPr sz="1200"/>
+            <a:endParaRPr sz="1200">
+              <a:latin typeface="Oswald"/>
+              <a:ea typeface="Oswald"/>
+              <a:cs typeface="Oswald"/>
+              <a:sym typeface="Oswald"/>
+            </a:endParaRPr>
           </a:p>
           <a:p>
             <a:pPr indent="-287655" lvl="0" marL="457200" marR="0" rtl="0" algn="l">
@@ -11252,17 +11803,33 @@
                 <a:spcPts val="0"/>
               </a:spcAft>
               <a:buSzPct val="100000"/>
+              <a:buFont typeface="Oswald"/>
               <a:buChar char="●"/>
             </a:pPr>
             <a:r>
-              <a:rPr lang="en" sz="1200"/>
+              <a:rPr lang="en" sz="1200">
+                <a:latin typeface="Oswald"/>
+                <a:ea typeface="Oswald"/>
+                <a:cs typeface="Oswald"/>
+                <a:sym typeface="Oswald"/>
+              </a:rPr>
               <a:t>Python</a:t>
             </a:r>
             <a:r>
-              <a:rPr lang="en" sz="1600" u="sng"/>
+              <a:rPr lang="en" sz="1600" u="sng">
+                <a:latin typeface="Oswald"/>
+                <a:ea typeface="Oswald"/>
+                <a:cs typeface="Oswald"/>
+                <a:sym typeface="Oswald"/>
+              </a:rPr>
               <a:t> </a:t>
             </a:r>
-            <a:endParaRPr sz="1600" u="sng"/>
+            <a:endParaRPr sz="1600" u="sng">
+              <a:latin typeface="Oswald"/>
+              <a:ea typeface="Oswald"/>
+              <a:cs typeface="Oswald"/>
+              <a:sym typeface="Oswald"/>
+            </a:endParaRPr>
           </a:p>
           <a:p>
             <a:pPr indent="-287655" lvl="1" marL="914400" marR="0" rtl="0" algn="l">
@@ -11276,13 +11843,24 @@
                 <a:spcPts val="0"/>
               </a:spcAft>
               <a:buSzPct val="100000"/>
+              <a:buFont typeface="Oswald"/>
               <a:buChar char="○"/>
             </a:pPr>
             <a:r>
-              <a:rPr lang="en" sz="1200"/>
+              <a:rPr lang="en" sz="1200">
+                <a:latin typeface="Oswald"/>
+                <a:ea typeface="Oswald"/>
+                <a:cs typeface="Oswald"/>
+                <a:sym typeface="Oswald"/>
+              </a:rPr>
               <a:t>Seaborn</a:t>
             </a:r>
-            <a:endParaRPr sz="1200"/>
+            <a:endParaRPr sz="1200">
+              <a:latin typeface="Oswald"/>
+              <a:ea typeface="Oswald"/>
+              <a:cs typeface="Oswald"/>
+              <a:sym typeface="Oswald"/>
+            </a:endParaRPr>
           </a:p>
           <a:p>
             <a:pPr indent="-287655" lvl="1" marL="914400" marR="0" rtl="0" algn="l">
@@ -11296,13 +11874,24 @@
                 <a:spcPts val="0"/>
               </a:spcAft>
               <a:buSzPct val="100000"/>
+              <a:buFont typeface="Oswald"/>
               <a:buChar char="○"/>
             </a:pPr>
             <a:r>
-              <a:rPr lang="en" sz="1200"/>
+              <a:rPr lang="en" sz="1200">
+                <a:latin typeface="Oswald"/>
+                <a:ea typeface="Oswald"/>
+                <a:cs typeface="Oswald"/>
+                <a:sym typeface="Oswald"/>
+              </a:rPr>
               <a:t>Matplotlib</a:t>
             </a:r>
-            <a:endParaRPr sz="1600" u="sng"/>
+            <a:endParaRPr sz="1600" u="sng">
+              <a:latin typeface="Oswald"/>
+              <a:ea typeface="Oswald"/>
+              <a:cs typeface="Oswald"/>
+              <a:sym typeface="Oswald"/>
+            </a:endParaRPr>
           </a:p>
           <a:p>
             <a:pPr indent="0" lvl="0" marL="0" rtl="0" algn="l">
@@ -11491,10 +12080,25 @@
               <a:buNone/>
             </a:pPr>
             <a:r>
-              <a:rPr lang="en"/>
-              <a:t>Global Warming is Apparent</a:t>
-            </a:r>
-            <a:endParaRPr/>
+              <a:rPr lang="en">
+                <a:solidFill>
+                  <a:schemeClr val="accent3"/>
+                </a:solidFill>
+              </a:rPr>
+              <a:t>Global Warming</a:t>
+            </a:r>
+            <a:br>
+              <a:rPr lang="en">
+                <a:solidFill>
+                  <a:schemeClr val="accent3"/>
+                </a:solidFill>
+              </a:rPr>
+            </a:br>
+            <a:endParaRPr>
+              <a:solidFill>
+                <a:schemeClr val="accent3"/>
+              </a:solidFill>
+            </a:endParaRPr>
           </a:p>
           <a:p>
             <a:pPr indent="0" lvl="0" marL="0" rtl="0" algn="l">
@@ -11530,7 +12134,7 @@
         <p:spPr>
           <a:xfrm>
             <a:off x="604525" y="1275825"/>
-            <a:ext cx="6478151" cy="3065375"/>
+            <a:ext cx="6677927" cy="3159900"/>
           </a:xfrm>
           <a:prstGeom prst="rect">
             <a:avLst/>
@@ -11549,8 +12153,8 @@
         </p:nvSpPr>
         <p:spPr>
           <a:xfrm>
-            <a:off x="7394525" y="1605900"/>
-            <a:ext cx="1371300" cy="2339700"/>
+            <a:off x="7456200" y="1743363"/>
+            <a:ext cx="1514400" cy="2154900"/>
           </a:xfrm>
           <a:prstGeom prst="rect">
             <a:avLst/>
@@ -11576,25 +12180,25 @@
               <a:buNone/>
             </a:pPr>
             <a:r>
-              <a:rPr lang="en">
+              <a:rPr lang="en" sz="1600">
                 <a:solidFill>
-                  <a:schemeClr val="dk1"/>
+                  <a:schemeClr val="accent3"/>
                 </a:solidFill>
-                <a:latin typeface="Average"/>
-                <a:ea typeface="Average"/>
-                <a:cs typeface="Average"/>
-                <a:sym typeface="Average"/>
+                <a:latin typeface="Oswald"/>
+                <a:ea typeface="Oswald"/>
+                <a:cs typeface="Oswald"/>
+                <a:sym typeface="Oswald"/>
               </a:rPr>
               <a:t>Average global surface temperature has risen at a rate of 0.17°F per decade since 1900 or roughly 2°F from 1900 to 2020.</a:t>
             </a:r>
-            <a:endParaRPr>
+            <a:endParaRPr sz="1600">
               <a:solidFill>
-                <a:schemeClr val="dk1"/>
+                <a:schemeClr val="accent3"/>
               </a:solidFill>
-              <a:latin typeface="Average"/>
-              <a:ea typeface="Average"/>
-              <a:cs typeface="Average"/>
-              <a:sym typeface="Average"/>
+              <a:latin typeface="Oswald"/>
+              <a:ea typeface="Oswald"/>
+              <a:cs typeface="Oswald"/>
+              <a:sym typeface="Oswald"/>
             </a:endParaRPr>
           </a:p>
         </p:txBody>
@@ -11654,26 +12258,8 @@
                                   </p:childTnLst>
                                 </p:cTn>
                               </p:par>
-                            </p:childTnLst>
-                          </p:cTn>
-                        </p:par>
-                      </p:childTnLst>
-                    </p:cTn>
-                  </p:par>
-                  <p:par>
-                    <p:cTn fill="hold">
-                      <p:stCondLst>
-                        <p:cond delay="indefinite"/>
-                      </p:stCondLst>
-                      <p:childTnLst>
-                        <p:par>
-                          <p:cTn fill="hold">
-                            <p:stCondLst>
-                              <p:cond delay="0"/>
-                            </p:stCondLst>
-                            <p:childTnLst>
                               <p:par>
-                                <p:cTn fill="hold" nodeType="clickEffect" presetClass="entr" presetID="2" presetSubtype="2">
+                                <p:cTn fill="hold" nodeType="withEffect" presetClass="entr" presetID="1" presetSubtype="0">
                                   <p:stCondLst>
                                     <p:cond delay="0"/>
                                   </p:stCondLst>
@@ -11696,29 +12282,6 @@
                                         <p:strVal val="visible"/>
                                       </p:to>
                                     </p:set>
-                                    <p:anim calcmode="lin" valueType="num">
-                                      <p:cBhvr additive="base">
-                                        <p:cTn dur="1000"/>
-                                        <p:tgtEl>
-                                          <p:spTgt spid="77"/>
-                                        </p:tgtEl>
-                                        <p:attrNameLst>
-                                          <p:attrName>ppt_x</p:attrName>
-                                        </p:attrNameLst>
-                                      </p:cBhvr>
-                                      <p:tavLst>
-                                        <p:tav fmla="" tm="0">
-                                          <p:val>
-                                            <p:strVal val="#ppt_x+1"/>
-                                          </p:val>
-                                        </p:tav>
-                                        <p:tav fmla="" tm="100000">
-                                          <p:val>
-                                            <p:strVal val="#ppt_x"/>
-                                          </p:val>
-                                        </p:tav>
-                                      </p:tavLst>
-                                    </p:anim>
                                   </p:childTnLst>
                                 </p:cTn>
                               </p:par>
@@ -11804,14 +12367,26 @@
               <a:buNone/>
             </a:pPr>
             <a:r>
-              <a:rPr lang="en" sz="2300"/>
+              <a:rPr lang="en" sz="2300">
+                <a:solidFill>
+                  <a:schemeClr val="accent3"/>
+                </a:solidFill>
+              </a:rPr>
               <a:t>I</a:t>
             </a:r>
             <a:r>
-              <a:rPr lang="en" sz="2300"/>
-              <a:t>s Global Warming Impacting the Frequency &amp; Intensity of Hurricanes?</a:t>
-            </a:r>
-            <a:endParaRPr sz="2300"/>
+              <a:rPr lang="en" sz="2300">
+                <a:solidFill>
+                  <a:schemeClr val="accent3"/>
+                </a:solidFill>
+              </a:rPr>
+              <a:t>s Global Warming Impacting the Frequency or Intensity of Hurricanes?</a:t>
+            </a:r>
+            <a:endParaRPr sz="2300">
+              <a:solidFill>
+                <a:schemeClr val="accent3"/>
+              </a:solidFill>
+            </a:endParaRPr>
           </a:p>
         </p:txBody>
       </p:sp>
@@ -12383,433 +12958,24 @@
               <a:buNone/>
             </a:pPr>
             <a:r>
-              <a:rPr lang="en"/>
-              <a:t>Trend in North Atlantic Hurricane Frequency 1895-2021</a:t>
-            </a:r>
-            <a:endParaRPr/>
+              <a:rPr lang="en">
+                <a:solidFill>
+                  <a:schemeClr val="accent3"/>
+                </a:solidFill>
+              </a:rPr>
+              <a:t>Hurricane Damage is Increasing!</a:t>
+            </a:r>
+            <a:endParaRPr>
+              <a:solidFill>
+                <a:schemeClr val="accent3"/>
+              </a:solidFill>
+            </a:endParaRPr>
           </a:p>
         </p:txBody>
       </p:sp>
       <p:pic>
         <p:nvPicPr>
           <p:cNvPr id="93" name="Google Shape;93;p17"/>
-          <p:cNvPicPr preferRelativeResize="0"/>
-          <p:nvPr/>
-        </p:nvPicPr>
-        <p:blipFill>
-          <a:blip r:embed="rId3">
-            <a:alphaModFix/>
-          </a:blip>
-          <a:stretch>
-            <a:fillRect/>
-          </a:stretch>
-        </p:blipFill>
-        <p:spPr>
-          <a:xfrm>
-            <a:off x="703688" y="1256275"/>
-            <a:ext cx="7736626" cy="3163650"/>
-          </a:xfrm>
-          <a:prstGeom prst="rect">
-            <a:avLst/>
-          </a:prstGeom>
-          <a:noFill/>
-          <a:ln>
-            <a:noFill/>
-          </a:ln>
-        </p:spPr>
-      </p:pic>
-    </p:spTree>
-  </p:cSld>
-  <p:clrMapOvr>
-    <a:masterClrMapping/>
-  </p:clrMapOvr>
-</p:sld>
-</file>
-
-<file path=ppt/slides/slide6.xml><?xml version="1.0" encoding="utf-8"?>
-<p:sld xmlns:a="http://schemas.openxmlformats.org/drawingml/2006/main" xmlns:r="http://schemas.openxmlformats.org/officeDocument/2006/relationships" xmlns:mc="http://schemas.openxmlformats.org/markup-compatibility/2006" xmlns:mv="urn:schemas-microsoft-com:mac:vml" xmlns:p="http://schemas.openxmlformats.org/presentationml/2006/main" xmlns:c="http://schemas.openxmlformats.org/drawingml/2006/chart" xmlns:dgm="http://schemas.openxmlformats.org/drawingml/2006/diagram" xmlns:o="urn:schemas-microsoft-com:office:office" xmlns:v="urn:schemas-microsoft-com:vml" xmlns:pvml="urn:schemas-microsoft-com:office:powerpoint" xmlns:com="http://schemas.openxmlformats.org/drawingml/2006/compatibility" xmlns:p14="http://schemas.microsoft.com/office/powerpoint/2010/main" xmlns:p15="http://schemas.microsoft.com/office/powerpoint/2012/main" xmlns:ahyp="http://schemas.microsoft.com/office/drawing/2018/hyperlinkcolor">
-  <p:cSld>
-    <p:spTree>
-      <p:nvGrpSpPr>
-        <p:cNvPr id="97" name="Shape 97"/>
-        <p:cNvGrpSpPr/>
-        <p:nvPr/>
-      </p:nvGrpSpPr>
-      <p:grpSpPr>
-        <a:xfrm>
-          <a:off x="0" y="0"/>
-          <a:ext cx="0" cy="0"/>
-          <a:chOff x="0" y="0"/>
-          <a:chExt cx="0" cy="0"/>
-        </a:xfrm>
-      </p:grpSpPr>
-      <p:sp>
-        <p:nvSpPr>
-          <p:cNvPr id="98" name="Google Shape;98;p18"/>
-          <p:cNvSpPr txBox="1"/>
-          <p:nvPr>
-            <p:ph type="title"/>
-          </p:nvPr>
-        </p:nvSpPr>
-        <p:spPr>
-          <a:xfrm>
-            <a:off x="311700" y="445025"/>
-            <a:ext cx="8520600" cy="572700"/>
-          </a:xfrm>
-          <a:prstGeom prst="rect">
-            <a:avLst/>
-          </a:prstGeom>
-        </p:spPr>
-        <p:txBody>
-          <a:bodyPr anchorCtr="0" anchor="t" bIns="91425" lIns="91425" spcFirstLastPara="1" rIns="91425" wrap="square" tIns="91425">
-            <a:normAutofit fontScale="90000"/>
-          </a:bodyPr>
-          <a:lstStyle/>
-          <a:p>
-            <a:pPr indent="0" lvl="0" marL="0" rtl="0" algn="ctr">
-              <a:spcBef>
-                <a:spcPts val="0"/>
-              </a:spcBef>
-              <a:spcAft>
-                <a:spcPts val="0"/>
-              </a:spcAft>
-              <a:buNone/>
-            </a:pPr>
-            <a:r>
-              <a:rPr lang="en"/>
-              <a:t>Regression for North Atlantic Hurricanes 1895-2021</a:t>
-            </a:r>
-            <a:endParaRPr/>
-          </a:p>
-          <a:p>
-            <a:pPr indent="0" lvl="0" marL="0" rtl="0" algn="l">
-              <a:spcBef>
-                <a:spcPts val="0"/>
-              </a:spcBef>
-              <a:spcAft>
-                <a:spcPts val="0"/>
-              </a:spcAft>
-              <a:buNone/>
-            </a:pPr>
-            <a:r>
-              <a:t/>
-            </a:r>
-            <a:endParaRPr/>
-          </a:p>
-        </p:txBody>
-      </p:sp>
-      <p:pic>
-        <p:nvPicPr>
-          <p:cNvPr id="99" name="Google Shape;99;p18"/>
-          <p:cNvPicPr preferRelativeResize="0"/>
-          <p:nvPr/>
-        </p:nvPicPr>
-        <p:blipFill>
-          <a:blip r:embed="rId3">
-            <a:alphaModFix/>
-          </a:blip>
-          <a:stretch>
-            <a:fillRect/>
-          </a:stretch>
-        </p:blipFill>
-        <p:spPr>
-          <a:xfrm>
-            <a:off x="920088" y="1220325"/>
-            <a:ext cx="7303825" cy="3420624"/>
-          </a:xfrm>
-          <a:prstGeom prst="rect">
-            <a:avLst/>
-          </a:prstGeom>
-          <a:noFill/>
-          <a:ln>
-            <a:noFill/>
-          </a:ln>
-        </p:spPr>
-      </p:pic>
-    </p:spTree>
-  </p:cSld>
-  <p:clrMapOvr>
-    <a:masterClrMapping/>
-  </p:clrMapOvr>
-</p:sld>
-</file>
-
-<file path=ppt/slides/slide7.xml><?xml version="1.0" encoding="utf-8"?>
-<p:sld xmlns:a="http://schemas.openxmlformats.org/drawingml/2006/main" xmlns:r="http://schemas.openxmlformats.org/officeDocument/2006/relationships" xmlns:mc="http://schemas.openxmlformats.org/markup-compatibility/2006" xmlns:mv="urn:schemas-microsoft-com:mac:vml" xmlns:p="http://schemas.openxmlformats.org/presentationml/2006/main" xmlns:c="http://schemas.openxmlformats.org/drawingml/2006/chart" xmlns:dgm="http://schemas.openxmlformats.org/drawingml/2006/diagram" xmlns:o="urn:schemas-microsoft-com:office:office" xmlns:v="urn:schemas-microsoft-com:vml" xmlns:pvml="urn:schemas-microsoft-com:office:powerpoint" xmlns:com="http://schemas.openxmlformats.org/drawingml/2006/compatibility" xmlns:p14="http://schemas.microsoft.com/office/powerpoint/2010/main" xmlns:p15="http://schemas.microsoft.com/office/powerpoint/2012/main" xmlns:ahyp="http://schemas.microsoft.com/office/drawing/2018/hyperlinkcolor">
-  <p:cSld>
-    <p:spTree>
-      <p:nvGrpSpPr>
-        <p:cNvPr id="103" name="Shape 103"/>
-        <p:cNvGrpSpPr/>
-        <p:nvPr/>
-      </p:nvGrpSpPr>
-      <p:grpSpPr>
-        <a:xfrm>
-          <a:off x="0" y="0"/>
-          <a:ext cx="0" cy="0"/>
-          <a:chOff x="0" y="0"/>
-          <a:chExt cx="0" cy="0"/>
-        </a:xfrm>
-      </p:grpSpPr>
-      <p:sp>
-        <p:nvSpPr>
-          <p:cNvPr id="104" name="Google Shape;104;p19"/>
-          <p:cNvSpPr txBox="1"/>
-          <p:nvPr>
-            <p:ph type="title"/>
-          </p:nvPr>
-        </p:nvSpPr>
-        <p:spPr>
-          <a:xfrm>
-            <a:off x="311700" y="445025"/>
-            <a:ext cx="8520600" cy="572700"/>
-          </a:xfrm>
-          <a:prstGeom prst="rect">
-            <a:avLst/>
-          </a:prstGeom>
-        </p:spPr>
-        <p:txBody>
-          <a:bodyPr anchorCtr="0" anchor="t" bIns="91425" lIns="91425" spcFirstLastPara="1" rIns="91425" wrap="square" tIns="91425">
-            <a:normAutofit fontScale="90000"/>
-          </a:bodyPr>
-          <a:lstStyle/>
-          <a:p>
-            <a:pPr indent="0" lvl="0" marL="0" rtl="0" algn="ctr">
-              <a:spcBef>
-                <a:spcPts val="0"/>
-              </a:spcBef>
-              <a:spcAft>
-                <a:spcPts val="0"/>
-              </a:spcAft>
-              <a:buNone/>
-            </a:pPr>
-            <a:r>
-              <a:rPr lang="en"/>
-              <a:t>Trend in MAJOR North Atlantic Hurricane Frequency 1895-2021</a:t>
-            </a:r>
-            <a:endParaRPr/>
-          </a:p>
-          <a:p>
-            <a:pPr indent="0" lvl="0" marL="0" rtl="0" algn="l">
-              <a:spcBef>
-                <a:spcPts val="0"/>
-              </a:spcBef>
-              <a:spcAft>
-                <a:spcPts val="0"/>
-              </a:spcAft>
-              <a:buNone/>
-            </a:pPr>
-            <a:r>
-              <a:t/>
-            </a:r>
-            <a:endParaRPr/>
-          </a:p>
-        </p:txBody>
-      </p:sp>
-      <p:pic>
-        <p:nvPicPr>
-          <p:cNvPr id="105" name="Google Shape;105;p19"/>
-          <p:cNvPicPr preferRelativeResize="0"/>
-          <p:nvPr/>
-        </p:nvPicPr>
-        <p:blipFill>
-          <a:blip r:embed="rId3">
-            <a:alphaModFix/>
-          </a:blip>
-          <a:stretch>
-            <a:fillRect/>
-          </a:stretch>
-        </p:blipFill>
-        <p:spPr>
-          <a:xfrm>
-            <a:off x="807176" y="1356300"/>
-            <a:ext cx="7529650" cy="3288476"/>
-          </a:xfrm>
-          <a:prstGeom prst="rect">
-            <a:avLst/>
-          </a:prstGeom>
-          <a:noFill/>
-          <a:ln>
-            <a:noFill/>
-          </a:ln>
-        </p:spPr>
-      </p:pic>
-    </p:spTree>
-  </p:cSld>
-  <p:clrMapOvr>
-    <a:masterClrMapping/>
-  </p:clrMapOvr>
-</p:sld>
-</file>
-
-<file path=ppt/slides/slide8.xml><?xml version="1.0" encoding="utf-8"?>
-<p:sld xmlns:a="http://schemas.openxmlformats.org/drawingml/2006/main" xmlns:r="http://schemas.openxmlformats.org/officeDocument/2006/relationships" xmlns:mc="http://schemas.openxmlformats.org/markup-compatibility/2006" xmlns:mv="urn:schemas-microsoft-com:mac:vml" xmlns:p="http://schemas.openxmlformats.org/presentationml/2006/main" xmlns:c="http://schemas.openxmlformats.org/drawingml/2006/chart" xmlns:dgm="http://schemas.openxmlformats.org/drawingml/2006/diagram" xmlns:o="urn:schemas-microsoft-com:office:office" xmlns:v="urn:schemas-microsoft-com:vml" xmlns:pvml="urn:schemas-microsoft-com:office:powerpoint" xmlns:com="http://schemas.openxmlformats.org/drawingml/2006/compatibility" xmlns:p14="http://schemas.microsoft.com/office/powerpoint/2010/main" xmlns:p15="http://schemas.microsoft.com/office/powerpoint/2012/main" xmlns:ahyp="http://schemas.microsoft.com/office/drawing/2018/hyperlinkcolor">
-  <p:cSld>
-    <p:spTree>
-      <p:nvGrpSpPr>
-        <p:cNvPr id="109" name="Shape 109"/>
-        <p:cNvGrpSpPr/>
-        <p:nvPr/>
-      </p:nvGrpSpPr>
-      <p:grpSpPr>
-        <a:xfrm>
-          <a:off x="0" y="0"/>
-          <a:ext cx="0" cy="0"/>
-          <a:chOff x="0" y="0"/>
-          <a:chExt cx="0" cy="0"/>
-        </a:xfrm>
-      </p:grpSpPr>
-      <p:sp>
-        <p:nvSpPr>
-          <p:cNvPr id="110" name="Google Shape;110;p20"/>
-          <p:cNvSpPr txBox="1"/>
-          <p:nvPr>
-            <p:ph type="title"/>
-          </p:nvPr>
-        </p:nvSpPr>
-        <p:spPr>
-          <a:xfrm>
-            <a:off x="311700" y="445025"/>
-            <a:ext cx="8520600" cy="572700"/>
-          </a:xfrm>
-          <a:prstGeom prst="rect">
-            <a:avLst/>
-          </a:prstGeom>
-        </p:spPr>
-        <p:txBody>
-          <a:bodyPr anchorCtr="0" anchor="t" bIns="91425" lIns="91425" spcFirstLastPara="1" rIns="91425" wrap="square" tIns="91425">
-            <a:normAutofit fontScale="90000"/>
-          </a:bodyPr>
-          <a:lstStyle/>
-          <a:p>
-            <a:pPr indent="0" lvl="0" marL="0" rtl="0" algn="ctr">
-              <a:spcBef>
-                <a:spcPts val="0"/>
-              </a:spcBef>
-              <a:spcAft>
-                <a:spcPts val="0"/>
-              </a:spcAft>
-              <a:buNone/>
-            </a:pPr>
-            <a:r>
-              <a:rPr lang="en"/>
-              <a:t>Regression for MAJOR North Atlantic Hurricanes 1895-2021</a:t>
-            </a:r>
-            <a:endParaRPr/>
-          </a:p>
-          <a:p>
-            <a:pPr indent="0" lvl="0" marL="0" rtl="0" algn="l">
-              <a:spcBef>
-                <a:spcPts val="0"/>
-              </a:spcBef>
-              <a:spcAft>
-                <a:spcPts val="0"/>
-              </a:spcAft>
-              <a:buNone/>
-            </a:pPr>
-            <a:r>
-              <a:t/>
-            </a:r>
-            <a:endParaRPr/>
-          </a:p>
-        </p:txBody>
-      </p:sp>
-      <p:pic>
-        <p:nvPicPr>
-          <p:cNvPr id="111" name="Google Shape;111;p20"/>
-          <p:cNvPicPr preferRelativeResize="0"/>
-          <p:nvPr/>
-        </p:nvPicPr>
-        <p:blipFill>
-          <a:blip r:embed="rId3">
-            <a:alphaModFix/>
-          </a:blip>
-          <a:stretch>
-            <a:fillRect/>
-          </a:stretch>
-        </p:blipFill>
-        <p:spPr>
-          <a:xfrm>
-            <a:off x="843201" y="1196000"/>
-            <a:ext cx="7457601" cy="3498876"/>
-          </a:xfrm>
-          <a:prstGeom prst="rect">
-            <a:avLst/>
-          </a:prstGeom>
-          <a:noFill/>
-          <a:ln>
-            <a:noFill/>
-          </a:ln>
-        </p:spPr>
-      </p:pic>
-    </p:spTree>
-  </p:cSld>
-  <p:clrMapOvr>
-    <a:masterClrMapping/>
-  </p:clrMapOvr>
-</p:sld>
-</file>
-
-<file path=ppt/slides/slide9.xml><?xml version="1.0" encoding="utf-8"?>
-<p:sld xmlns:a="http://schemas.openxmlformats.org/drawingml/2006/main" xmlns:r="http://schemas.openxmlformats.org/officeDocument/2006/relationships" xmlns:mc="http://schemas.openxmlformats.org/markup-compatibility/2006" xmlns:mv="urn:schemas-microsoft-com:mac:vml" xmlns:p="http://schemas.openxmlformats.org/presentationml/2006/main" xmlns:c="http://schemas.openxmlformats.org/drawingml/2006/chart" xmlns:dgm="http://schemas.openxmlformats.org/drawingml/2006/diagram" xmlns:o="urn:schemas-microsoft-com:office:office" xmlns:v="urn:schemas-microsoft-com:vml" xmlns:pvml="urn:schemas-microsoft-com:office:powerpoint" xmlns:com="http://schemas.openxmlformats.org/drawingml/2006/compatibility" xmlns:p14="http://schemas.microsoft.com/office/powerpoint/2010/main" xmlns:p15="http://schemas.microsoft.com/office/powerpoint/2012/main" xmlns:ahyp="http://schemas.microsoft.com/office/drawing/2018/hyperlinkcolor">
-  <p:cSld>
-    <p:spTree>
-      <p:nvGrpSpPr>
-        <p:cNvPr id="115" name="Shape 115"/>
-        <p:cNvGrpSpPr/>
-        <p:nvPr/>
-      </p:nvGrpSpPr>
-      <p:grpSpPr>
-        <a:xfrm>
-          <a:off x="0" y="0"/>
-          <a:ext cx="0" cy="0"/>
-          <a:chOff x="0" y="0"/>
-          <a:chExt cx="0" cy="0"/>
-        </a:xfrm>
-      </p:grpSpPr>
-      <p:sp>
-        <p:nvSpPr>
-          <p:cNvPr id="116" name="Google Shape;116;p21"/>
-          <p:cNvSpPr txBox="1"/>
-          <p:nvPr>
-            <p:ph type="title"/>
-          </p:nvPr>
-        </p:nvSpPr>
-        <p:spPr>
-          <a:xfrm>
-            <a:off x="311700" y="445025"/>
-            <a:ext cx="8520600" cy="572700"/>
-          </a:xfrm>
-          <a:prstGeom prst="rect">
-            <a:avLst/>
-          </a:prstGeom>
-        </p:spPr>
-        <p:txBody>
-          <a:bodyPr anchorCtr="0" anchor="t" bIns="91425" lIns="91425" spcFirstLastPara="1" rIns="91425" wrap="square" tIns="91425">
-            <a:normAutofit fontScale="90000"/>
-          </a:bodyPr>
-          <a:lstStyle/>
-          <a:p>
-            <a:pPr indent="0" lvl="0" marL="0" rtl="0" algn="ctr">
-              <a:spcBef>
-                <a:spcPts val="0"/>
-              </a:spcBef>
-              <a:spcAft>
-                <a:spcPts val="0"/>
-              </a:spcAft>
-              <a:buNone/>
-            </a:pPr>
-            <a:r>
-              <a:rPr lang="en"/>
-              <a:t>Historical U.S. Hurricane Damage</a:t>
-            </a:r>
-            <a:endParaRPr/>
-          </a:p>
-        </p:txBody>
-      </p:sp>
-      <p:pic>
-        <p:nvPicPr>
-          <p:cNvPr id="117" name="Google Shape;117;p21"/>
           <p:cNvPicPr preferRelativeResize="0"/>
           <p:nvPr/>
         </p:nvPicPr>
@@ -12840,10 +13006,647 @@
   <p:clrMapOvr>
     <a:masterClrMapping/>
   </p:clrMapOvr>
+  <p:timing>
+    <p:tnLst>
+      <p:par>
+        <p:cTn dur="indefinite" nodeType="tmRoot" restart="never">
+          <p:childTnLst>
+            <p:seq concurrent="1" nextAc="seek">
+              <p:cTn dur="indefinite" id="2" nodeType="mainSeq">
+                <p:childTnLst>
+                  <p:par>
+                    <p:cTn fill="hold">
+                      <p:stCondLst>
+                        <p:cond delay="indefinite"/>
+                        <p:cond evt="onBegin" delay="0">
+                          <p:tn val="2"/>
+                        </p:cond>
+                      </p:stCondLst>
+                      <p:childTnLst>
+                        <p:par>
+                          <p:cTn fill="hold">
+                            <p:stCondLst>
+                              <p:cond delay="0"/>
+                            </p:stCondLst>
+                            <p:childTnLst>
+                              <p:par>
+                                <p:cTn fill="hold" nodeType="afterEffect" presetClass="entr" presetID="1" presetSubtype="0">
+                                  <p:stCondLst>
+                                    <p:cond delay="0"/>
+                                  </p:stCondLst>
+                                  <p:childTnLst>
+                                    <p:set>
+                                      <p:cBhvr>
+                                        <p:cTn dur="1" fill="hold">
+                                          <p:stCondLst>
+                                            <p:cond delay="0"/>
+                                          </p:stCondLst>
+                                        </p:cTn>
+                                        <p:tgtEl>
+                                          <p:spTgt spid="92"/>
+                                        </p:tgtEl>
+                                        <p:attrNameLst>
+                                          <p:attrName>style.visibility</p:attrName>
+                                        </p:attrNameLst>
+                                      </p:cBhvr>
+                                      <p:to>
+                                        <p:strVal val="visible"/>
+                                      </p:to>
+                                    </p:set>
+                                  </p:childTnLst>
+                                </p:cTn>
+                              </p:par>
+                            </p:childTnLst>
+                          </p:cTn>
+                        </p:par>
+                      </p:childTnLst>
+                    </p:cTn>
+                  </p:par>
+                  <p:par>
+                    <p:cTn fill="hold">
+                      <p:stCondLst>
+                        <p:cond delay="indefinite"/>
+                      </p:stCondLst>
+                      <p:childTnLst>
+                        <p:par>
+                          <p:cTn fill="hold">
+                            <p:stCondLst>
+                              <p:cond delay="0"/>
+                            </p:stCondLst>
+                            <p:childTnLst>
+                              <p:par>
+                                <p:cTn fill="hold" nodeType="clickEffect" presetClass="entr" presetID="2" presetSubtype="8">
+                                  <p:stCondLst>
+                                    <p:cond delay="0"/>
+                                  </p:stCondLst>
+                                  <p:childTnLst>
+                                    <p:set>
+                                      <p:cBhvr>
+                                        <p:cTn dur="1" fill="hold">
+                                          <p:stCondLst>
+                                            <p:cond delay="0"/>
+                                          </p:stCondLst>
+                                        </p:cTn>
+                                        <p:tgtEl>
+                                          <p:spTgt spid="93"/>
+                                        </p:tgtEl>
+                                        <p:attrNameLst>
+                                          <p:attrName>style.visibility</p:attrName>
+                                        </p:attrNameLst>
+                                      </p:cBhvr>
+                                      <p:to>
+                                        <p:strVal val="visible"/>
+                                      </p:to>
+                                    </p:set>
+                                    <p:anim calcmode="lin" valueType="num">
+                                      <p:cBhvr additive="base">
+                                        <p:cTn dur="1000"/>
+                                        <p:tgtEl>
+                                          <p:spTgt spid="93"/>
+                                        </p:tgtEl>
+                                        <p:attrNameLst>
+                                          <p:attrName>ppt_x</p:attrName>
+                                        </p:attrNameLst>
+                                      </p:cBhvr>
+                                      <p:tavLst>
+                                        <p:tav fmla="" tm="0">
+                                          <p:val>
+                                            <p:strVal val="#ppt_x-1"/>
+                                          </p:val>
+                                        </p:tav>
+                                        <p:tav fmla="" tm="100000">
+                                          <p:val>
+                                            <p:strVal val="#ppt_x"/>
+                                          </p:val>
+                                        </p:tav>
+                                      </p:tavLst>
+                                    </p:anim>
+                                  </p:childTnLst>
+                                </p:cTn>
+                              </p:par>
+                            </p:childTnLst>
+                          </p:cTn>
+                        </p:par>
+                      </p:childTnLst>
+                    </p:cTn>
+                  </p:par>
+                </p:childTnLst>
+              </p:cTn>
+              <p:prevCondLst>
+                <p:cond evt="onPrev">
+                  <p:tgtEl>
+                    <p:sldTgt/>
+                  </p:tgtEl>
+                </p:cond>
+              </p:prevCondLst>
+              <p:nextCondLst>
+                <p:cond evt="onNext">
+                  <p:tgtEl>
+                    <p:sldTgt/>
+                  </p:tgtEl>
+                </p:cond>
+              </p:nextCondLst>
+            </p:seq>
+          </p:childTnLst>
+        </p:cTn>
+      </p:par>
+    </p:tnLst>
+  </p:timing>
+</p:sld>
+</file>
+
+<file path=ppt/slides/slide6.xml><?xml version="1.0" encoding="utf-8"?>
+<p:sld xmlns:a="http://schemas.openxmlformats.org/drawingml/2006/main" xmlns:r="http://schemas.openxmlformats.org/officeDocument/2006/relationships" xmlns:mc="http://schemas.openxmlformats.org/markup-compatibility/2006" xmlns:mv="urn:schemas-microsoft-com:mac:vml" xmlns:p="http://schemas.openxmlformats.org/presentationml/2006/main" xmlns:c="http://schemas.openxmlformats.org/drawingml/2006/chart" xmlns:dgm="http://schemas.openxmlformats.org/drawingml/2006/diagram" xmlns:o="urn:schemas-microsoft-com:office:office" xmlns:v="urn:schemas-microsoft-com:vml" xmlns:pvml="urn:schemas-microsoft-com:office:powerpoint" xmlns:com="http://schemas.openxmlformats.org/drawingml/2006/compatibility" xmlns:p14="http://schemas.microsoft.com/office/powerpoint/2010/main" xmlns:p15="http://schemas.microsoft.com/office/powerpoint/2012/main" xmlns:ahyp="http://schemas.microsoft.com/office/drawing/2018/hyperlinkcolor">
+  <p:cSld>
+    <p:spTree>
+      <p:nvGrpSpPr>
+        <p:cNvPr id="97" name="Shape 97"/>
+        <p:cNvGrpSpPr/>
+        <p:nvPr/>
+      </p:nvGrpSpPr>
+      <p:grpSpPr>
+        <a:xfrm>
+          <a:off x="0" y="0"/>
+          <a:ext cx="0" cy="0"/>
+          <a:chOff x="0" y="0"/>
+          <a:chExt cx="0" cy="0"/>
+        </a:xfrm>
+      </p:grpSpPr>
+      <p:pic>
+        <p:nvPicPr>
+          <p:cNvPr id="98" name="Google Shape;98;p18"/>
+          <p:cNvPicPr preferRelativeResize="0"/>
+          <p:nvPr/>
+        </p:nvPicPr>
+        <p:blipFill>
+          <a:blip r:embed="rId3">
+            <a:alphaModFix/>
+          </a:blip>
+          <a:stretch>
+            <a:fillRect/>
+          </a:stretch>
+        </p:blipFill>
+        <p:spPr>
+          <a:xfrm>
+            <a:off x="546850" y="925799"/>
+            <a:ext cx="8050300" cy="3291900"/>
+          </a:xfrm>
+          <a:prstGeom prst="rect">
+            <a:avLst/>
+          </a:prstGeom>
+          <a:noFill/>
+          <a:ln>
+            <a:noFill/>
+          </a:ln>
+        </p:spPr>
+      </p:pic>
+    </p:spTree>
+  </p:cSld>
+  <p:clrMapOvr>
+    <a:masterClrMapping/>
+  </p:clrMapOvr>
+</p:sld>
+</file>
+
+<file path=ppt/slides/slide7.xml><?xml version="1.0" encoding="utf-8"?>
+<p:sld xmlns:a="http://schemas.openxmlformats.org/drawingml/2006/main" xmlns:r="http://schemas.openxmlformats.org/officeDocument/2006/relationships" xmlns:mc="http://schemas.openxmlformats.org/markup-compatibility/2006" xmlns:mv="urn:schemas-microsoft-com:mac:vml" xmlns:p="http://schemas.openxmlformats.org/presentationml/2006/main" xmlns:c="http://schemas.openxmlformats.org/drawingml/2006/chart" xmlns:dgm="http://schemas.openxmlformats.org/drawingml/2006/diagram" xmlns:o="urn:schemas-microsoft-com:office:office" xmlns:v="urn:schemas-microsoft-com:vml" xmlns:pvml="urn:schemas-microsoft-com:office:powerpoint" xmlns:com="http://schemas.openxmlformats.org/drawingml/2006/compatibility" xmlns:p14="http://schemas.microsoft.com/office/powerpoint/2010/main" xmlns:p15="http://schemas.microsoft.com/office/powerpoint/2012/main" xmlns:ahyp="http://schemas.microsoft.com/office/drawing/2018/hyperlinkcolor">
+  <p:cSld>
+    <p:spTree>
+      <p:nvGrpSpPr>
+        <p:cNvPr id="102" name="Shape 102"/>
+        <p:cNvGrpSpPr/>
+        <p:nvPr/>
+      </p:nvGrpSpPr>
+      <p:grpSpPr>
+        <a:xfrm>
+          <a:off x="0" y="0"/>
+          <a:ext cx="0" cy="0"/>
+          <a:chOff x="0" y="0"/>
+          <a:chExt cx="0" cy="0"/>
+        </a:xfrm>
+      </p:grpSpPr>
+      <p:pic>
+        <p:nvPicPr>
+          <p:cNvPr id="103" name="Google Shape;103;p19"/>
+          <p:cNvPicPr preferRelativeResize="0"/>
+          <p:nvPr/>
+        </p:nvPicPr>
+        <p:blipFill>
+          <a:blip r:embed="rId3">
+            <a:alphaModFix/>
+          </a:blip>
+          <a:stretch>
+            <a:fillRect/>
+          </a:stretch>
+        </p:blipFill>
+        <p:spPr>
+          <a:xfrm>
+            <a:off x="504464" y="666788"/>
+            <a:ext cx="8135075" cy="3809925"/>
+          </a:xfrm>
+          <a:prstGeom prst="rect">
+            <a:avLst/>
+          </a:prstGeom>
+          <a:noFill/>
+          <a:ln>
+            <a:noFill/>
+          </a:ln>
+        </p:spPr>
+      </p:pic>
+    </p:spTree>
+  </p:cSld>
+  <p:clrMapOvr>
+    <a:masterClrMapping/>
+  </p:clrMapOvr>
+</p:sld>
+</file>
+
+<file path=ppt/slides/slide8.xml><?xml version="1.0" encoding="utf-8"?>
+<p:sld xmlns:a="http://schemas.openxmlformats.org/drawingml/2006/main" xmlns:r="http://schemas.openxmlformats.org/officeDocument/2006/relationships" xmlns:mc="http://schemas.openxmlformats.org/markup-compatibility/2006" xmlns:mv="urn:schemas-microsoft-com:mac:vml" xmlns:p="http://schemas.openxmlformats.org/presentationml/2006/main" xmlns:c="http://schemas.openxmlformats.org/drawingml/2006/chart" xmlns:dgm="http://schemas.openxmlformats.org/drawingml/2006/diagram" xmlns:o="urn:schemas-microsoft-com:office:office" xmlns:v="urn:schemas-microsoft-com:vml" xmlns:pvml="urn:schemas-microsoft-com:office:powerpoint" xmlns:com="http://schemas.openxmlformats.org/drawingml/2006/compatibility" xmlns:p14="http://schemas.microsoft.com/office/powerpoint/2010/main" xmlns:p15="http://schemas.microsoft.com/office/powerpoint/2012/main" xmlns:ahyp="http://schemas.microsoft.com/office/drawing/2018/hyperlinkcolor">
+  <p:cSld>
+    <p:spTree>
+      <p:nvGrpSpPr>
+        <p:cNvPr id="107" name="Shape 107"/>
+        <p:cNvGrpSpPr/>
+        <p:nvPr/>
+      </p:nvGrpSpPr>
+      <p:grpSpPr>
+        <a:xfrm>
+          <a:off x="0" y="0"/>
+          <a:ext cx="0" cy="0"/>
+          <a:chOff x="0" y="0"/>
+          <a:chExt cx="0" cy="0"/>
+        </a:xfrm>
+      </p:grpSpPr>
+      <p:pic>
+        <p:nvPicPr>
+          <p:cNvPr id="108" name="Google Shape;108;p20"/>
+          <p:cNvPicPr preferRelativeResize="0"/>
+          <p:nvPr/>
+        </p:nvPicPr>
+        <p:blipFill>
+          <a:blip r:embed="rId3">
+            <a:alphaModFix/>
+          </a:blip>
+          <a:stretch>
+            <a:fillRect/>
+          </a:stretch>
+        </p:blipFill>
+        <p:spPr>
+          <a:xfrm>
+            <a:off x="492225" y="789962"/>
+            <a:ext cx="8159551" cy="3563574"/>
+          </a:xfrm>
+          <a:prstGeom prst="rect">
+            <a:avLst/>
+          </a:prstGeom>
+          <a:noFill/>
+          <a:ln>
+            <a:noFill/>
+          </a:ln>
+        </p:spPr>
+      </p:pic>
+    </p:spTree>
+  </p:cSld>
+  <p:clrMapOvr>
+    <a:masterClrMapping/>
+  </p:clrMapOvr>
+</p:sld>
+</file>
+
+<file path=ppt/slides/slide9.xml><?xml version="1.0" encoding="utf-8"?>
+<p:sld xmlns:a="http://schemas.openxmlformats.org/drawingml/2006/main" xmlns:r="http://schemas.openxmlformats.org/officeDocument/2006/relationships" xmlns:mc="http://schemas.openxmlformats.org/markup-compatibility/2006" xmlns:mv="urn:schemas-microsoft-com:mac:vml" xmlns:p="http://schemas.openxmlformats.org/presentationml/2006/main" xmlns:c="http://schemas.openxmlformats.org/drawingml/2006/chart" xmlns:dgm="http://schemas.openxmlformats.org/drawingml/2006/diagram" xmlns:o="urn:schemas-microsoft-com:office:office" xmlns:v="urn:schemas-microsoft-com:vml" xmlns:pvml="urn:schemas-microsoft-com:office:powerpoint" xmlns:com="http://schemas.openxmlformats.org/drawingml/2006/compatibility" xmlns:p14="http://schemas.microsoft.com/office/powerpoint/2010/main" xmlns:p15="http://schemas.microsoft.com/office/powerpoint/2012/main" xmlns:ahyp="http://schemas.microsoft.com/office/drawing/2018/hyperlinkcolor">
+  <p:cSld>
+    <p:spTree>
+      <p:nvGrpSpPr>
+        <p:cNvPr id="112" name="Shape 112"/>
+        <p:cNvGrpSpPr/>
+        <p:nvPr/>
+      </p:nvGrpSpPr>
+      <p:grpSpPr>
+        <a:xfrm>
+          <a:off x="0" y="0"/>
+          <a:ext cx="0" cy="0"/>
+          <a:chOff x="0" y="0"/>
+          <a:chExt cx="0" cy="0"/>
+        </a:xfrm>
+      </p:grpSpPr>
+      <p:pic>
+        <p:nvPicPr>
+          <p:cNvPr id="113" name="Google Shape;113;p21"/>
+          <p:cNvPicPr preferRelativeResize="0"/>
+          <p:nvPr/>
+        </p:nvPicPr>
+        <p:blipFill>
+          <a:blip r:embed="rId3">
+            <a:alphaModFix/>
+          </a:blip>
+          <a:stretch>
+            <a:fillRect/>
+          </a:stretch>
+        </p:blipFill>
+        <p:spPr>
+          <a:xfrm>
+            <a:off x="534837" y="677637"/>
+            <a:ext cx="8074326" cy="3788225"/>
+          </a:xfrm>
+          <a:prstGeom prst="rect">
+            <a:avLst/>
+          </a:prstGeom>
+          <a:noFill/>
+          <a:ln>
+            <a:noFill/>
+          </a:ln>
+        </p:spPr>
+      </p:pic>
+    </p:spTree>
+  </p:cSld>
+  <p:clrMapOvr>
+    <a:masterClrMapping/>
+  </p:clrMapOvr>
 </p:sld>
 </file>
 
 <file path=ppt/theme/theme1.xml><?xml version="1.0" encoding="utf-8"?>
+<a:theme xmlns:a="http://schemas.openxmlformats.org/drawingml/2006/main" xmlns:r="http://schemas.openxmlformats.org/officeDocument/2006/relationships" name="Slate">
+  <a:themeElements>
+    <a:clrScheme name="Slate">
+      <a:dk1>
+        <a:srgbClr val="FFFFFF"/>
+      </a:dk1>
+      <a:lt1>
+        <a:srgbClr val="37474F"/>
+      </a:lt1>
+      <a:dk2>
+        <a:srgbClr val="9E9E9E"/>
+      </a:dk2>
+      <a:lt2>
+        <a:srgbClr val="E0E0E0"/>
+      </a:lt2>
+      <a:accent1>
+        <a:srgbClr val="616161"/>
+      </a:accent1>
+      <a:accent2>
+        <a:srgbClr val="78909C"/>
+      </a:accent2>
+      <a:accent3>
+        <a:srgbClr val="CACACA"/>
+      </a:accent3>
+      <a:accent4>
+        <a:srgbClr val="64FFDA"/>
+      </a:accent4>
+      <a:accent5>
+        <a:srgbClr val="FFD966"/>
+      </a:accent5>
+      <a:accent6>
+        <a:srgbClr val="F5F5F5"/>
+      </a:accent6>
+      <a:hlink>
+        <a:srgbClr val="FFD966"/>
+      </a:hlink>
+      <a:folHlink>
+        <a:srgbClr val="FFD966"/>
+      </a:folHlink>
+    </a:clrScheme>
+    <a:fontScheme name="Office">
+      <a:majorFont>
+        <a:latin typeface="Arial"/>
+        <a:ea typeface=""/>
+        <a:cs typeface=""/>
+        <a:font script="Jpan" typeface="ＭＳ Ｐゴシック"/>
+        <a:font script="Hang" typeface="맑은 고딕"/>
+        <a:font script="Hans" typeface="宋体"/>
+        <a:font script="Hant" typeface="新細明體"/>
+        <a:font script="Arab" typeface="Times New Roman"/>
+        <a:font script="Hebr" typeface="Times New Roman"/>
+        <a:font script="Thai" typeface="Angsana New"/>
+        <a:font script="Ethi" typeface="Nyala"/>
+        <a:font script="Beng" typeface="Vrinda"/>
+        <a:font script="Gujr" typeface="Shruti"/>
+        <a:font script="Khmr" typeface="MoolBoran"/>
+        <a:font script="Knda" typeface="Tunga"/>
+        <a:font script="Guru" typeface="Raavi"/>
+        <a:font script="Cans" typeface="Euphemia"/>
+        <a:font script="Cher" typeface="Plantagenet Cherokee"/>
+        <a:font script="Yiii" typeface="Microsoft Yi Baiti"/>
+        <a:font script="Tibt" typeface="Microsoft Himalaya"/>
+        <a:font script="Thaa" typeface="MV Boli"/>
+        <a:font script="Deva" typeface="Mangal"/>
+        <a:font script="Telu" typeface="Gautami"/>
+        <a:font script="Taml" typeface="Latha"/>
+        <a:font script="Syrc" typeface="Estrangelo Edessa"/>
+        <a:font script="Orya" typeface="Kalinga"/>
+        <a:font script="Mlym" typeface="Kartika"/>
+        <a:font script="Laoo" typeface="DokChampa"/>
+        <a:font script="Sinh" typeface="Iskoola Pota"/>
+        <a:font script="Mong" typeface="Mongolian Baiti"/>
+        <a:font script="Viet" typeface="Times New Roman"/>
+        <a:font script="Uigh" typeface="Microsoft Uighur"/>
+        <a:font script="Geor" typeface="Sylfaen"/>
+      </a:majorFont>
+      <a:minorFont>
+        <a:latin typeface="Arial"/>
+        <a:ea typeface=""/>
+        <a:cs typeface=""/>
+        <a:font script="Jpan" typeface="ＭＳ Ｐゴシック"/>
+        <a:font script="Hang" typeface="맑은 고딕"/>
+        <a:font script="Hans" typeface="宋体"/>
+        <a:font script="Hant" typeface="新細明體"/>
+        <a:font script="Arab" typeface="Arial"/>
+        <a:font script="Hebr" typeface="Arial"/>
+        <a:font script="Thai" typeface="Cordia New"/>
+        <a:font script="Ethi" typeface="Nyala"/>
+        <a:font script="Beng" typeface="Vrinda"/>
+        <a:font script="Gujr" typeface="Shruti"/>
+        <a:font script="Khmr" typeface="DaunPenh"/>
+        <a:font script="Knda" typeface="Tunga"/>
+        <a:font script="Guru" typeface="Raavi"/>
+        <a:font script="Cans" typeface="Euphemia"/>
+        <a:font script="Cher" typeface="Plantagenet Cherokee"/>
+        <a:font script="Yiii" typeface="Microsoft Yi Baiti"/>
+        <a:font script="Tibt" typeface="Microsoft Himalaya"/>
+        <a:font script="Thaa" typeface="MV Boli"/>
+        <a:font script="Deva" typeface="Mangal"/>
+        <a:font script="Telu" typeface="Gautami"/>
+        <a:font script="Taml" typeface="Latha"/>
+        <a:font script="Syrc" typeface="Estrangelo Edessa"/>
+        <a:font script="Orya" typeface="Kalinga"/>
+        <a:font script="Mlym" typeface="Kartika"/>
+        <a:font script="Laoo" typeface="DokChampa"/>
+        <a:font script="Sinh" typeface="Iskoola Pota"/>
+        <a:font script="Mong" typeface="Mongolian Baiti"/>
+        <a:font script="Viet" typeface="Arial"/>
+        <a:font script="Uigh" typeface="Microsoft Uighur"/>
+        <a:font script="Geor" typeface="Sylfaen"/>
+      </a:minorFont>
+    </a:fontScheme>
+    <a:fmtScheme name="Office">
+      <a:fillStyleLst>
+        <a:solidFill>
+          <a:schemeClr val="phClr"/>
+        </a:solidFill>
+        <a:gradFill rotWithShape="1">
+          <a:gsLst>
+            <a:gs pos="0">
+              <a:schemeClr val="phClr">
+                <a:tint val="50000"/>
+                <a:satMod val="300000"/>
+              </a:schemeClr>
+            </a:gs>
+            <a:gs pos="35000">
+              <a:schemeClr val="phClr">
+                <a:tint val="37000"/>
+                <a:satMod val="300000"/>
+              </a:schemeClr>
+            </a:gs>
+            <a:gs pos="100000">
+              <a:schemeClr val="phClr">
+                <a:tint val="15000"/>
+                <a:satMod val="350000"/>
+              </a:schemeClr>
+            </a:gs>
+          </a:gsLst>
+          <a:lin ang="16200000" scaled="1"/>
+        </a:gradFill>
+        <a:gradFill rotWithShape="1">
+          <a:gsLst>
+            <a:gs pos="0">
+              <a:schemeClr val="phClr">
+                <a:tint val="100000"/>
+                <a:shade val="100000"/>
+                <a:satMod val="130000"/>
+              </a:schemeClr>
+            </a:gs>
+            <a:gs pos="100000">
+              <a:schemeClr val="phClr">
+                <a:tint val="50000"/>
+                <a:shade val="100000"/>
+                <a:satMod val="350000"/>
+              </a:schemeClr>
+            </a:gs>
+          </a:gsLst>
+          <a:lin ang="16200000" scaled="0"/>
+        </a:gradFill>
+      </a:fillStyleLst>
+      <a:lnStyleLst>
+        <a:ln w="9525" cap="flat" cmpd="sng" algn="ctr">
+          <a:solidFill>
+            <a:schemeClr val="phClr">
+              <a:shade val="95000"/>
+              <a:satMod val="105000"/>
+            </a:schemeClr>
+          </a:solidFill>
+          <a:prstDash val="solid"/>
+        </a:ln>
+        <a:ln w="25400" cap="flat" cmpd="sng" algn="ctr">
+          <a:solidFill>
+            <a:schemeClr val="phClr"/>
+          </a:solidFill>
+          <a:prstDash val="solid"/>
+        </a:ln>
+        <a:ln w="38100" cap="flat" cmpd="sng" algn="ctr">
+          <a:solidFill>
+            <a:schemeClr val="phClr"/>
+          </a:solidFill>
+          <a:prstDash val="solid"/>
+        </a:ln>
+      </a:lnStyleLst>
+      <a:effectStyleLst>
+        <a:effectStyle>
+          <a:effectLst>
+            <a:outerShdw blurRad="40000" dist="20000" dir="5400000" rotWithShape="0">
+              <a:srgbClr val="000000">
+                <a:alpha val="38000"/>
+              </a:srgbClr>
+            </a:outerShdw>
+          </a:effectLst>
+        </a:effectStyle>
+        <a:effectStyle>
+          <a:effectLst>
+            <a:outerShdw blurRad="40000" dist="23000" dir="5400000" rotWithShape="0">
+              <a:srgbClr val="000000">
+                <a:alpha val="35000"/>
+              </a:srgbClr>
+            </a:outerShdw>
+          </a:effectLst>
+        </a:effectStyle>
+        <a:effectStyle>
+          <a:effectLst>
+            <a:outerShdw blurRad="40000" dist="23000" dir="5400000" rotWithShape="0">
+              <a:srgbClr val="000000">
+                <a:alpha val="35000"/>
+              </a:srgbClr>
+            </a:outerShdw>
+          </a:effectLst>
+          <a:scene3d>
+            <a:camera prst="orthographicFront">
+              <a:rot lat="0" lon="0" rev="0"/>
+            </a:camera>
+            <a:lightRig rig="threePt" dir="t">
+              <a:rot lat="0" lon="0" rev="1200000"/>
+            </a:lightRig>
+          </a:scene3d>
+          <a:sp3d>
+            <a:bevelT w="63500" h="25400"/>
+          </a:sp3d>
+        </a:effectStyle>
+      </a:effectStyleLst>
+      <a:bgFillStyleLst>
+        <a:solidFill>
+          <a:schemeClr val="phClr"/>
+        </a:solidFill>
+        <a:gradFill rotWithShape="1">
+          <a:gsLst>
+            <a:gs pos="0">
+              <a:schemeClr val="phClr">
+                <a:tint val="40000"/>
+                <a:satMod val="350000"/>
+              </a:schemeClr>
+            </a:gs>
+            <a:gs pos="40000">
+              <a:schemeClr val="phClr">
+                <a:tint val="45000"/>
+                <a:shade val="99000"/>
+                <a:satMod val="350000"/>
+              </a:schemeClr>
+            </a:gs>
+            <a:gs pos="100000">
+              <a:schemeClr val="phClr">
+                <a:shade val="20000"/>
+                <a:satMod val="255000"/>
+              </a:schemeClr>
+            </a:gs>
+          </a:gsLst>
+          <a:path path="circle">
+            <a:fillToRect l="50000" t="-80000" r="50000" b="180000"/>
+          </a:path>
+        </a:gradFill>
+        <a:gradFill rotWithShape="1">
+          <a:gsLst>
+            <a:gs pos="0">
+              <a:schemeClr val="phClr">
+                <a:tint val="80000"/>
+                <a:satMod val="300000"/>
+              </a:schemeClr>
+            </a:gs>
+            <a:gs pos="100000">
+              <a:schemeClr val="phClr">
+                <a:shade val="30000"/>
+                <a:satMod val="200000"/>
+              </a:schemeClr>
+            </a:gs>
+          </a:gsLst>
+          <a:path path="circle">
+            <a:fillToRect l="50000" t="50000" r="50000" b="50000"/>
+          </a:path>
+        </a:gradFill>
+      </a:bgFillStyleLst>
+    </a:fmtScheme>
+  </a:themeElements>
+</a:theme>
+</file>
+
+<file path=ppt/theme/theme2.xml><?xml version="1.0" encoding="utf-8"?>
 <a:theme xmlns:a="http://schemas.openxmlformats.org/drawingml/2006/main" xmlns:r="http://schemas.openxmlformats.org/officeDocument/2006/relationships">
   <a:themeElements>
     <a:clrScheme name="Default">
@@ -13120,283 +13923,4 @@
     </a:fmtScheme>
   </a:themeElements>
 </a:theme>
-</file>
-
-<file path=ppt/theme/theme2.xml><?xml version="1.0" encoding="utf-8"?>
-<a:theme xmlns:a="http://schemas.openxmlformats.org/drawingml/2006/main" xmlns:r="http://schemas.openxmlformats.org/officeDocument/2006/relationships" name="Slate">
-  <a:themeElements>
-    <a:clrScheme name="Slate">
-      <a:dk1>
-        <a:srgbClr val="FFFFFF"/>
-      </a:dk1>
-      <a:lt1>
-        <a:srgbClr val="37474F"/>
-      </a:lt1>
-      <a:dk2>
-        <a:srgbClr val="9E9E9E"/>
-      </a:dk2>
-      <a:lt2>
-        <a:srgbClr val="E0E0E0"/>
-      </a:lt2>
-      <a:accent1>
-        <a:srgbClr val="616161"/>
-      </a:accent1>
-      <a:accent2>
-        <a:srgbClr val="78909C"/>
-      </a:accent2>
-      <a:accent3>
-        <a:srgbClr val="CACACA"/>
-      </a:accent3>
-      <a:accent4>
-        <a:srgbClr val="64FFDA"/>
-      </a:accent4>
-      <a:accent5>
-        <a:srgbClr val="FFD966"/>
-      </a:accent5>
-      <a:accent6>
-        <a:srgbClr val="F5F5F5"/>
-      </a:accent6>
-      <a:hlink>
-        <a:srgbClr val="FFD966"/>
-      </a:hlink>
-      <a:folHlink>
-        <a:srgbClr val="FFD966"/>
-      </a:folHlink>
-    </a:clrScheme>
-    <a:fontScheme name="Office">
-      <a:majorFont>
-        <a:latin typeface="Arial"/>
-        <a:ea typeface=""/>
-        <a:cs typeface=""/>
-        <a:font script="Jpan" typeface="ＭＳ Ｐゴシック"/>
-        <a:font script="Hang" typeface="맑은 고딕"/>
-        <a:font script="Hans" typeface="宋体"/>
-        <a:font script="Hant" typeface="新細明體"/>
-        <a:font script="Arab" typeface="Times New Roman"/>
-        <a:font script="Hebr" typeface="Times New Roman"/>
-        <a:font script="Thai" typeface="Angsana New"/>
-        <a:font script="Ethi" typeface="Nyala"/>
-        <a:font script="Beng" typeface="Vrinda"/>
-        <a:font script="Gujr" typeface="Shruti"/>
-        <a:font script="Khmr" typeface="MoolBoran"/>
-        <a:font script="Knda" typeface="Tunga"/>
-        <a:font script="Guru" typeface="Raavi"/>
-        <a:font script="Cans" typeface="Euphemia"/>
-        <a:font script="Cher" typeface="Plantagenet Cherokee"/>
-        <a:font script="Yiii" typeface="Microsoft Yi Baiti"/>
-        <a:font script="Tibt" typeface="Microsoft Himalaya"/>
-        <a:font script="Thaa" typeface="MV Boli"/>
-        <a:font script="Deva" typeface="Mangal"/>
-        <a:font script="Telu" typeface="Gautami"/>
-        <a:font script="Taml" typeface="Latha"/>
-        <a:font script="Syrc" typeface="Estrangelo Edessa"/>
-        <a:font script="Orya" typeface="Kalinga"/>
-        <a:font script="Mlym" typeface="Kartika"/>
-        <a:font script="Laoo" typeface="DokChampa"/>
-        <a:font script="Sinh" typeface="Iskoola Pota"/>
-        <a:font script="Mong" typeface="Mongolian Baiti"/>
-        <a:font script="Viet" typeface="Times New Roman"/>
-        <a:font script="Uigh" typeface="Microsoft Uighur"/>
-        <a:font script="Geor" typeface="Sylfaen"/>
-      </a:majorFont>
-      <a:minorFont>
-        <a:latin typeface="Arial"/>
-        <a:ea typeface=""/>
-        <a:cs typeface=""/>
-        <a:font script="Jpan" typeface="ＭＳ Ｐゴシック"/>
-        <a:font script="Hang" typeface="맑은 고딕"/>
-        <a:font script="Hans" typeface="宋体"/>
-        <a:font script="Hant" typeface="新細明體"/>
-        <a:font script="Arab" typeface="Arial"/>
-        <a:font script="Hebr" typeface="Arial"/>
-        <a:font script="Thai" typeface="Cordia New"/>
-        <a:font script="Ethi" typeface="Nyala"/>
-        <a:font script="Beng" typeface="Vrinda"/>
-        <a:font script="Gujr" typeface="Shruti"/>
-        <a:font script="Khmr" typeface="DaunPenh"/>
-        <a:font script="Knda" typeface="Tunga"/>
-        <a:font script="Guru" typeface="Raavi"/>
-        <a:font script="Cans" typeface="Euphemia"/>
-        <a:font script="Cher" typeface="Plantagenet Cherokee"/>
-        <a:font script="Yiii" typeface="Microsoft Yi Baiti"/>
-        <a:font script="Tibt" typeface="Microsoft Himalaya"/>
-        <a:font script="Thaa" typeface="MV Boli"/>
-        <a:font script="Deva" typeface="Mangal"/>
-        <a:font script="Telu" typeface="Gautami"/>
-        <a:font script="Taml" typeface="Latha"/>
-        <a:font script="Syrc" typeface="Estrangelo Edessa"/>
-        <a:font script="Orya" typeface="Kalinga"/>
-        <a:font script="Mlym" typeface="Kartika"/>
-        <a:font script="Laoo" typeface="DokChampa"/>
-        <a:font script="Sinh" typeface="Iskoola Pota"/>
-        <a:font script="Mong" typeface="Mongolian Baiti"/>
-        <a:font script="Viet" typeface="Arial"/>
-        <a:font script="Uigh" typeface="Microsoft Uighur"/>
-        <a:font script="Geor" typeface="Sylfaen"/>
-      </a:minorFont>
-    </a:fontScheme>
-    <a:fmtScheme name="Office">
-      <a:fillStyleLst>
-        <a:solidFill>
-          <a:schemeClr val="phClr"/>
-        </a:solidFill>
-        <a:gradFill rotWithShape="1">
-          <a:gsLst>
-            <a:gs pos="0">
-              <a:schemeClr val="phClr">
-                <a:tint val="50000"/>
-                <a:satMod val="300000"/>
-              </a:schemeClr>
-            </a:gs>
-            <a:gs pos="35000">
-              <a:schemeClr val="phClr">
-                <a:tint val="37000"/>
-                <a:satMod val="300000"/>
-              </a:schemeClr>
-            </a:gs>
-            <a:gs pos="100000">
-              <a:schemeClr val="phClr">
-                <a:tint val="15000"/>
-                <a:satMod val="350000"/>
-              </a:schemeClr>
-            </a:gs>
-          </a:gsLst>
-          <a:lin ang="16200000" scaled="1"/>
-        </a:gradFill>
-        <a:gradFill rotWithShape="1">
-          <a:gsLst>
-            <a:gs pos="0">
-              <a:schemeClr val="phClr">
-                <a:tint val="100000"/>
-                <a:shade val="100000"/>
-                <a:satMod val="130000"/>
-              </a:schemeClr>
-            </a:gs>
-            <a:gs pos="100000">
-              <a:schemeClr val="phClr">
-                <a:tint val="50000"/>
-                <a:shade val="100000"/>
-                <a:satMod val="350000"/>
-              </a:schemeClr>
-            </a:gs>
-          </a:gsLst>
-          <a:lin ang="16200000" scaled="0"/>
-        </a:gradFill>
-      </a:fillStyleLst>
-      <a:lnStyleLst>
-        <a:ln w="9525" cap="flat" cmpd="sng" algn="ctr">
-          <a:solidFill>
-            <a:schemeClr val="phClr">
-              <a:shade val="95000"/>
-              <a:satMod val="105000"/>
-            </a:schemeClr>
-          </a:solidFill>
-          <a:prstDash val="solid"/>
-        </a:ln>
-        <a:ln w="25400" cap="flat" cmpd="sng" algn="ctr">
-          <a:solidFill>
-            <a:schemeClr val="phClr"/>
-          </a:solidFill>
-          <a:prstDash val="solid"/>
-        </a:ln>
-        <a:ln w="38100" cap="flat" cmpd="sng" algn="ctr">
-          <a:solidFill>
-            <a:schemeClr val="phClr"/>
-          </a:solidFill>
-          <a:prstDash val="solid"/>
-        </a:ln>
-      </a:lnStyleLst>
-      <a:effectStyleLst>
-        <a:effectStyle>
-          <a:effectLst>
-            <a:outerShdw blurRad="40000" dist="20000" dir="5400000" rotWithShape="0">
-              <a:srgbClr val="000000">
-                <a:alpha val="38000"/>
-              </a:srgbClr>
-            </a:outerShdw>
-          </a:effectLst>
-        </a:effectStyle>
-        <a:effectStyle>
-          <a:effectLst>
-            <a:outerShdw blurRad="40000" dist="23000" dir="5400000" rotWithShape="0">
-              <a:srgbClr val="000000">
-                <a:alpha val="35000"/>
-              </a:srgbClr>
-            </a:outerShdw>
-          </a:effectLst>
-        </a:effectStyle>
-        <a:effectStyle>
-          <a:effectLst>
-            <a:outerShdw blurRad="40000" dist="23000" dir="5400000" rotWithShape="0">
-              <a:srgbClr val="000000">
-                <a:alpha val="35000"/>
-              </a:srgbClr>
-            </a:outerShdw>
-          </a:effectLst>
-          <a:scene3d>
-            <a:camera prst="orthographicFront">
-              <a:rot lat="0" lon="0" rev="0"/>
-            </a:camera>
-            <a:lightRig rig="threePt" dir="t">
-              <a:rot lat="0" lon="0" rev="1200000"/>
-            </a:lightRig>
-          </a:scene3d>
-          <a:sp3d>
-            <a:bevelT w="63500" h="25400"/>
-          </a:sp3d>
-        </a:effectStyle>
-      </a:effectStyleLst>
-      <a:bgFillStyleLst>
-        <a:solidFill>
-          <a:schemeClr val="phClr"/>
-        </a:solidFill>
-        <a:gradFill rotWithShape="1">
-          <a:gsLst>
-            <a:gs pos="0">
-              <a:schemeClr val="phClr">
-                <a:tint val="40000"/>
-                <a:satMod val="350000"/>
-              </a:schemeClr>
-            </a:gs>
-            <a:gs pos="40000">
-              <a:schemeClr val="phClr">
-                <a:tint val="45000"/>
-                <a:shade val="99000"/>
-                <a:satMod val="350000"/>
-              </a:schemeClr>
-            </a:gs>
-            <a:gs pos="100000">
-              <a:schemeClr val="phClr">
-                <a:shade val="20000"/>
-                <a:satMod val="255000"/>
-              </a:schemeClr>
-            </a:gs>
-          </a:gsLst>
-          <a:path path="circle">
-            <a:fillToRect l="50000" t="-80000" r="50000" b="180000"/>
-          </a:path>
-        </a:gradFill>
-        <a:gradFill rotWithShape="1">
-          <a:gsLst>
-            <a:gs pos="0">
-              <a:schemeClr val="phClr">
-                <a:tint val="80000"/>
-                <a:satMod val="300000"/>
-              </a:schemeClr>
-            </a:gs>
-            <a:gs pos="100000">
-              <a:schemeClr val="phClr">
-                <a:shade val="30000"/>
-                <a:satMod val="200000"/>
-              </a:schemeClr>
-            </a:gs>
-          </a:gsLst>
-          <a:path path="circle">
-            <a:fillToRect l="50000" t="50000" r="50000" b="50000"/>
-          </a:path>
-        </a:gradFill>
-      </a:bgFillStyleLst>
-    </a:fmtScheme>
-  </a:themeElements>
-</a:theme>
 </file>